--- a/docs/lectures/lec-06.pptx
+++ b/docs/lectures/lec-06.pptx
@@ -250,14 +250,14 @@
           <a:effectLst/>
           <a:extLst>
             <a:ext uri="{909E8E84-426E-40dd-AFC4-6F175D3DCCD1}">
-              <a14:hiddenFill xmlns="" xmlns:a14="http://schemas.microsoft.com/office/drawing/2010/main">
+              <a14:hiddenFill xmlns:a14="http://schemas.microsoft.com/office/drawing/2010/main" xmlns="">
                 <a:solidFill>
                   <a:schemeClr val="accent1"/>
                 </a:solidFill>
               </a14:hiddenFill>
             </a:ext>
             <a:ext uri="{91240B29-F687-4f45-9708-019B960494DF}">
-              <a14:hiddenLine xmlns="" xmlns:a14="http://schemas.microsoft.com/office/drawing/2010/main" w="9525">
+              <a14:hiddenLine xmlns:a14="http://schemas.microsoft.com/office/drawing/2010/main" xmlns="" w="9525">
                 <a:solidFill>
                   <a:schemeClr val="tx1"/>
                 </a:solidFill>
@@ -267,7 +267,7 @@
               </a14:hiddenLine>
             </a:ext>
             <a:ext uri="{AF507438-7753-43e0-B8FC-AC1667EBCBE1}">
-              <a14:hiddenEffects xmlns="" xmlns:a14="http://schemas.microsoft.com/office/drawing/2010/main">
+              <a14:hiddenEffects xmlns:a14="http://schemas.microsoft.com/office/drawing/2010/main" xmlns="">
                 <a:effectLst>
                   <a:outerShdw dist="35921" dir="2700000" algn="ctr" rotWithShape="0">
                     <a:schemeClr val="bg2"/>
@@ -321,14 +321,14 @@
           <a:effectLst/>
           <a:extLst>
             <a:ext uri="{909E8E84-426E-40dd-AFC4-6F175D3DCCD1}">
-              <a14:hiddenFill xmlns="" xmlns:a14="http://schemas.microsoft.com/office/drawing/2010/main">
+              <a14:hiddenFill xmlns:a14="http://schemas.microsoft.com/office/drawing/2010/main" xmlns="">
                 <a:solidFill>
                   <a:schemeClr val="accent1"/>
                 </a:solidFill>
               </a14:hiddenFill>
             </a:ext>
             <a:ext uri="{91240B29-F687-4f45-9708-019B960494DF}">
-              <a14:hiddenLine xmlns="" xmlns:a14="http://schemas.microsoft.com/office/drawing/2010/main" w="9525">
+              <a14:hiddenLine xmlns:a14="http://schemas.microsoft.com/office/drawing/2010/main" xmlns="" w="9525">
                 <a:solidFill>
                   <a:schemeClr val="tx1"/>
                 </a:solidFill>
@@ -338,7 +338,7 @@
               </a14:hiddenLine>
             </a:ext>
             <a:ext uri="{AF507438-7753-43e0-B8FC-AC1667EBCBE1}">
-              <a14:hiddenEffects xmlns="" xmlns:a14="http://schemas.microsoft.com/office/drawing/2010/main">
+              <a14:hiddenEffects xmlns:a14="http://schemas.microsoft.com/office/drawing/2010/main" xmlns="">
                 <a:effectLst>
                   <a:outerShdw dist="35921" dir="2700000" algn="ctr" rotWithShape="0">
                     <a:schemeClr val="bg2"/>
@@ -392,14 +392,14 @@
           <a:effectLst/>
           <a:extLst>
             <a:ext uri="{909E8E84-426E-40dd-AFC4-6F175D3DCCD1}">
-              <a14:hiddenFill xmlns="" xmlns:a14="http://schemas.microsoft.com/office/drawing/2010/main">
+              <a14:hiddenFill xmlns:a14="http://schemas.microsoft.com/office/drawing/2010/main" xmlns="">
                 <a:solidFill>
                   <a:schemeClr val="accent1"/>
                 </a:solidFill>
               </a14:hiddenFill>
             </a:ext>
             <a:ext uri="{91240B29-F687-4f45-9708-019B960494DF}">
-              <a14:hiddenLine xmlns="" xmlns:a14="http://schemas.microsoft.com/office/drawing/2010/main" w="9525">
+              <a14:hiddenLine xmlns:a14="http://schemas.microsoft.com/office/drawing/2010/main" xmlns="" w="9525">
                 <a:solidFill>
                   <a:schemeClr val="tx1"/>
                 </a:solidFill>
@@ -409,7 +409,7 @@
               </a14:hiddenLine>
             </a:ext>
             <a:ext uri="{AF507438-7753-43e0-B8FC-AC1667EBCBE1}">
-              <a14:hiddenEffects xmlns="" xmlns:a14="http://schemas.microsoft.com/office/drawing/2010/main">
+              <a14:hiddenEffects xmlns:a14="http://schemas.microsoft.com/office/drawing/2010/main" xmlns="">
                 <a:effectLst>
                   <a:outerShdw dist="35921" dir="2700000" algn="ctr" rotWithShape="0">
                     <a:schemeClr val="bg2"/>
@@ -463,14 +463,14 @@
           <a:effectLst/>
           <a:extLst>
             <a:ext uri="{909E8E84-426E-40dd-AFC4-6F175D3DCCD1}">
-              <a14:hiddenFill xmlns="" xmlns:a14="http://schemas.microsoft.com/office/drawing/2010/main">
+              <a14:hiddenFill xmlns:a14="http://schemas.microsoft.com/office/drawing/2010/main" xmlns="">
                 <a:solidFill>
                   <a:schemeClr val="accent1"/>
                 </a:solidFill>
               </a14:hiddenFill>
             </a:ext>
             <a:ext uri="{91240B29-F687-4f45-9708-019B960494DF}">
-              <a14:hiddenLine xmlns="" xmlns:a14="http://schemas.microsoft.com/office/drawing/2010/main" w="9525">
+              <a14:hiddenLine xmlns:a14="http://schemas.microsoft.com/office/drawing/2010/main" xmlns="" w="9525">
                 <a:solidFill>
                   <a:schemeClr val="tx1"/>
                 </a:solidFill>
@@ -480,7 +480,7 @@
               </a14:hiddenLine>
             </a:ext>
             <a:ext uri="{AF507438-7753-43e0-B8FC-AC1667EBCBE1}">
-              <a14:hiddenEffects xmlns="" xmlns:a14="http://schemas.microsoft.com/office/drawing/2010/main">
+              <a14:hiddenEffects xmlns:a14="http://schemas.microsoft.com/office/drawing/2010/main" xmlns="">
                 <a:effectLst>
                   <a:outerShdw dist="35921" dir="2700000" algn="ctr" rotWithShape="0">
                     <a:schemeClr val="bg2"/>
@@ -577,14 +577,14 @@
           <a:effectLst/>
           <a:extLst>
             <a:ext uri="{909E8E84-426E-40dd-AFC4-6F175D3DCCD1}">
-              <a14:hiddenFill xmlns="" xmlns:a14="http://schemas.microsoft.com/office/drawing/2010/main">
+              <a14:hiddenFill xmlns:a14="http://schemas.microsoft.com/office/drawing/2010/main" xmlns="">
                 <a:solidFill>
                   <a:schemeClr val="accent1"/>
                 </a:solidFill>
               </a14:hiddenFill>
             </a:ext>
             <a:ext uri="{91240B29-F687-4f45-9708-019B960494DF}">
-              <a14:hiddenLine xmlns="" xmlns:a14="http://schemas.microsoft.com/office/drawing/2010/main" w="9525">
+              <a14:hiddenLine xmlns:a14="http://schemas.microsoft.com/office/drawing/2010/main" xmlns="" w="9525">
                 <a:solidFill>
                   <a:schemeClr val="tx1"/>
                 </a:solidFill>
@@ -594,7 +594,7 @@
               </a14:hiddenLine>
             </a:ext>
             <a:ext uri="{AF507438-7753-43e0-B8FC-AC1667EBCBE1}">
-              <a14:hiddenEffects xmlns="" xmlns:a14="http://schemas.microsoft.com/office/drawing/2010/main">
+              <a14:hiddenEffects xmlns:a14="http://schemas.microsoft.com/office/drawing/2010/main" xmlns="">
                 <a:effectLst>
                   <a:outerShdw dist="35921" dir="2700000" algn="ctr" rotWithShape="0">
                     <a:schemeClr val="bg2"/>
@@ -648,14 +648,14 @@
           <a:effectLst/>
           <a:extLst>
             <a:ext uri="{909E8E84-426E-40dd-AFC4-6F175D3DCCD1}">
-              <a14:hiddenFill xmlns="" xmlns:a14="http://schemas.microsoft.com/office/drawing/2010/main">
+              <a14:hiddenFill xmlns:a14="http://schemas.microsoft.com/office/drawing/2010/main" xmlns="">
                 <a:solidFill>
                   <a:schemeClr val="accent1"/>
                 </a:solidFill>
               </a14:hiddenFill>
             </a:ext>
             <a:ext uri="{91240B29-F687-4f45-9708-019B960494DF}">
-              <a14:hiddenLine xmlns="" xmlns:a14="http://schemas.microsoft.com/office/drawing/2010/main" w="9525">
+              <a14:hiddenLine xmlns:a14="http://schemas.microsoft.com/office/drawing/2010/main" xmlns="" w="9525">
                 <a:solidFill>
                   <a:schemeClr val="tx1"/>
                 </a:solidFill>
@@ -665,7 +665,7 @@
               </a14:hiddenLine>
             </a:ext>
             <a:ext uri="{AF507438-7753-43e0-B8FC-AC1667EBCBE1}">
-              <a14:hiddenEffects xmlns="" xmlns:a14="http://schemas.microsoft.com/office/drawing/2010/main">
+              <a14:hiddenEffects xmlns:a14="http://schemas.microsoft.com/office/drawing/2010/main" xmlns="">
                 <a:effectLst>
                   <a:outerShdw dist="35921" dir="2700000" algn="ctr" rotWithShape="0">
                     <a:schemeClr val="bg2"/>
@@ -724,14 +724,14 @@
           <a:effectLst/>
           <a:extLst>
             <a:ext uri="{909E8E84-426E-40dd-AFC4-6F175D3DCCD1}">
-              <a14:hiddenFill xmlns="" xmlns:a14="http://schemas.microsoft.com/office/drawing/2010/main">
+              <a14:hiddenFill xmlns:a14="http://schemas.microsoft.com/office/drawing/2010/main" xmlns="">
                 <a:solidFill>
                   <a:srgbClr val="FFFFFF"/>
                 </a:solidFill>
               </a14:hiddenFill>
             </a:ext>
             <a:ext uri="{AF507438-7753-43e0-B8FC-AC1667EBCBE1}">
-              <a14:hiddenEffects xmlns="" xmlns:a14="http://schemas.microsoft.com/office/drawing/2010/main">
+              <a14:hiddenEffects xmlns:a14="http://schemas.microsoft.com/office/drawing/2010/main" xmlns="">
                 <a:effectLst>
                   <a:outerShdw dist="35921" dir="2700000" algn="ctr" rotWithShape="0">
                     <a:srgbClr val="808080"/>
@@ -740,7 +740,7 @@
               </a14:hiddenEffects>
             </a:ext>
             <a:ext uri="{53640926-AAD7-44d8-BBD7-CCE9431645EC}">
-              <a14:shadowObscured xmlns="" xmlns:a14="http://schemas.microsoft.com/office/drawing/2010/main" val="1"/>
+              <a14:shadowObscured xmlns:a14="http://schemas.microsoft.com/office/drawing/2010/main" xmlns="" val="1"/>
             </a:ext>
           </a:extLst>
         </p:spPr>
@@ -770,14 +770,14 @@
           <a:effectLst/>
           <a:extLst>
             <a:ext uri="{909E8E84-426E-40dd-AFC4-6F175D3DCCD1}">
-              <a14:hiddenFill xmlns="" xmlns:a14="http://schemas.microsoft.com/office/drawing/2010/main">
+              <a14:hiddenFill xmlns:a14="http://schemas.microsoft.com/office/drawing/2010/main" xmlns="">
                 <a:solidFill>
                   <a:schemeClr val="accent1"/>
                 </a:solidFill>
               </a14:hiddenFill>
             </a:ext>
             <a:ext uri="{91240B29-F687-4f45-9708-019B960494DF}">
-              <a14:hiddenLine xmlns="" xmlns:a14="http://schemas.microsoft.com/office/drawing/2010/main" w="9525">
+              <a14:hiddenLine xmlns:a14="http://schemas.microsoft.com/office/drawing/2010/main" xmlns="" w="9525">
                 <a:solidFill>
                   <a:schemeClr val="tx1"/>
                 </a:solidFill>
@@ -787,7 +787,7 @@
               </a14:hiddenLine>
             </a:ext>
             <a:ext uri="{AF507438-7753-43e0-B8FC-AC1667EBCBE1}">
-              <a14:hiddenEffects xmlns="" xmlns:a14="http://schemas.microsoft.com/office/drawing/2010/main">
+              <a14:hiddenEffects xmlns:a14="http://schemas.microsoft.com/office/drawing/2010/main" xmlns="">
                 <a:effectLst>
                   <a:outerShdw dist="35921" dir="2700000" algn="ctr" rotWithShape="0">
                     <a:schemeClr val="bg2"/>
@@ -866,14 +866,14 @@
           <a:effectLst/>
           <a:extLst>
             <a:ext uri="{909E8E84-426E-40dd-AFC4-6F175D3DCCD1}">
-              <a14:hiddenFill xmlns="" xmlns:a14="http://schemas.microsoft.com/office/drawing/2010/main">
+              <a14:hiddenFill xmlns:a14="http://schemas.microsoft.com/office/drawing/2010/main" xmlns="">
                 <a:solidFill>
                   <a:schemeClr val="accent1"/>
                 </a:solidFill>
               </a14:hiddenFill>
             </a:ext>
             <a:ext uri="{91240B29-F687-4f45-9708-019B960494DF}">
-              <a14:hiddenLine xmlns="" xmlns:a14="http://schemas.microsoft.com/office/drawing/2010/main" w="9525">
+              <a14:hiddenLine xmlns:a14="http://schemas.microsoft.com/office/drawing/2010/main" xmlns="" w="9525">
                 <a:solidFill>
                   <a:schemeClr val="tx1"/>
                 </a:solidFill>
@@ -883,7 +883,7 @@
               </a14:hiddenLine>
             </a:ext>
             <a:ext uri="{AF507438-7753-43e0-B8FC-AC1667EBCBE1}">
-              <a14:hiddenEffects xmlns="" xmlns:a14="http://schemas.microsoft.com/office/drawing/2010/main">
+              <a14:hiddenEffects xmlns:a14="http://schemas.microsoft.com/office/drawing/2010/main" xmlns="">
                 <a:effectLst>
                   <a:outerShdw dist="35921" dir="2700000" algn="ctr" rotWithShape="0">
                     <a:schemeClr val="bg2"/>
@@ -937,14 +937,14 @@
           <a:effectLst/>
           <a:extLst>
             <a:ext uri="{909E8E84-426E-40dd-AFC4-6F175D3DCCD1}">
-              <a14:hiddenFill xmlns="" xmlns:a14="http://schemas.microsoft.com/office/drawing/2010/main">
+              <a14:hiddenFill xmlns:a14="http://schemas.microsoft.com/office/drawing/2010/main" xmlns="">
                 <a:solidFill>
                   <a:schemeClr val="accent1"/>
                 </a:solidFill>
               </a14:hiddenFill>
             </a:ext>
             <a:ext uri="{91240B29-F687-4f45-9708-019B960494DF}">
-              <a14:hiddenLine xmlns="" xmlns:a14="http://schemas.microsoft.com/office/drawing/2010/main" w="9525">
+              <a14:hiddenLine xmlns:a14="http://schemas.microsoft.com/office/drawing/2010/main" xmlns="" w="9525">
                 <a:solidFill>
                   <a:schemeClr val="tx1"/>
                 </a:solidFill>
@@ -954,7 +954,7 @@
               </a14:hiddenLine>
             </a:ext>
             <a:ext uri="{AF507438-7753-43e0-B8FC-AC1667EBCBE1}">
-              <a14:hiddenEffects xmlns="" xmlns:a14="http://schemas.microsoft.com/office/drawing/2010/main">
+              <a14:hiddenEffects xmlns:a14="http://schemas.microsoft.com/office/drawing/2010/main" xmlns="">
                 <a:effectLst>
                   <a:outerShdw dist="35921" dir="2700000" algn="ctr" rotWithShape="0">
                     <a:schemeClr val="bg2"/>
@@ -10867,14 +10867,14 @@
           <a:effectLst/>
           <a:extLst>
             <a:ext uri="{909E8E84-426E-40dd-AFC4-6F175D3DCCD1}">
-              <a14:hiddenFill xmlns="" xmlns:a14="http://schemas.microsoft.com/office/drawing/2010/main">
+              <a14:hiddenFill xmlns:a14="http://schemas.microsoft.com/office/drawing/2010/main" xmlns="">
                 <a:solidFill>
                   <a:schemeClr val="accent1"/>
                 </a:solidFill>
               </a14:hiddenFill>
             </a:ext>
             <a:ext uri="{91240B29-F687-4f45-9708-019B960494DF}">
-              <a14:hiddenLine xmlns="" xmlns:a14="http://schemas.microsoft.com/office/drawing/2010/main" w="9525">
+              <a14:hiddenLine xmlns:a14="http://schemas.microsoft.com/office/drawing/2010/main" xmlns="" w="9525">
                 <a:solidFill>
                   <a:schemeClr val="tx1"/>
                 </a:solidFill>
@@ -10884,7 +10884,7 @@
               </a14:hiddenLine>
             </a:ext>
             <a:ext uri="{AF507438-7753-43e0-B8FC-AC1667EBCBE1}">
-              <a14:hiddenEffects xmlns="" xmlns:a14="http://schemas.microsoft.com/office/drawing/2010/main">
+              <a14:hiddenEffects xmlns:a14="http://schemas.microsoft.com/office/drawing/2010/main" xmlns="">
                 <a:effectLst>
                   <a:outerShdw dist="35921" dir="2700000" algn="ctr" rotWithShape="0">
                     <a:schemeClr val="bg2"/>
@@ -10963,14 +10963,14 @@
           <a:effectLst/>
           <a:extLst>
             <a:ext uri="{909E8E84-426E-40dd-AFC4-6F175D3DCCD1}">
-              <a14:hiddenFill xmlns="" xmlns:a14="http://schemas.microsoft.com/office/drawing/2010/main">
+              <a14:hiddenFill xmlns:a14="http://schemas.microsoft.com/office/drawing/2010/main" xmlns="">
                 <a:solidFill>
                   <a:schemeClr val="accent1"/>
                 </a:solidFill>
               </a14:hiddenFill>
             </a:ext>
             <a:ext uri="{91240B29-F687-4f45-9708-019B960494DF}">
-              <a14:hiddenLine xmlns="" xmlns:a14="http://schemas.microsoft.com/office/drawing/2010/main" w="9525">
+              <a14:hiddenLine xmlns:a14="http://schemas.microsoft.com/office/drawing/2010/main" xmlns="" w="9525">
                 <a:solidFill>
                   <a:schemeClr val="tx1"/>
                 </a:solidFill>
@@ -10980,7 +10980,7 @@
               </a14:hiddenLine>
             </a:ext>
             <a:ext uri="{AF507438-7753-43e0-B8FC-AC1667EBCBE1}">
-              <a14:hiddenEffects xmlns="" xmlns:a14="http://schemas.microsoft.com/office/drawing/2010/main">
+              <a14:hiddenEffects xmlns:a14="http://schemas.microsoft.com/office/drawing/2010/main" xmlns="">
                 <a:effectLst>
                   <a:outerShdw dist="35921" dir="2700000" algn="ctr" rotWithShape="0">
                     <a:schemeClr val="bg2"/>
@@ -11041,14 +11041,14 @@
           <a:effectLst/>
           <a:extLst>
             <a:ext uri="{909E8E84-426E-40dd-AFC4-6F175D3DCCD1}">
-              <a14:hiddenFill xmlns="" xmlns:a14="http://schemas.microsoft.com/office/drawing/2010/main">
+              <a14:hiddenFill xmlns:a14="http://schemas.microsoft.com/office/drawing/2010/main" xmlns="">
                 <a:solidFill>
                   <a:schemeClr val="accent1"/>
                 </a:solidFill>
               </a14:hiddenFill>
             </a:ext>
             <a:ext uri="{91240B29-F687-4f45-9708-019B960494DF}">
-              <a14:hiddenLine xmlns="" xmlns:a14="http://schemas.microsoft.com/office/drawing/2010/main" w="9525">
+              <a14:hiddenLine xmlns:a14="http://schemas.microsoft.com/office/drawing/2010/main" xmlns="" w="9525">
                 <a:solidFill>
                   <a:schemeClr val="tx1"/>
                 </a:solidFill>
@@ -11058,7 +11058,7 @@
               </a14:hiddenLine>
             </a:ext>
             <a:ext uri="{AF507438-7753-43e0-B8FC-AC1667EBCBE1}">
-              <a14:hiddenEffects xmlns="" xmlns:a14="http://schemas.microsoft.com/office/drawing/2010/main">
+              <a14:hiddenEffects xmlns:a14="http://schemas.microsoft.com/office/drawing/2010/main" xmlns="">
                 <a:effectLst>
                   <a:outerShdw dist="35921" dir="2700000" algn="ctr" rotWithShape="0">
                     <a:schemeClr val="bg2"/>
@@ -11119,14 +11119,14 @@
           <a:effectLst/>
           <a:extLst>
             <a:ext uri="{909E8E84-426E-40dd-AFC4-6F175D3DCCD1}">
-              <a14:hiddenFill xmlns="" xmlns:a14="http://schemas.microsoft.com/office/drawing/2010/main">
+              <a14:hiddenFill xmlns:a14="http://schemas.microsoft.com/office/drawing/2010/main" xmlns="">
                 <a:solidFill>
                   <a:schemeClr val="accent1"/>
                 </a:solidFill>
               </a14:hiddenFill>
             </a:ext>
             <a:ext uri="{91240B29-F687-4f45-9708-019B960494DF}">
-              <a14:hiddenLine xmlns="" xmlns:a14="http://schemas.microsoft.com/office/drawing/2010/main" w="9525">
+              <a14:hiddenLine xmlns:a14="http://schemas.microsoft.com/office/drawing/2010/main" xmlns="" w="9525">
                 <a:solidFill>
                   <a:schemeClr val="tx1"/>
                 </a:solidFill>
@@ -11136,7 +11136,7 @@
               </a14:hiddenLine>
             </a:ext>
             <a:ext uri="{AF507438-7753-43e0-B8FC-AC1667EBCBE1}">
-              <a14:hiddenEffects xmlns="" xmlns:a14="http://schemas.microsoft.com/office/drawing/2010/main">
+              <a14:hiddenEffects xmlns:a14="http://schemas.microsoft.com/office/drawing/2010/main" xmlns="">
                 <a:effectLst>
                   <a:outerShdw dist="35921" dir="2700000" algn="ctr" rotWithShape="0">
                     <a:schemeClr val="bg2"/>
@@ -11704,7 +11704,7 @@
             </a:r>
             <a:r>
               <a:rPr lang="en-US" altLang="en-US" dirty="0"/>
-              <a:t>, Brooke Wright</a:t>
+              <a:t>, Brooke Lowman</a:t>
             </a:r>
           </a:p>
         </p:txBody>
@@ -13235,14 +13235,14 @@
                       <a:effectLst/>
                       <a:extLst>
                         <a:ext uri="{909E8E84-426E-40dd-AFC4-6F175D3DCCD1}">
-                          <a14:hiddenFill xmlns="" xmlns:a14="http://schemas.microsoft.com/office/drawing/2010/main">
+                          <a14:hiddenFill xmlns:a14="http://schemas.microsoft.com/office/drawing/2010/main" xmlns="">
                             <a:solidFill>
                               <a:srgbClr val="FFFFFF"/>
                             </a:solidFill>
                           </a14:hiddenFill>
                         </a:ext>
                         <a:ext uri="{91240B29-F687-4f45-9708-019B960494DF}">
-                          <a14:hiddenLine xmlns="" xmlns:a14="http://schemas.microsoft.com/office/drawing/2010/main" w="9525">
+                          <a14:hiddenLine xmlns:a14="http://schemas.microsoft.com/office/drawing/2010/main" xmlns="" w="9525">
                             <a:solidFill>
                               <a:srgbClr val="000000"/>
                             </a:solidFill>
@@ -13252,7 +13252,7 @@
                           </a14:hiddenLine>
                         </a:ext>
                         <a:ext uri="{AF507438-7753-43e0-B8FC-AC1667EBCBE1}">
-                          <a14:hiddenEffects xmlns="" xmlns:a14="http://schemas.microsoft.com/office/drawing/2010/main">
+                          <a14:hiddenEffects xmlns:a14="http://schemas.microsoft.com/office/drawing/2010/main" xmlns="">
                             <a:effectLst>
                               <a:outerShdw dist="35921" dir="2700000" algn="ctr" rotWithShape="0">
                                 <a:srgbClr val="808080"/>
@@ -13962,14 +13962,14 @@
                       <a:effectLst/>
                       <a:extLst>
                         <a:ext uri="{909E8E84-426E-40dd-AFC4-6F175D3DCCD1}">
-                          <a14:hiddenFill xmlns="" xmlns:a14="http://schemas.microsoft.com/office/drawing/2010/main">
+                          <a14:hiddenFill xmlns:a14="http://schemas.microsoft.com/office/drawing/2010/main" xmlns="">
                             <a:solidFill>
                               <a:srgbClr val="FFFFFF"/>
                             </a:solidFill>
                           </a14:hiddenFill>
                         </a:ext>
                         <a:ext uri="{91240B29-F687-4f45-9708-019B960494DF}">
-                          <a14:hiddenLine xmlns="" xmlns:a14="http://schemas.microsoft.com/office/drawing/2010/main" w="9525">
+                          <a14:hiddenLine xmlns:a14="http://schemas.microsoft.com/office/drawing/2010/main" xmlns="" w="9525">
                             <a:solidFill>
                               <a:srgbClr val="000000"/>
                             </a:solidFill>
@@ -13979,7 +13979,7 @@
                           </a14:hiddenLine>
                         </a:ext>
                         <a:ext uri="{AF507438-7753-43e0-B8FC-AC1667EBCBE1}">
-                          <a14:hiddenEffects xmlns="" xmlns:a14="http://schemas.microsoft.com/office/drawing/2010/main">
+                          <a14:hiddenEffects xmlns:a14="http://schemas.microsoft.com/office/drawing/2010/main" xmlns="">
                             <a:effectLst>
                               <a:outerShdw dist="35921" dir="2700000" algn="ctr" rotWithShape="0">
                                 <a:srgbClr val="808080"/>
@@ -14218,14 +14218,14 @@
           </a:ln>
           <a:extLst>
             <a:ext uri="{909E8E84-426E-40dd-AFC4-6F175D3DCCD1}">
-              <a14:hiddenFill xmlns="" xmlns:a14="http://schemas.microsoft.com/office/drawing/2010/main">
+              <a14:hiddenFill xmlns:a14="http://schemas.microsoft.com/office/drawing/2010/main" xmlns="">
                 <a:solidFill>
                   <a:srgbClr val="FFFFFF"/>
                 </a:solidFill>
               </a14:hiddenFill>
             </a:ext>
             <a:ext uri="{91240B29-F687-4f45-9708-019B960494DF}">
-              <a14:hiddenLine xmlns="" xmlns:a14="http://schemas.microsoft.com/office/drawing/2010/main" w="9525">
+              <a14:hiddenLine xmlns:a14="http://schemas.microsoft.com/office/drawing/2010/main" xmlns="" w="9525">
                 <a:solidFill>
                   <a:srgbClr val="000000"/>
                 </a:solidFill>
@@ -14774,14 +14774,14 @@
           </a:ln>
           <a:extLst>
             <a:ext uri="{909E8E84-426E-40dd-AFC4-6F175D3DCCD1}">
-              <a14:hiddenFill xmlns="" xmlns:a14="http://schemas.microsoft.com/office/drawing/2010/main">
+              <a14:hiddenFill xmlns:a14="http://schemas.microsoft.com/office/drawing/2010/main" xmlns="">
                 <a:solidFill>
                   <a:srgbClr val="FFFFFF"/>
                 </a:solidFill>
               </a14:hiddenFill>
             </a:ext>
             <a:ext uri="{91240B29-F687-4f45-9708-019B960494DF}">
-              <a14:hiddenLine xmlns="" xmlns:a14="http://schemas.microsoft.com/office/drawing/2010/main" w="9525">
+              <a14:hiddenLine xmlns:a14="http://schemas.microsoft.com/office/drawing/2010/main" xmlns="" w="9525">
                 <a:solidFill>
                   <a:srgbClr val="000000"/>
                 </a:solidFill>
@@ -14828,14 +14828,14 @@
           </a:ln>
           <a:extLst>
             <a:ext uri="{909E8E84-426E-40dd-AFC4-6F175D3DCCD1}">
-              <a14:hiddenFill xmlns="" xmlns:a14="http://schemas.microsoft.com/office/drawing/2010/main">
+              <a14:hiddenFill xmlns:a14="http://schemas.microsoft.com/office/drawing/2010/main" xmlns="">
                 <a:solidFill>
                   <a:srgbClr val="FFFFFF"/>
                 </a:solidFill>
               </a14:hiddenFill>
             </a:ext>
             <a:ext uri="{91240B29-F687-4f45-9708-019B960494DF}">
-              <a14:hiddenLine xmlns="" xmlns:a14="http://schemas.microsoft.com/office/drawing/2010/main" w="9525">
+              <a14:hiddenLine xmlns:a14="http://schemas.microsoft.com/office/drawing/2010/main" xmlns="" w="9525">
                 <a:solidFill>
                   <a:srgbClr val="000000"/>
                 </a:solidFill>
@@ -14882,14 +14882,14 @@
           </a:ln>
           <a:extLst>
             <a:ext uri="{909E8E84-426E-40dd-AFC4-6F175D3DCCD1}">
-              <a14:hiddenFill xmlns="" xmlns:a14="http://schemas.microsoft.com/office/drawing/2010/main">
+              <a14:hiddenFill xmlns:a14="http://schemas.microsoft.com/office/drawing/2010/main" xmlns="">
                 <a:solidFill>
                   <a:srgbClr val="FFFFFF"/>
                 </a:solidFill>
               </a14:hiddenFill>
             </a:ext>
             <a:ext uri="{91240B29-F687-4f45-9708-019B960494DF}">
-              <a14:hiddenLine xmlns="" xmlns:a14="http://schemas.microsoft.com/office/drawing/2010/main" w="9525">
+              <a14:hiddenLine xmlns:a14="http://schemas.microsoft.com/office/drawing/2010/main" xmlns="" w="9525">
                 <a:solidFill>
                   <a:srgbClr val="000000"/>
                 </a:solidFill>
@@ -14936,14 +14936,14 @@
           </a:ln>
           <a:extLst>
             <a:ext uri="{909E8E84-426E-40dd-AFC4-6F175D3DCCD1}">
-              <a14:hiddenFill xmlns="" xmlns:a14="http://schemas.microsoft.com/office/drawing/2010/main">
+              <a14:hiddenFill xmlns:a14="http://schemas.microsoft.com/office/drawing/2010/main" xmlns="">
                 <a:solidFill>
                   <a:srgbClr val="FFFFFF"/>
                 </a:solidFill>
               </a14:hiddenFill>
             </a:ext>
             <a:ext uri="{91240B29-F687-4f45-9708-019B960494DF}">
-              <a14:hiddenLine xmlns="" xmlns:a14="http://schemas.microsoft.com/office/drawing/2010/main" w="9525">
+              <a14:hiddenLine xmlns:a14="http://schemas.microsoft.com/office/drawing/2010/main" xmlns="" w="9525">
                 <a:solidFill>
                   <a:srgbClr val="000000"/>
                 </a:solidFill>
@@ -14990,14 +14990,14 @@
           </a:ln>
           <a:extLst>
             <a:ext uri="{909E8E84-426E-40dd-AFC4-6F175D3DCCD1}">
-              <a14:hiddenFill xmlns="" xmlns:a14="http://schemas.microsoft.com/office/drawing/2010/main">
+              <a14:hiddenFill xmlns:a14="http://schemas.microsoft.com/office/drawing/2010/main" xmlns="">
                 <a:solidFill>
                   <a:srgbClr val="FFFFFF"/>
                 </a:solidFill>
               </a14:hiddenFill>
             </a:ext>
             <a:ext uri="{91240B29-F687-4f45-9708-019B960494DF}">
-              <a14:hiddenLine xmlns="" xmlns:a14="http://schemas.microsoft.com/office/drawing/2010/main" w="9525">
+              <a14:hiddenLine xmlns:a14="http://schemas.microsoft.com/office/drawing/2010/main" xmlns="" w="9525">
                 <a:solidFill>
                   <a:srgbClr val="000000"/>
                 </a:solidFill>
@@ -15044,14 +15044,14 @@
           </a:ln>
           <a:extLst>
             <a:ext uri="{909E8E84-426E-40dd-AFC4-6F175D3DCCD1}">
-              <a14:hiddenFill xmlns="" xmlns:a14="http://schemas.microsoft.com/office/drawing/2010/main">
+              <a14:hiddenFill xmlns:a14="http://schemas.microsoft.com/office/drawing/2010/main" xmlns="">
                 <a:solidFill>
                   <a:srgbClr val="FFFFFF"/>
                 </a:solidFill>
               </a14:hiddenFill>
             </a:ext>
             <a:ext uri="{91240B29-F687-4f45-9708-019B960494DF}">
-              <a14:hiddenLine xmlns="" xmlns:a14="http://schemas.microsoft.com/office/drawing/2010/main" w="9525">
+              <a14:hiddenLine xmlns:a14="http://schemas.microsoft.com/office/drawing/2010/main" xmlns="" w="9525">
                 <a:solidFill>
                   <a:srgbClr val="000000"/>
                 </a:solidFill>
@@ -15625,14 +15625,14 @@
           </a:ln>
           <a:extLst>
             <a:ext uri="{909E8E84-426E-40dd-AFC4-6F175D3DCCD1}">
-              <a14:hiddenFill xmlns="" xmlns:a14="http://schemas.microsoft.com/office/drawing/2010/main">
+              <a14:hiddenFill xmlns:a14="http://schemas.microsoft.com/office/drawing/2010/main" xmlns="">
                 <a:solidFill>
                   <a:srgbClr val="FFFFFF"/>
                 </a:solidFill>
               </a14:hiddenFill>
             </a:ext>
             <a:ext uri="{91240B29-F687-4f45-9708-019B960494DF}">
-              <a14:hiddenLine xmlns="" xmlns:a14="http://schemas.microsoft.com/office/drawing/2010/main" w="9525">
+              <a14:hiddenLine xmlns:a14="http://schemas.microsoft.com/office/drawing/2010/main" xmlns="" w="9525">
                 <a:solidFill>
                   <a:srgbClr val="000000"/>
                 </a:solidFill>
@@ -15666,14 +15666,14 @@
           </a:ln>
           <a:extLst>
             <a:ext uri="{909E8E84-426E-40dd-AFC4-6F175D3DCCD1}">
-              <a14:hiddenFill xmlns="" xmlns:a14="http://schemas.microsoft.com/office/drawing/2010/main">
+              <a14:hiddenFill xmlns:a14="http://schemas.microsoft.com/office/drawing/2010/main" xmlns="">
                 <a:solidFill>
                   <a:srgbClr val="FFFFFF"/>
                 </a:solidFill>
               </a14:hiddenFill>
             </a:ext>
             <a:ext uri="{91240B29-F687-4f45-9708-019B960494DF}">
-              <a14:hiddenLine xmlns="" xmlns:a14="http://schemas.microsoft.com/office/drawing/2010/main" w="9525">
+              <a14:hiddenLine xmlns:a14="http://schemas.microsoft.com/office/drawing/2010/main" xmlns="" w="9525">
                 <a:solidFill>
                   <a:srgbClr val="000000"/>
                 </a:solidFill>
@@ -16667,14 +16667,14 @@
           <a:effectLst/>
           <a:extLst>
             <a:ext uri="{909E8E84-426E-40dd-AFC4-6F175D3DCCD1}">
-              <a14:hiddenFill xmlns="" xmlns:a14="http://schemas.microsoft.com/office/drawing/2010/main">
+              <a14:hiddenFill xmlns:a14="http://schemas.microsoft.com/office/drawing/2010/main" xmlns="">
                 <a:solidFill>
                   <a:schemeClr val="accent1"/>
                 </a:solidFill>
               </a14:hiddenFill>
             </a:ext>
             <a:ext uri="{91240B29-F687-4f45-9708-019B960494DF}">
-              <a14:hiddenLine xmlns="" xmlns:a14="http://schemas.microsoft.com/office/drawing/2010/main" w="9525">
+              <a14:hiddenLine xmlns:a14="http://schemas.microsoft.com/office/drawing/2010/main" xmlns="" w="9525">
                 <a:solidFill>
                   <a:schemeClr val="tx1"/>
                 </a:solidFill>
@@ -16684,7 +16684,7 @@
               </a14:hiddenLine>
             </a:ext>
             <a:ext uri="{AF507438-7753-43e0-B8FC-AC1667EBCBE1}">
-              <a14:hiddenEffects xmlns="" xmlns:a14="http://schemas.microsoft.com/office/drawing/2010/main">
+              <a14:hiddenEffects xmlns:a14="http://schemas.microsoft.com/office/drawing/2010/main" xmlns="">
                 <a:effectLst>
                   <a:outerShdw dist="35921" dir="2700000" algn="ctr" rotWithShape="0">
                     <a:schemeClr val="bg2"/>
@@ -17535,14 +17535,14 @@
           <a:effectLst/>
           <a:extLst>
             <a:ext uri="{909E8E84-426E-40dd-AFC4-6F175D3DCCD1}">
-              <a14:hiddenFill xmlns="" xmlns:a14="http://schemas.microsoft.com/office/drawing/2010/main">
+              <a14:hiddenFill xmlns:a14="http://schemas.microsoft.com/office/drawing/2010/main" xmlns="">
                 <a:solidFill>
                   <a:schemeClr val="accent1"/>
                 </a:solidFill>
               </a14:hiddenFill>
             </a:ext>
             <a:ext uri="{91240B29-F687-4f45-9708-019B960494DF}">
-              <a14:hiddenLine xmlns="" xmlns:a14="http://schemas.microsoft.com/office/drawing/2010/main" w="9525">
+              <a14:hiddenLine xmlns:a14="http://schemas.microsoft.com/office/drawing/2010/main" xmlns="" w="9525">
                 <a:solidFill>
                   <a:schemeClr val="tx1"/>
                 </a:solidFill>
@@ -17552,7 +17552,7 @@
               </a14:hiddenLine>
             </a:ext>
             <a:ext uri="{AF507438-7753-43e0-B8FC-AC1667EBCBE1}">
-              <a14:hiddenEffects xmlns="" xmlns:a14="http://schemas.microsoft.com/office/drawing/2010/main">
+              <a14:hiddenEffects xmlns:a14="http://schemas.microsoft.com/office/drawing/2010/main" xmlns="">
                 <a:effectLst>
                   <a:outerShdw dist="35921" dir="2700000" algn="ctr" rotWithShape="0">
                     <a:schemeClr val="bg2"/>
@@ -17734,14 +17734,14 @@
           <a:effectLst/>
           <a:extLst>
             <a:ext uri="{909E8E84-426E-40dd-AFC4-6F175D3DCCD1}">
-              <a14:hiddenFill xmlns="" xmlns:a14="http://schemas.microsoft.com/office/drawing/2010/main">
+              <a14:hiddenFill xmlns:a14="http://schemas.microsoft.com/office/drawing/2010/main" xmlns="">
                 <a:solidFill>
                   <a:schemeClr val="accent1"/>
                 </a:solidFill>
               </a14:hiddenFill>
             </a:ext>
             <a:ext uri="{91240B29-F687-4f45-9708-019B960494DF}">
-              <a14:hiddenLine xmlns="" xmlns:a14="http://schemas.microsoft.com/office/drawing/2010/main" w="9525">
+              <a14:hiddenLine xmlns:a14="http://schemas.microsoft.com/office/drawing/2010/main" xmlns="" w="9525">
                 <a:solidFill>
                   <a:schemeClr val="tx1"/>
                 </a:solidFill>
@@ -17751,7 +17751,7 @@
               </a14:hiddenLine>
             </a:ext>
             <a:ext uri="{AF507438-7753-43e0-B8FC-AC1667EBCBE1}">
-              <a14:hiddenEffects xmlns="" xmlns:a14="http://schemas.microsoft.com/office/drawing/2010/main">
+              <a14:hiddenEffects xmlns:a14="http://schemas.microsoft.com/office/drawing/2010/main" xmlns="">
                 <a:effectLst>
                   <a:outerShdw dist="35921" dir="2700000" algn="ctr" rotWithShape="0">
                     <a:schemeClr val="bg2"/>
@@ -17933,14 +17933,14 @@
           <a:effectLst/>
           <a:extLst>
             <a:ext uri="{909E8E84-426E-40dd-AFC4-6F175D3DCCD1}">
-              <a14:hiddenFill xmlns="" xmlns:a14="http://schemas.microsoft.com/office/drawing/2010/main">
+              <a14:hiddenFill xmlns:a14="http://schemas.microsoft.com/office/drawing/2010/main" xmlns="">
                 <a:solidFill>
                   <a:schemeClr val="accent1"/>
                 </a:solidFill>
               </a14:hiddenFill>
             </a:ext>
             <a:ext uri="{91240B29-F687-4f45-9708-019B960494DF}">
-              <a14:hiddenLine xmlns="" xmlns:a14="http://schemas.microsoft.com/office/drawing/2010/main" w="9525">
+              <a14:hiddenLine xmlns:a14="http://schemas.microsoft.com/office/drawing/2010/main" xmlns="" w="9525">
                 <a:solidFill>
                   <a:schemeClr val="tx1"/>
                 </a:solidFill>
@@ -17950,7 +17950,7 @@
               </a14:hiddenLine>
             </a:ext>
             <a:ext uri="{AF507438-7753-43e0-B8FC-AC1667EBCBE1}">
-              <a14:hiddenEffects xmlns="" xmlns:a14="http://schemas.microsoft.com/office/drawing/2010/main">
+              <a14:hiddenEffects xmlns:a14="http://schemas.microsoft.com/office/drawing/2010/main" xmlns="">
                 <a:effectLst>
                   <a:outerShdw dist="35921" dir="2700000" algn="ctr" rotWithShape="0">
                     <a:schemeClr val="bg2"/>
@@ -18132,14 +18132,14 @@
           <a:effectLst/>
           <a:extLst>
             <a:ext uri="{909E8E84-426E-40dd-AFC4-6F175D3DCCD1}">
-              <a14:hiddenFill xmlns="" xmlns:a14="http://schemas.microsoft.com/office/drawing/2010/main">
+              <a14:hiddenFill xmlns:a14="http://schemas.microsoft.com/office/drawing/2010/main" xmlns="">
                 <a:solidFill>
                   <a:schemeClr val="accent1"/>
                 </a:solidFill>
               </a14:hiddenFill>
             </a:ext>
             <a:ext uri="{91240B29-F687-4f45-9708-019B960494DF}">
-              <a14:hiddenLine xmlns="" xmlns:a14="http://schemas.microsoft.com/office/drawing/2010/main" w="9525">
+              <a14:hiddenLine xmlns:a14="http://schemas.microsoft.com/office/drawing/2010/main" xmlns="" w="9525">
                 <a:solidFill>
                   <a:schemeClr val="tx1"/>
                 </a:solidFill>
@@ -18149,7 +18149,7 @@
               </a14:hiddenLine>
             </a:ext>
             <a:ext uri="{AF507438-7753-43e0-B8FC-AC1667EBCBE1}">
-              <a14:hiddenEffects xmlns="" xmlns:a14="http://schemas.microsoft.com/office/drawing/2010/main">
+              <a14:hiddenEffects xmlns:a14="http://schemas.microsoft.com/office/drawing/2010/main" xmlns="">
                 <a:effectLst>
                   <a:outerShdw dist="35921" dir="2700000" algn="ctr" rotWithShape="0">
                     <a:schemeClr val="bg2"/>
@@ -18942,14 +18942,14 @@
                       </a:ln>
                       <a:extLst>
                         <a:ext uri="{909E8E84-426E-40dd-AFC4-6F175D3DCCD1}">
-                          <a14:hiddenFill xmlns="" xmlns:a14="http://schemas.microsoft.com/office/drawing/2010/main">
+                          <a14:hiddenFill xmlns:a14="http://schemas.microsoft.com/office/drawing/2010/main" xmlns="">
                             <a:solidFill>
                               <a:schemeClr val="accent1"/>
                             </a:solidFill>
                           </a14:hiddenFill>
                         </a:ext>
                         <a:ext uri="{91240B29-F687-4f45-9708-019B960494DF}">
-                          <a14:hiddenLine xmlns="" xmlns:a14="http://schemas.microsoft.com/office/drawing/2010/main" w="9525">
+                          <a14:hiddenLine xmlns:a14="http://schemas.microsoft.com/office/drawing/2010/main" xmlns="" w="9525">
                             <a:solidFill>
                               <a:schemeClr val="tx1"/>
                             </a:solidFill>
@@ -19019,14 +19019,14 @@
           <a:effectLst/>
           <a:extLst>
             <a:ext uri="{909E8E84-426E-40dd-AFC4-6F175D3DCCD1}">
-              <a14:hiddenFill xmlns="" xmlns:a14="http://schemas.microsoft.com/office/drawing/2010/main">
+              <a14:hiddenFill xmlns:a14="http://schemas.microsoft.com/office/drawing/2010/main" xmlns="">
                 <a:solidFill>
                   <a:schemeClr val="accent1"/>
                 </a:solidFill>
               </a14:hiddenFill>
             </a:ext>
             <a:ext uri="{91240B29-F687-4f45-9708-019B960494DF}">
-              <a14:hiddenLine xmlns="" xmlns:a14="http://schemas.microsoft.com/office/drawing/2010/main" w="9525">
+              <a14:hiddenLine xmlns:a14="http://schemas.microsoft.com/office/drawing/2010/main" xmlns="" w="9525">
                 <a:solidFill>
                   <a:schemeClr val="tx1"/>
                 </a:solidFill>
@@ -19036,7 +19036,7 @@
               </a14:hiddenLine>
             </a:ext>
             <a:ext uri="{AF507438-7753-43e0-B8FC-AC1667EBCBE1}">
-              <a14:hiddenEffects xmlns="" xmlns:a14="http://schemas.microsoft.com/office/drawing/2010/main">
+              <a14:hiddenEffects xmlns:a14="http://schemas.microsoft.com/office/drawing/2010/main" xmlns="">
                 <a:effectLst>
                   <a:outerShdw dist="35921" dir="2700000" algn="ctr" rotWithShape="0">
                     <a:schemeClr val="bg2"/>
@@ -19841,14 +19841,14 @@
                       </a:ln>
                       <a:extLst>
                         <a:ext uri="{909E8E84-426E-40dd-AFC4-6F175D3DCCD1}">
-                          <a14:hiddenFill xmlns="" xmlns:a14="http://schemas.microsoft.com/office/drawing/2010/main">
+                          <a14:hiddenFill xmlns:a14="http://schemas.microsoft.com/office/drawing/2010/main" xmlns="">
                             <a:solidFill>
                               <a:schemeClr val="accent1"/>
                             </a:solidFill>
                           </a14:hiddenFill>
                         </a:ext>
                         <a:ext uri="{91240B29-F687-4f45-9708-019B960494DF}">
-                          <a14:hiddenLine xmlns="" xmlns:a14="http://schemas.microsoft.com/office/drawing/2010/main" w="9525">
+                          <a14:hiddenLine xmlns:a14="http://schemas.microsoft.com/office/drawing/2010/main" xmlns="" w="9525">
                             <a:solidFill>
                               <a:schemeClr val="tx1"/>
                             </a:solidFill>
@@ -19918,14 +19918,14 @@
           <a:effectLst/>
           <a:extLst>
             <a:ext uri="{909E8E84-426E-40dd-AFC4-6F175D3DCCD1}">
-              <a14:hiddenFill xmlns="" xmlns:a14="http://schemas.microsoft.com/office/drawing/2010/main">
+              <a14:hiddenFill xmlns:a14="http://schemas.microsoft.com/office/drawing/2010/main" xmlns="">
                 <a:solidFill>
                   <a:schemeClr val="accent1"/>
                 </a:solidFill>
               </a14:hiddenFill>
             </a:ext>
             <a:ext uri="{91240B29-F687-4f45-9708-019B960494DF}">
-              <a14:hiddenLine xmlns="" xmlns:a14="http://schemas.microsoft.com/office/drawing/2010/main" w="9525">
+              <a14:hiddenLine xmlns:a14="http://schemas.microsoft.com/office/drawing/2010/main" xmlns="" w="9525">
                 <a:solidFill>
                   <a:schemeClr val="tx1"/>
                 </a:solidFill>
@@ -19935,7 +19935,7 @@
               </a14:hiddenLine>
             </a:ext>
             <a:ext uri="{AF507438-7753-43e0-B8FC-AC1667EBCBE1}">
-              <a14:hiddenEffects xmlns="" xmlns:a14="http://schemas.microsoft.com/office/drawing/2010/main">
+              <a14:hiddenEffects xmlns:a14="http://schemas.microsoft.com/office/drawing/2010/main" xmlns="">
                 <a:effectLst>
                   <a:outerShdw dist="35921" dir="2700000" algn="ctr" rotWithShape="0">
                     <a:schemeClr val="bg2"/>
@@ -21648,14 +21648,14 @@
                       <a:effectLst/>
                       <a:extLst>
                         <a:ext uri="{909E8E84-426E-40dd-AFC4-6F175D3DCCD1}">
-                          <a14:hiddenFill xmlns="" xmlns:a14="http://schemas.microsoft.com/office/drawing/2010/main">
+                          <a14:hiddenFill xmlns:a14="http://schemas.microsoft.com/office/drawing/2010/main" xmlns="">
                             <a:solidFill>
                               <a:srgbClr val="FFFFFF"/>
                             </a:solidFill>
                           </a14:hiddenFill>
                         </a:ext>
                         <a:ext uri="{91240B29-F687-4f45-9708-019B960494DF}">
-                          <a14:hiddenLine xmlns="" xmlns:a14="http://schemas.microsoft.com/office/drawing/2010/main" w="9525">
+                          <a14:hiddenLine xmlns:a14="http://schemas.microsoft.com/office/drawing/2010/main" xmlns="" w="9525">
                             <a:solidFill>
                               <a:srgbClr val="000000"/>
                             </a:solidFill>
@@ -21665,7 +21665,7 @@
                           </a14:hiddenLine>
                         </a:ext>
                         <a:ext uri="{AF507438-7753-43e0-B8FC-AC1667EBCBE1}">
-                          <a14:hiddenEffects xmlns="" xmlns:a14="http://schemas.microsoft.com/office/drawing/2010/main">
+                          <a14:hiddenEffects xmlns:a14="http://schemas.microsoft.com/office/drawing/2010/main" xmlns="">
                             <a:effectLst>
                               <a:outerShdw dist="35921" dir="2700000" algn="ctr" rotWithShape="0">
                                 <a:srgbClr val="808080"/>
@@ -21705,14 +21705,14 @@
           <a:effectLst/>
           <a:extLst>
             <a:ext uri="{909E8E84-426E-40dd-AFC4-6F175D3DCCD1}">
-              <a14:hiddenFill xmlns="" xmlns:a14="http://schemas.microsoft.com/office/drawing/2010/main">
+              <a14:hiddenFill xmlns:a14="http://schemas.microsoft.com/office/drawing/2010/main" xmlns="">
                 <a:solidFill>
                   <a:schemeClr val="accent1"/>
                 </a:solidFill>
               </a14:hiddenFill>
             </a:ext>
             <a:ext uri="{91240B29-F687-4f45-9708-019B960494DF}">
-              <a14:hiddenLine xmlns="" xmlns:a14="http://schemas.microsoft.com/office/drawing/2010/main" w="9525">
+              <a14:hiddenLine xmlns:a14="http://schemas.microsoft.com/office/drawing/2010/main" xmlns="" w="9525">
                 <a:solidFill>
                   <a:schemeClr val="tx1"/>
                 </a:solidFill>
@@ -21722,7 +21722,7 @@
               </a14:hiddenLine>
             </a:ext>
             <a:ext uri="{AF507438-7753-43e0-B8FC-AC1667EBCBE1}">
-              <a14:hiddenEffects xmlns="" xmlns:a14="http://schemas.microsoft.com/office/drawing/2010/main">
+              <a14:hiddenEffects xmlns:a14="http://schemas.microsoft.com/office/drawing/2010/main" xmlns="">
                 <a:effectLst>
                   <a:outerShdw dist="35921" dir="2700000" algn="ctr" rotWithShape="0">
                     <a:schemeClr val="bg2"/>
@@ -22112,14 +22112,14 @@
           </a:ln>
           <a:extLst>
             <a:ext uri="{909E8E84-426E-40dd-AFC4-6F175D3DCCD1}">
-              <a14:hiddenFill xmlns="" xmlns:a14="http://schemas.microsoft.com/office/drawing/2010/main">
+              <a14:hiddenFill xmlns:a14="http://schemas.microsoft.com/office/drawing/2010/main" xmlns="">
                 <a:solidFill>
                   <a:srgbClr val="FFFFFF"/>
                 </a:solidFill>
               </a14:hiddenFill>
             </a:ext>
             <a:ext uri="{91240B29-F687-4f45-9708-019B960494DF}">
-              <a14:hiddenLine xmlns="" xmlns:a14="http://schemas.microsoft.com/office/drawing/2010/main" w="9525">
+              <a14:hiddenLine xmlns:a14="http://schemas.microsoft.com/office/drawing/2010/main" xmlns="" w="9525">
                 <a:solidFill>
                   <a:srgbClr val="000000"/>
                 </a:solidFill>
@@ -22737,14 +22737,14 @@
           <a:effectLst/>
           <a:extLst>
             <a:ext uri="{909E8E84-426E-40dd-AFC4-6F175D3DCCD1}">
-              <a14:hiddenFill xmlns="" xmlns:a14="http://schemas.microsoft.com/office/drawing/2010/main">
+              <a14:hiddenFill xmlns:a14="http://schemas.microsoft.com/office/drawing/2010/main" xmlns="">
                 <a:solidFill>
                   <a:schemeClr val="accent1"/>
                 </a:solidFill>
               </a14:hiddenFill>
             </a:ext>
             <a:ext uri="{91240B29-F687-4f45-9708-019B960494DF}">
-              <a14:hiddenLine xmlns="" xmlns:a14="http://schemas.microsoft.com/office/drawing/2010/main" w="9525">
+              <a14:hiddenLine xmlns:a14="http://schemas.microsoft.com/office/drawing/2010/main" xmlns="" w="9525">
                 <a:solidFill>
                   <a:schemeClr val="tx1"/>
                 </a:solidFill>
@@ -22754,7 +22754,7 @@
               </a14:hiddenLine>
             </a:ext>
             <a:ext uri="{AF507438-7753-43e0-B8FC-AC1667EBCBE1}">
-              <a14:hiddenEffects xmlns="" xmlns:a14="http://schemas.microsoft.com/office/drawing/2010/main">
+              <a14:hiddenEffects xmlns:a14="http://schemas.microsoft.com/office/drawing/2010/main" xmlns="">
                 <a:effectLst>
                   <a:outerShdw dist="35921" dir="2700000" algn="ctr" rotWithShape="0">
                     <a:schemeClr val="bg2"/>
@@ -22824,14 +22824,14 @@
                       <a:effectLst/>
                       <a:extLst>
                         <a:ext uri="{909E8E84-426E-40dd-AFC4-6F175D3DCCD1}">
-                          <a14:hiddenFill xmlns="" xmlns:a14="http://schemas.microsoft.com/office/drawing/2010/main">
+                          <a14:hiddenFill xmlns:a14="http://schemas.microsoft.com/office/drawing/2010/main" xmlns="">
                             <a:solidFill>
                               <a:srgbClr val="FFFFFF"/>
                             </a:solidFill>
                           </a14:hiddenFill>
                         </a:ext>
                         <a:ext uri="{91240B29-F687-4f45-9708-019B960494DF}">
-                          <a14:hiddenLine xmlns="" xmlns:a14="http://schemas.microsoft.com/office/drawing/2010/main" w="9525">
+                          <a14:hiddenLine xmlns:a14="http://schemas.microsoft.com/office/drawing/2010/main" xmlns="" w="9525">
                             <a:solidFill>
                               <a:srgbClr val="000000"/>
                             </a:solidFill>
@@ -22841,7 +22841,7 @@
                           </a14:hiddenLine>
                         </a:ext>
                         <a:ext uri="{AF507438-7753-43e0-B8FC-AC1667EBCBE1}">
-                          <a14:hiddenEffects xmlns="" xmlns:a14="http://schemas.microsoft.com/office/drawing/2010/main">
+                          <a14:hiddenEffects xmlns:a14="http://schemas.microsoft.com/office/drawing/2010/main" xmlns="">
                             <a:effectLst>
                               <a:outerShdw dist="35921" dir="2700000" algn="ctr" rotWithShape="0">
                                 <a:srgbClr val="808080"/>
@@ -23463,14 +23463,14 @@
           <a:effectLst/>
           <a:extLst>
             <a:ext uri="{909E8E84-426E-40dd-AFC4-6F175D3DCCD1}">
-              <a14:hiddenFill xmlns="" xmlns:a14="http://schemas.microsoft.com/office/drawing/2010/main">
+              <a14:hiddenFill xmlns:a14="http://schemas.microsoft.com/office/drawing/2010/main" xmlns="">
                 <a:solidFill>
                   <a:schemeClr val="accent1"/>
                 </a:solidFill>
               </a14:hiddenFill>
             </a:ext>
             <a:ext uri="{91240B29-F687-4f45-9708-019B960494DF}">
-              <a14:hiddenLine xmlns="" xmlns:a14="http://schemas.microsoft.com/office/drawing/2010/main" w="9525">
+              <a14:hiddenLine xmlns:a14="http://schemas.microsoft.com/office/drawing/2010/main" xmlns="" w="9525">
                 <a:solidFill>
                   <a:schemeClr val="tx1"/>
                 </a:solidFill>
@@ -23480,7 +23480,7 @@
               </a14:hiddenLine>
             </a:ext>
             <a:ext uri="{AF507438-7753-43e0-B8FC-AC1667EBCBE1}">
-              <a14:hiddenEffects xmlns="" xmlns:a14="http://schemas.microsoft.com/office/drawing/2010/main">
+              <a14:hiddenEffects xmlns:a14="http://schemas.microsoft.com/office/drawing/2010/main" xmlns="">
                 <a:effectLst>
                   <a:outerShdw dist="35921" dir="2700000" algn="ctr" rotWithShape="0">
                     <a:schemeClr val="bg2"/>
@@ -23514,14 +23514,14 @@
           <a:effectLst/>
           <a:extLst>
             <a:ext uri="{909E8E84-426E-40dd-AFC4-6F175D3DCCD1}">
-              <a14:hiddenFill xmlns="" xmlns:a14="http://schemas.microsoft.com/office/drawing/2010/main">
+              <a14:hiddenFill xmlns:a14="http://schemas.microsoft.com/office/drawing/2010/main" xmlns="">
                 <a:solidFill>
                   <a:schemeClr val="accent1"/>
                 </a:solidFill>
               </a14:hiddenFill>
             </a:ext>
             <a:ext uri="{91240B29-F687-4f45-9708-019B960494DF}">
-              <a14:hiddenLine xmlns="" xmlns:a14="http://schemas.microsoft.com/office/drawing/2010/main" w="9525">
+              <a14:hiddenLine xmlns:a14="http://schemas.microsoft.com/office/drawing/2010/main" xmlns="" w="9525">
                 <a:solidFill>
                   <a:schemeClr val="tx1"/>
                 </a:solidFill>
@@ -23531,7 +23531,7 @@
               </a14:hiddenLine>
             </a:ext>
             <a:ext uri="{AF507438-7753-43e0-B8FC-AC1667EBCBE1}">
-              <a14:hiddenEffects xmlns="" xmlns:a14="http://schemas.microsoft.com/office/drawing/2010/main">
+              <a14:hiddenEffects xmlns:a14="http://schemas.microsoft.com/office/drawing/2010/main" xmlns="">
                 <a:effectLst>
                   <a:outerShdw dist="35921" dir="2700000" algn="ctr" rotWithShape="0">
                     <a:schemeClr val="bg2"/>
@@ -24274,14 +24274,14 @@
           <a:effectLst/>
           <a:extLst>
             <a:ext uri="{909E8E84-426E-40dd-AFC4-6F175D3DCCD1}">
-              <a14:hiddenFill xmlns="" xmlns:a14="http://schemas.microsoft.com/office/drawing/2010/main">
+              <a14:hiddenFill xmlns:a14="http://schemas.microsoft.com/office/drawing/2010/main" xmlns="">
                 <a:solidFill>
                   <a:schemeClr val="accent1"/>
                 </a:solidFill>
               </a14:hiddenFill>
             </a:ext>
             <a:ext uri="{91240B29-F687-4f45-9708-019B960494DF}">
-              <a14:hiddenLine xmlns="" xmlns:a14="http://schemas.microsoft.com/office/drawing/2010/main" w="9525">
+              <a14:hiddenLine xmlns:a14="http://schemas.microsoft.com/office/drawing/2010/main" xmlns="" w="9525">
                 <a:solidFill>
                   <a:schemeClr val="tx1"/>
                 </a:solidFill>
@@ -24291,7 +24291,7 @@
               </a14:hiddenLine>
             </a:ext>
             <a:ext uri="{AF507438-7753-43e0-B8FC-AC1667EBCBE1}">
-              <a14:hiddenEffects xmlns="" xmlns:a14="http://schemas.microsoft.com/office/drawing/2010/main">
+              <a14:hiddenEffects xmlns:a14="http://schemas.microsoft.com/office/drawing/2010/main" xmlns="">
                 <a:effectLst>
                   <a:outerShdw dist="35921" dir="2700000" algn="ctr" rotWithShape="0">
                     <a:schemeClr val="bg2"/>
@@ -24661,14 +24661,14 @@
                       <a:effectLst/>
                       <a:extLst>
                         <a:ext uri="{909E8E84-426E-40dd-AFC4-6F175D3DCCD1}">
-                          <a14:hiddenFill xmlns="" xmlns:a14="http://schemas.microsoft.com/office/drawing/2010/main">
+                          <a14:hiddenFill xmlns:a14="http://schemas.microsoft.com/office/drawing/2010/main" xmlns="">
                             <a:solidFill>
                               <a:srgbClr val="FFFFFF"/>
                             </a:solidFill>
                           </a14:hiddenFill>
                         </a:ext>
                         <a:ext uri="{91240B29-F687-4f45-9708-019B960494DF}">
-                          <a14:hiddenLine xmlns="" xmlns:a14="http://schemas.microsoft.com/office/drawing/2010/main" w="9525">
+                          <a14:hiddenLine xmlns:a14="http://schemas.microsoft.com/office/drawing/2010/main" xmlns="" w="9525">
                             <a:solidFill>
                               <a:srgbClr val="000000"/>
                             </a:solidFill>
@@ -24678,7 +24678,7 @@
                           </a14:hiddenLine>
                         </a:ext>
                         <a:ext uri="{AF507438-7753-43e0-B8FC-AC1667EBCBE1}">
-                          <a14:hiddenEffects xmlns="" xmlns:a14="http://schemas.microsoft.com/office/drawing/2010/main">
+                          <a14:hiddenEffects xmlns:a14="http://schemas.microsoft.com/office/drawing/2010/main" xmlns="">
                             <a:effectLst>
                               <a:outerShdw dist="35921" dir="2700000" algn="ctr" rotWithShape="0">
                                 <a:srgbClr val="808080"/>
@@ -25287,14 +25287,14 @@
           <a:effectLst/>
           <a:extLst>
             <a:ext uri="{909E8E84-426E-40dd-AFC4-6F175D3DCCD1}">
-              <a14:hiddenFill xmlns="" xmlns:a14="http://schemas.microsoft.com/office/drawing/2010/main">
+              <a14:hiddenFill xmlns:a14="http://schemas.microsoft.com/office/drawing/2010/main" xmlns="">
                 <a:solidFill>
                   <a:schemeClr val="accent1"/>
                 </a:solidFill>
               </a14:hiddenFill>
             </a:ext>
             <a:ext uri="{91240B29-F687-4f45-9708-019B960494DF}">
-              <a14:hiddenLine xmlns="" xmlns:a14="http://schemas.microsoft.com/office/drawing/2010/main" w="9525">
+              <a14:hiddenLine xmlns:a14="http://schemas.microsoft.com/office/drawing/2010/main" xmlns="" w="9525">
                 <a:solidFill>
                   <a:schemeClr val="tx1"/>
                 </a:solidFill>
@@ -25304,7 +25304,7 @@
               </a14:hiddenLine>
             </a:ext>
             <a:ext uri="{AF507438-7753-43e0-B8FC-AC1667EBCBE1}">
-              <a14:hiddenEffects xmlns="" xmlns:a14="http://schemas.microsoft.com/office/drawing/2010/main">
+              <a14:hiddenEffects xmlns:a14="http://schemas.microsoft.com/office/drawing/2010/main" xmlns="">
                 <a:effectLst>
                   <a:outerShdw dist="35921" dir="2700000" algn="ctr" rotWithShape="0">
                     <a:schemeClr val="bg2"/>
@@ -26304,14 +26304,14 @@
           </a:ln>
           <a:extLst>
             <a:ext uri="{909E8E84-426E-40dd-AFC4-6F175D3DCCD1}">
-              <a14:hiddenFill xmlns="" xmlns:a14="http://schemas.microsoft.com/office/drawing/2010/main">
+              <a14:hiddenFill xmlns:a14="http://schemas.microsoft.com/office/drawing/2010/main" xmlns="">
                 <a:solidFill>
                   <a:srgbClr val="FFFFFF"/>
                 </a:solidFill>
               </a14:hiddenFill>
             </a:ext>
             <a:ext uri="{91240B29-F687-4f45-9708-019B960494DF}">
-              <a14:hiddenLine xmlns="" xmlns:a14="http://schemas.microsoft.com/office/drawing/2010/main" w="9525">
+              <a14:hiddenLine xmlns:a14="http://schemas.microsoft.com/office/drawing/2010/main" xmlns="" w="9525">
                 <a:solidFill>
                   <a:srgbClr val="000000"/>
                 </a:solidFill>
@@ -26923,14 +26923,14 @@
                       </a:ln>
                       <a:extLst>
                         <a:ext uri="{909E8E84-426E-40dd-AFC4-6F175D3DCCD1}">
-                          <a14:hiddenFill xmlns="" xmlns:a14="http://schemas.microsoft.com/office/drawing/2010/main">
+                          <a14:hiddenFill xmlns:a14="http://schemas.microsoft.com/office/drawing/2010/main" xmlns="">
                             <a:solidFill>
                               <a:schemeClr val="accent1"/>
                             </a:solidFill>
                           </a14:hiddenFill>
                         </a:ext>
                         <a:ext uri="{91240B29-F687-4f45-9708-019B960494DF}">
-                          <a14:hiddenLine xmlns="" xmlns:a14="http://schemas.microsoft.com/office/drawing/2010/main" w="9525">
+                          <a14:hiddenLine xmlns:a14="http://schemas.microsoft.com/office/drawing/2010/main" xmlns="" w="9525">
                             <a:solidFill>
                               <a:schemeClr val="tx1"/>
                             </a:solidFill>
@@ -27000,14 +27000,14 @@
           <a:effectLst/>
           <a:extLst>
             <a:ext uri="{909E8E84-426E-40dd-AFC4-6F175D3DCCD1}">
-              <a14:hiddenFill xmlns="" xmlns:a14="http://schemas.microsoft.com/office/drawing/2010/main">
+              <a14:hiddenFill xmlns:a14="http://schemas.microsoft.com/office/drawing/2010/main" xmlns="">
                 <a:solidFill>
                   <a:schemeClr val="accent1"/>
                 </a:solidFill>
               </a14:hiddenFill>
             </a:ext>
             <a:ext uri="{91240B29-F687-4f45-9708-019B960494DF}">
-              <a14:hiddenLine xmlns="" xmlns:a14="http://schemas.microsoft.com/office/drawing/2010/main" w="9525">
+              <a14:hiddenLine xmlns:a14="http://schemas.microsoft.com/office/drawing/2010/main" xmlns="" w="9525">
                 <a:solidFill>
                   <a:schemeClr val="tx1"/>
                 </a:solidFill>
@@ -27017,7 +27017,7 @@
               </a14:hiddenLine>
             </a:ext>
             <a:ext uri="{AF507438-7753-43e0-B8FC-AC1667EBCBE1}">
-              <a14:hiddenEffects xmlns="" xmlns:a14="http://schemas.microsoft.com/office/drawing/2010/main">
+              <a14:hiddenEffects xmlns:a14="http://schemas.microsoft.com/office/drawing/2010/main" xmlns="">
                 <a:effectLst>
                   <a:outerShdw dist="35921" dir="2700000" algn="ctr" rotWithShape="0">
                     <a:schemeClr val="bg2"/>
@@ -27376,14 +27376,14 @@
           <a:effectLst/>
           <a:extLst>
             <a:ext uri="{909E8E84-426E-40dd-AFC4-6F175D3DCCD1}">
-              <a14:hiddenFill xmlns="" xmlns:a14="http://schemas.microsoft.com/office/drawing/2010/main">
+              <a14:hiddenFill xmlns:a14="http://schemas.microsoft.com/office/drawing/2010/main" xmlns="">
                 <a:solidFill>
                   <a:schemeClr val="accent1"/>
                 </a:solidFill>
               </a14:hiddenFill>
             </a:ext>
             <a:ext uri="{91240B29-F687-4f45-9708-019B960494DF}">
-              <a14:hiddenLine xmlns="" xmlns:a14="http://schemas.microsoft.com/office/drawing/2010/main" w="9525">
+              <a14:hiddenLine xmlns:a14="http://schemas.microsoft.com/office/drawing/2010/main" xmlns="" w="9525">
                 <a:solidFill>
                   <a:schemeClr val="tx1"/>
                 </a:solidFill>
@@ -27393,7 +27393,7 @@
               </a14:hiddenLine>
             </a:ext>
             <a:ext uri="{AF507438-7753-43e0-B8FC-AC1667EBCBE1}">
-              <a14:hiddenEffects xmlns="" xmlns:a14="http://schemas.microsoft.com/office/drawing/2010/main">
+              <a14:hiddenEffects xmlns:a14="http://schemas.microsoft.com/office/drawing/2010/main" xmlns="">
                 <a:effectLst>
                   <a:outerShdw dist="35921" dir="2700000" algn="ctr" rotWithShape="0">
                     <a:schemeClr val="bg2"/>
@@ -27575,14 +27575,14 @@
           <a:effectLst/>
           <a:extLst>
             <a:ext uri="{909E8E84-426E-40dd-AFC4-6F175D3DCCD1}">
-              <a14:hiddenFill xmlns="" xmlns:a14="http://schemas.microsoft.com/office/drawing/2010/main">
+              <a14:hiddenFill xmlns:a14="http://schemas.microsoft.com/office/drawing/2010/main" xmlns="">
                 <a:solidFill>
                   <a:schemeClr val="accent1"/>
                 </a:solidFill>
               </a14:hiddenFill>
             </a:ext>
             <a:ext uri="{91240B29-F687-4f45-9708-019B960494DF}">
-              <a14:hiddenLine xmlns="" xmlns:a14="http://schemas.microsoft.com/office/drawing/2010/main" w="9525">
+              <a14:hiddenLine xmlns:a14="http://schemas.microsoft.com/office/drawing/2010/main" xmlns="" w="9525">
                 <a:solidFill>
                   <a:schemeClr val="tx1"/>
                 </a:solidFill>
@@ -27592,7 +27592,7 @@
               </a14:hiddenLine>
             </a:ext>
             <a:ext uri="{AF507438-7753-43e0-B8FC-AC1667EBCBE1}">
-              <a14:hiddenEffects xmlns="" xmlns:a14="http://schemas.microsoft.com/office/drawing/2010/main">
+              <a14:hiddenEffects xmlns:a14="http://schemas.microsoft.com/office/drawing/2010/main" xmlns="">
                 <a:effectLst>
                   <a:outerShdw dist="35921" dir="2700000" algn="ctr" rotWithShape="0">
                     <a:schemeClr val="bg2"/>
@@ -27774,14 +27774,14 @@
           <a:effectLst/>
           <a:extLst>
             <a:ext uri="{909E8E84-426E-40dd-AFC4-6F175D3DCCD1}">
-              <a14:hiddenFill xmlns="" xmlns:a14="http://schemas.microsoft.com/office/drawing/2010/main">
+              <a14:hiddenFill xmlns:a14="http://schemas.microsoft.com/office/drawing/2010/main" xmlns="">
                 <a:solidFill>
                   <a:schemeClr val="accent1"/>
                 </a:solidFill>
               </a14:hiddenFill>
             </a:ext>
             <a:ext uri="{91240B29-F687-4f45-9708-019B960494DF}">
-              <a14:hiddenLine xmlns="" xmlns:a14="http://schemas.microsoft.com/office/drawing/2010/main" w="9525">
+              <a14:hiddenLine xmlns:a14="http://schemas.microsoft.com/office/drawing/2010/main" xmlns="" w="9525">
                 <a:solidFill>
                   <a:schemeClr val="tx1"/>
                 </a:solidFill>
@@ -27791,7 +27791,7 @@
               </a14:hiddenLine>
             </a:ext>
             <a:ext uri="{AF507438-7753-43e0-B8FC-AC1667EBCBE1}">
-              <a14:hiddenEffects xmlns="" xmlns:a14="http://schemas.microsoft.com/office/drawing/2010/main">
+              <a14:hiddenEffects xmlns:a14="http://schemas.microsoft.com/office/drawing/2010/main" xmlns="">
                 <a:effectLst>
                   <a:outerShdw dist="35921" dir="2700000" algn="ctr" rotWithShape="0">
                     <a:schemeClr val="bg2"/>
@@ -27973,14 +27973,14 @@
           <a:effectLst/>
           <a:extLst>
             <a:ext uri="{909E8E84-426E-40dd-AFC4-6F175D3DCCD1}">
-              <a14:hiddenFill xmlns="" xmlns:a14="http://schemas.microsoft.com/office/drawing/2010/main">
+              <a14:hiddenFill xmlns:a14="http://schemas.microsoft.com/office/drawing/2010/main" xmlns="">
                 <a:solidFill>
                   <a:schemeClr val="accent1"/>
                 </a:solidFill>
               </a14:hiddenFill>
             </a:ext>
             <a:ext uri="{91240B29-F687-4f45-9708-019B960494DF}">
-              <a14:hiddenLine xmlns="" xmlns:a14="http://schemas.microsoft.com/office/drawing/2010/main" w="9525">
+              <a14:hiddenLine xmlns:a14="http://schemas.microsoft.com/office/drawing/2010/main" xmlns="" w="9525">
                 <a:solidFill>
                   <a:schemeClr val="tx1"/>
                 </a:solidFill>
@@ -27990,7 +27990,7 @@
               </a14:hiddenLine>
             </a:ext>
             <a:ext uri="{AF507438-7753-43e0-B8FC-AC1667EBCBE1}">
-              <a14:hiddenEffects xmlns="" xmlns:a14="http://schemas.microsoft.com/office/drawing/2010/main">
+              <a14:hiddenEffects xmlns:a14="http://schemas.microsoft.com/office/drawing/2010/main" xmlns="">
                 <a:effectLst>
                   <a:outerShdw dist="35921" dir="2700000" algn="ctr" rotWithShape="0">
                     <a:schemeClr val="bg2"/>
@@ -28741,14 +28741,14 @@
           <a:effectLst/>
           <a:extLst>
             <a:ext uri="{909E8E84-426E-40dd-AFC4-6F175D3DCCD1}">
-              <a14:hiddenFill xmlns="" xmlns:a14="http://schemas.microsoft.com/office/drawing/2010/main">
+              <a14:hiddenFill xmlns:a14="http://schemas.microsoft.com/office/drawing/2010/main" xmlns="">
                 <a:solidFill>
                   <a:schemeClr val="accent1"/>
                 </a:solidFill>
               </a14:hiddenFill>
             </a:ext>
             <a:ext uri="{91240B29-F687-4f45-9708-019B960494DF}">
-              <a14:hiddenLine xmlns="" xmlns:a14="http://schemas.microsoft.com/office/drawing/2010/main" w="9525">
+              <a14:hiddenLine xmlns:a14="http://schemas.microsoft.com/office/drawing/2010/main" xmlns="" w="9525">
                 <a:solidFill>
                   <a:schemeClr val="tx1"/>
                 </a:solidFill>
@@ -28758,7 +28758,7 @@
               </a14:hiddenLine>
             </a:ext>
             <a:ext uri="{AF507438-7753-43e0-B8FC-AC1667EBCBE1}">
-              <a14:hiddenEffects xmlns="" xmlns:a14="http://schemas.microsoft.com/office/drawing/2010/main">
+              <a14:hiddenEffects xmlns:a14="http://schemas.microsoft.com/office/drawing/2010/main" xmlns="">
                 <a:effectLst>
                   <a:outerShdw dist="35921" dir="2700000" algn="ctr" rotWithShape="0">
                     <a:schemeClr val="bg2"/>
@@ -29195,14 +29195,14 @@
                       </a:ln>
                       <a:extLst>
                         <a:ext uri="{909E8E84-426E-40dd-AFC4-6F175D3DCCD1}">
-                          <a14:hiddenFill xmlns="" xmlns:a14="http://schemas.microsoft.com/office/drawing/2010/main">
+                          <a14:hiddenFill xmlns:a14="http://schemas.microsoft.com/office/drawing/2010/main" xmlns="">
                             <a:solidFill>
                               <a:srgbClr val="FFFFFF"/>
                             </a:solidFill>
                           </a14:hiddenFill>
                         </a:ext>
                         <a:ext uri="{91240B29-F687-4f45-9708-019B960494DF}">
-                          <a14:hiddenLine xmlns="" xmlns:a14="http://schemas.microsoft.com/office/drawing/2010/main" w="9525">
+                          <a14:hiddenLine xmlns:a14="http://schemas.microsoft.com/office/drawing/2010/main" xmlns="" w="9525">
                             <a:solidFill>
                               <a:srgbClr val="000000"/>
                             </a:solidFill>
@@ -29812,14 +29812,14 @@
           <a:effectLst/>
           <a:extLst>
             <a:ext uri="{909E8E84-426E-40dd-AFC4-6F175D3DCCD1}">
-              <a14:hiddenFill xmlns="" xmlns:a14="http://schemas.microsoft.com/office/drawing/2010/main">
+              <a14:hiddenFill xmlns:a14="http://schemas.microsoft.com/office/drawing/2010/main" xmlns="">
                 <a:solidFill>
                   <a:schemeClr val="accent1"/>
                 </a:solidFill>
               </a14:hiddenFill>
             </a:ext>
             <a:ext uri="{91240B29-F687-4f45-9708-019B960494DF}">
-              <a14:hiddenLine xmlns="" xmlns:a14="http://schemas.microsoft.com/office/drawing/2010/main" w="9525">
+              <a14:hiddenLine xmlns:a14="http://schemas.microsoft.com/office/drawing/2010/main" xmlns="" w="9525">
                 <a:solidFill>
                   <a:schemeClr val="tx1"/>
                 </a:solidFill>
@@ -29829,7 +29829,7 @@
               </a14:hiddenLine>
             </a:ext>
             <a:ext uri="{AF507438-7753-43e0-B8FC-AC1667EBCBE1}">
-              <a14:hiddenEffects xmlns="" xmlns:a14="http://schemas.microsoft.com/office/drawing/2010/main">
+              <a14:hiddenEffects xmlns:a14="http://schemas.microsoft.com/office/drawing/2010/main" xmlns="">
                 <a:effectLst>
                   <a:outerShdw dist="35921" dir="2700000" algn="ctr" rotWithShape="0">
                     <a:schemeClr val="bg2"/>
@@ -30014,14 +30014,14 @@
           <a:effectLst/>
           <a:extLst>
             <a:ext uri="{909E8E84-426E-40dd-AFC4-6F175D3DCCD1}">
-              <a14:hiddenFill xmlns="" xmlns:a14="http://schemas.microsoft.com/office/drawing/2010/main">
+              <a14:hiddenFill xmlns:a14="http://schemas.microsoft.com/office/drawing/2010/main" xmlns="">
                 <a:solidFill>
                   <a:schemeClr val="accent1"/>
                 </a:solidFill>
               </a14:hiddenFill>
             </a:ext>
             <a:ext uri="{91240B29-F687-4f45-9708-019B960494DF}">
-              <a14:hiddenLine xmlns="" xmlns:a14="http://schemas.microsoft.com/office/drawing/2010/main" w="9525">
+              <a14:hiddenLine xmlns:a14="http://schemas.microsoft.com/office/drawing/2010/main" xmlns="" w="9525">
                 <a:solidFill>
                   <a:schemeClr val="tx1"/>
                 </a:solidFill>
@@ -30031,7 +30031,7 @@
               </a14:hiddenLine>
             </a:ext>
             <a:ext uri="{AF507438-7753-43e0-B8FC-AC1667EBCBE1}">
-              <a14:hiddenEffects xmlns="" xmlns:a14="http://schemas.microsoft.com/office/drawing/2010/main">
+              <a14:hiddenEffects xmlns:a14="http://schemas.microsoft.com/office/drawing/2010/main" xmlns="">
                 <a:effectLst>
                   <a:outerShdw dist="35921" dir="2700000" algn="ctr" rotWithShape="0">
                     <a:schemeClr val="bg2"/>
@@ -30376,14 +30376,14 @@
           <a:effectLst/>
           <a:extLst>
             <a:ext uri="{909E8E84-426E-40dd-AFC4-6F175D3DCCD1}">
-              <a14:hiddenFill xmlns="" xmlns:a14="http://schemas.microsoft.com/office/drawing/2010/main">
+              <a14:hiddenFill xmlns:a14="http://schemas.microsoft.com/office/drawing/2010/main" xmlns="">
                 <a:solidFill>
                   <a:schemeClr val="accent1"/>
                 </a:solidFill>
               </a14:hiddenFill>
             </a:ext>
             <a:ext uri="{91240B29-F687-4f45-9708-019B960494DF}">
-              <a14:hiddenLine xmlns="" xmlns:a14="http://schemas.microsoft.com/office/drawing/2010/main" w="9525">
+              <a14:hiddenLine xmlns:a14="http://schemas.microsoft.com/office/drawing/2010/main" xmlns="" w="9525">
                 <a:solidFill>
                   <a:schemeClr val="tx1"/>
                 </a:solidFill>
@@ -30393,7 +30393,7 @@
               </a14:hiddenLine>
             </a:ext>
             <a:ext uri="{AF507438-7753-43e0-B8FC-AC1667EBCBE1}">
-              <a14:hiddenEffects xmlns="" xmlns:a14="http://schemas.microsoft.com/office/drawing/2010/main">
+              <a14:hiddenEffects xmlns:a14="http://schemas.microsoft.com/office/drawing/2010/main" xmlns="">
                 <a:effectLst>
                   <a:outerShdw dist="35921" dir="2700000" algn="ctr" rotWithShape="0">
                     <a:schemeClr val="bg2"/>
@@ -30427,14 +30427,14 @@
           <a:effectLst/>
           <a:extLst>
             <a:ext uri="{909E8E84-426E-40dd-AFC4-6F175D3DCCD1}">
-              <a14:hiddenFill xmlns="" xmlns:a14="http://schemas.microsoft.com/office/drawing/2010/main">
+              <a14:hiddenFill xmlns:a14="http://schemas.microsoft.com/office/drawing/2010/main" xmlns="">
                 <a:solidFill>
                   <a:schemeClr val="accent1"/>
                 </a:solidFill>
               </a14:hiddenFill>
             </a:ext>
             <a:ext uri="{91240B29-F687-4f45-9708-019B960494DF}">
-              <a14:hiddenLine xmlns="" xmlns:a14="http://schemas.microsoft.com/office/drawing/2010/main" w="9525">
+              <a14:hiddenLine xmlns:a14="http://schemas.microsoft.com/office/drawing/2010/main" xmlns="" w="9525">
                 <a:solidFill>
                   <a:schemeClr val="tx1"/>
                 </a:solidFill>
@@ -30444,7 +30444,7 @@
               </a14:hiddenLine>
             </a:ext>
             <a:ext uri="{AF507438-7753-43e0-B8FC-AC1667EBCBE1}">
-              <a14:hiddenEffects xmlns="" xmlns:a14="http://schemas.microsoft.com/office/drawing/2010/main">
+              <a14:hiddenEffects xmlns:a14="http://schemas.microsoft.com/office/drawing/2010/main" xmlns="">
                 <a:effectLst>
                   <a:outerShdw dist="35921" dir="2700000" algn="ctr" rotWithShape="0">
                     <a:schemeClr val="bg2"/>
@@ -31151,14 +31151,14 @@
           </a:ln>
           <a:extLst>
             <a:ext uri="{909E8E84-426E-40dd-AFC4-6F175D3DCCD1}">
-              <a14:hiddenFill xmlns="" xmlns:a14="http://schemas.microsoft.com/office/drawing/2010/main">
+              <a14:hiddenFill xmlns:a14="http://schemas.microsoft.com/office/drawing/2010/main" xmlns="">
                 <a:solidFill>
                   <a:srgbClr val="FFFFFF"/>
                 </a:solidFill>
               </a14:hiddenFill>
             </a:ext>
             <a:ext uri="{91240B29-F687-4f45-9708-019B960494DF}">
-              <a14:hiddenLine xmlns="" xmlns:a14="http://schemas.microsoft.com/office/drawing/2010/main" w="9525">
+              <a14:hiddenLine xmlns:a14="http://schemas.microsoft.com/office/drawing/2010/main" xmlns="" w="9525">
                 <a:solidFill>
                   <a:srgbClr val="000000"/>
                 </a:solidFill>
@@ -32366,14 +32366,14 @@
           </a:ln>
           <a:extLst>
             <a:ext uri="{909E8E84-426E-40dd-AFC4-6F175D3DCCD1}">
-              <a14:hiddenFill xmlns="" xmlns:a14="http://schemas.microsoft.com/office/drawing/2010/main">
+              <a14:hiddenFill xmlns:a14="http://schemas.microsoft.com/office/drawing/2010/main" xmlns="">
                 <a:solidFill>
                   <a:srgbClr val="FFFFFF"/>
                 </a:solidFill>
               </a14:hiddenFill>
             </a:ext>
             <a:ext uri="{91240B29-F687-4f45-9708-019B960494DF}">
-              <a14:hiddenLine xmlns="" xmlns:a14="http://schemas.microsoft.com/office/drawing/2010/main" w="9525">
+              <a14:hiddenLine xmlns:a14="http://schemas.microsoft.com/office/drawing/2010/main" xmlns="" w="9525">
                 <a:solidFill>
                   <a:srgbClr val="000000"/>
                 </a:solidFill>
@@ -32977,14 +32977,14 @@
           <a:effectLst/>
           <a:extLst>
             <a:ext uri="{909E8E84-426E-40dd-AFC4-6F175D3DCCD1}">
-              <a14:hiddenFill xmlns="" xmlns:a14="http://schemas.microsoft.com/office/drawing/2010/main">
+              <a14:hiddenFill xmlns:a14="http://schemas.microsoft.com/office/drawing/2010/main" xmlns="">
                 <a:solidFill>
                   <a:schemeClr val="accent1"/>
                 </a:solidFill>
               </a14:hiddenFill>
             </a:ext>
             <a:ext uri="{91240B29-F687-4f45-9708-019B960494DF}">
-              <a14:hiddenLine xmlns="" xmlns:a14="http://schemas.microsoft.com/office/drawing/2010/main" w="9525">
+              <a14:hiddenLine xmlns:a14="http://schemas.microsoft.com/office/drawing/2010/main" xmlns="" w="9525">
                 <a:solidFill>
                   <a:schemeClr val="tx1"/>
                 </a:solidFill>
@@ -32994,7 +32994,7 @@
               </a14:hiddenLine>
             </a:ext>
             <a:ext uri="{AF507438-7753-43e0-B8FC-AC1667EBCBE1}">
-              <a14:hiddenEffects xmlns="" xmlns:a14="http://schemas.microsoft.com/office/drawing/2010/main">
+              <a14:hiddenEffects xmlns:a14="http://schemas.microsoft.com/office/drawing/2010/main" xmlns="">
                 <a:effectLst>
                   <a:outerShdw dist="35921" dir="2700000" algn="ctr" rotWithShape="0">
                     <a:schemeClr val="bg2"/>
@@ -33870,14 +33870,14 @@
                       <a:effectLst/>
                       <a:extLst>
                         <a:ext uri="{909E8E84-426E-40dd-AFC4-6F175D3DCCD1}">
-                          <a14:hiddenFill xmlns="" xmlns:a14="http://schemas.microsoft.com/office/drawing/2010/main">
+                          <a14:hiddenFill xmlns:a14="http://schemas.microsoft.com/office/drawing/2010/main" xmlns="">
                             <a:solidFill>
                               <a:srgbClr val="FFFFFF"/>
                             </a:solidFill>
                           </a14:hiddenFill>
                         </a:ext>
                         <a:ext uri="{91240B29-F687-4f45-9708-019B960494DF}">
-                          <a14:hiddenLine xmlns="" xmlns:a14="http://schemas.microsoft.com/office/drawing/2010/main" w="9525">
+                          <a14:hiddenLine xmlns:a14="http://schemas.microsoft.com/office/drawing/2010/main" xmlns="" w="9525">
                             <a:solidFill>
                               <a:srgbClr val="000000"/>
                             </a:solidFill>
@@ -33887,7 +33887,7 @@
                           </a14:hiddenLine>
                         </a:ext>
                         <a:ext uri="{AF507438-7753-43e0-B8FC-AC1667EBCBE1}">
-                          <a14:hiddenEffects xmlns="" xmlns:a14="http://schemas.microsoft.com/office/drawing/2010/main">
+                          <a14:hiddenEffects xmlns:a14="http://schemas.microsoft.com/office/drawing/2010/main" xmlns="">
                             <a:effectLst>
                               <a:outerShdw dist="35921" dir="2700000" algn="ctr" rotWithShape="0">
                                 <a:srgbClr val="808080"/>
@@ -33927,14 +33927,14 @@
           <a:effectLst/>
           <a:extLst>
             <a:ext uri="{909E8E84-426E-40dd-AFC4-6F175D3DCCD1}">
-              <a14:hiddenFill xmlns="" xmlns:a14="http://schemas.microsoft.com/office/drawing/2010/main">
+              <a14:hiddenFill xmlns:a14="http://schemas.microsoft.com/office/drawing/2010/main" xmlns="">
                 <a:solidFill>
                   <a:schemeClr val="accent1"/>
                 </a:solidFill>
               </a14:hiddenFill>
             </a:ext>
             <a:ext uri="{91240B29-F687-4f45-9708-019B960494DF}">
-              <a14:hiddenLine xmlns="" xmlns:a14="http://schemas.microsoft.com/office/drawing/2010/main" w="9525">
+              <a14:hiddenLine xmlns:a14="http://schemas.microsoft.com/office/drawing/2010/main" xmlns="" w="9525">
                 <a:solidFill>
                   <a:schemeClr val="tx1"/>
                 </a:solidFill>
@@ -33944,7 +33944,7 @@
               </a14:hiddenLine>
             </a:ext>
             <a:ext uri="{AF507438-7753-43e0-B8FC-AC1667EBCBE1}">
-              <a14:hiddenEffects xmlns="" xmlns:a14="http://schemas.microsoft.com/office/drawing/2010/main">
+              <a14:hiddenEffects xmlns:a14="http://schemas.microsoft.com/office/drawing/2010/main" xmlns="">
                 <a:effectLst>
                   <a:outerShdw dist="35921" dir="2700000" algn="ctr" rotWithShape="0">
                     <a:schemeClr val="bg2"/>
@@ -34192,14 +34192,14 @@
           <a:effectLst/>
           <a:extLst>
             <a:ext uri="{909E8E84-426E-40dd-AFC4-6F175D3DCCD1}">
-              <a14:hiddenFill xmlns="" xmlns:a14="http://schemas.microsoft.com/office/drawing/2010/main">
+              <a14:hiddenFill xmlns:a14="http://schemas.microsoft.com/office/drawing/2010/main" xmlns="">
                 <a:solidFill>
                   <a:schemeClr val="accent1"/>
                 </a:solidFill>
               </a14:hiddenFill>
             </a:ext>
             <a:ext uri="{91240B29-F687-4f45-9708-019B960494DF}">
-              <a14:hiddenLine xmlns="" xmlns:a14="http://schemas.microsoft.com/office/drawing/2010/main" w="9525">
+              <a14:hiddenLine xmlns:a14="http://schemas.microsoft.com/office/drawing/2010/main" xmlns="" w="9525">
                 <a:solidFill>
                   <a:schemeClr val="tx1"/>
                 </a:solidFill>
@@ -34209,7 +34209,7 @@
               </a14:hiddenLine>
             </a:ext>
             <a:ext uri="{AF507438-7753-43e0-B8FC-AC1667EBCBE1}">
-              <a14:hiddenEffects xmlns="" xmlns:a14="http://schemas.microsoft.com/office/drawing/2010/main">
+              <a14:hiddenEffects xmlns:a14="http://schemas.microsoft.com/office/drawing/2010/main" xmlns="">
                 <a:effectLst>
                   <a:outerShdw dist="35921" dir="2700000" algn="ctr" rotWithShape="0">
                     <a:schemeClr val="bg2"/>
@@ -35120,14 +35120,14 @@
           </a:ln>
           <a:extLst>
             <a:ext uri="{909E8E84-426E-40dd-AFC4-6F175D3DCCD1}">
-              <a14:hiddenFill xmlns="" xmlns:a14="http://schemas.microsoft.com/office/drawing/2010/main">
+              <a14:hiddenFill xmlns:a14="http://schemas.microsoft.com/office/drawing/2010/main" xmlns="">
                 <a:solidFill>
                   <a:srgbClr val="FFFFFF"/>
                 </a:solidFill>
               </a14:hiddenFill>
             </a:ext>
             <a:ext uri="{91240B29-F687-4f45-9708-019B960494DF}">
-              <a14:hiddenLine xmlns="" xmlns:a14="http://schemas.microsoft.com/office/drawing/2010/main" w="9525">
+              <a14:hiddenLine xmlns:a14="http://schemas.microsoft.com/office/drawing/2010/main" xmlns="" w="9525">
                 <a:solidFill>
                   <a:srgbClr val="000000"/>
                 </a:solidFill>
@@ -35731,14 +35731,14 @@
           <a:effectLst/>
           <a:extLst>
             <a:ext uri="{909E8E84-426E-40dd-AFC4-6F175D3DCCD1}">
-              <a14:hiddenFill xmlns="" xmlns:a14="http://schemas.microsoft.com/office/drawing/2010/main">
+              <a14:hiddenFill xmlns:a14="http://schemas.microsoft.com/office/drawing/2010/main" xmlns="">
                 <a:solidFill>
                   <a:schemeClr val="accent1"/>
                 </a:solidFill>
               </a14:hiddenFill>
             </a:ext>
             <a:ext uri="{91240B29-F687-4f45-9708-019B960494DF}">
-              <a14:hiddenLine xmlns="" xmlns:a14="http://schemas.microsoft.com/office/drawing/2010/main" w="9525">
+              <a14:hiddenLine xmlns:a14="http://schemas.microsoft.com/office/drawing/2010/main" xmlns="" w="9525">
                 <a:solidFill>
                   <a:schemeClr val="tx1"/>
                 </a:solidFill>
@@ -35748,7 +35748,7 @@
               </a14:hiddenLine>
             </a:ext>
             <a:ext uri="{AF507438-7753-43e0-B8FC-AC1667EBCBE1}">
-              <a14:hiddenEffects xmlns="" xmlns:a14="http://schemas.microsoft.com/office/drawing/2010/main">
+              <a14:hiddenEffects xmlns:a14="http://schemas.microsoft.com/office/drawing/2010/main" xmlns="">
                 <a:effectLst>
                   <a:outerShdw dist="35921" dir="2700000" algn="ctr" rotWithShape="0">
                     <a:schemeClr val="bg2"/>
@@ -36709,14 +36709,14 @@
           <a:effectLst/>
           <a:extLst>
             <a:ext uri="{909E8E84-426E-40dd-AFC4-6F175D3DCCD1}">
-              <a14:hiddenFill xmlns="" xmlns:a14="http://schemas.microsoft.com/office/drawing/2010/main">
+              <a14:hiddenFill xmlns:a14="http://schemas.microsoft.com/office/drawing/2010/main" xmlns="">
                 <a:solidFill>
                   <a:schemeClr val="accent1"/>
                 </a:solidFill>
               </a14:hiddenFill>
             </a:ext>
             <a:ext uri="{91240B29-F687-4f45-9708-019B960494DF}">
-              <a14:hiddenLine xmlns="" xmlns:a14="http://schemas.microsoft.com/office/drawing/2010/main" w="9525">
+              <a14:hiddenLine xmlns:a14="http://schemas.microsoft.com/office/drawing/2010/main" xmlns="" w="9525">
                 <a:solidFill>
                   <a:schemeClr val="tx1"/>
                 </a:solidFill>
@@ -36726,7 +36726,7 @@
               </a14:hiddenLine>
             </a:ext>
             <a:ext uri="{AF507438-7753-43e0-B8FC-AC1667EBCBE1}">
-              <a14:hiddenEffects xmlns="" xmlns:a14="http://schemas.microsoft.com/office/drawing/2010/main">
+              <a14:hiddenEffects xmlns:a14="http://schemas.microsoft.com/office/drawing/2010/main" xmlns="">
                 <a:effectLst>
                   <a:outerShdw dist="35921" dir="2700000" algn="ctr" rotWithShape="0">
                     <a:schemeClr val="bg2"/>
@@ -37823,14 +37823,14 @@
           <a:effectLst/>
           <a:extLst>
             <a:ext uri="{909E8E84-426E-40dd-AFC4-6F175D3DCCD1}">
-              <a14:hiddenFill xmlns="" xmlns:a14="http://schemas.microsoft.com/office/drawing/2010/main">
+              <a14:hiddenFill xmlns:a14="http://schemas.microsoft.com/office/drawing/2010/main" xmlns="">
                 <a:solidFill>
                   <a:schemeClr val="accent1"/>
                 </a:solidFill>
               </a14:hiddenFill>
             </a:ext>
             <a:ext uri="{91240B29-F687-4f45-9708-019B960494DF}">
-              <a14:hiddenLine xmlns="" xmlns:a14="http://schemas.microsoft.com/office/drawing/2010/main" w="9525">
+              <a14:hiddenLine xmlns:a14="http://schemas.microsoft.com/office/drawing/2010/main" xmlns="" w="9525">
                 <a:solidFill>
                   <a:schemeClr val="tx1"/>
                 </a:solidFill>
@@ -37840,7 +37840,7 @@
               </a14:hiddenLine>
             </a:ext>
             <a:ext uri="{AF507438-7753-43e0-B8FC-AC1667EBCBE1}">
-              <a14:hiddenEffects xmlns="" xmlns:a14="http://schemas.microsoft.com/office/drawing/2010/main">
+              <a14:hiddenEffects xmlns:a14="http://schemas.microsoft.com/office/drawing/2010/main" xmlns="">
                 <a:effectLst>
                   <a:outerShdw dist="35921" dir="2700000" algn="ctr" rotWithShape="0">
                     <a:schemeClr val="bg2"/>
@@ -38147,14 +38147,14 @@
           <a:effectLst/>
           <a:extLst>
             <a:ext uri="{909E8E84-426E-40dd-AFC4-6F175D3DCCD1}">
-              <a14:hiddenFill xmlns="" xmlns:a14="http://schemas.microsoft.com/office/drawing/2010/main">
+              <a14:hiddenFill xmlns:a14="http://schemas.microsoft.com/office/drawing/2010/main" xmlns="">
                 <a:solidFill>
                   <a:schemeClr val="accent1"/>
                 </a:solidFill>
               </a14:hiddenFill>
             </a:ext>
             <a:ext uri="{91240B29-F687-4f45-9708-019B960494DF}">
-              <a14:hiddenLine xmlns="" xmlns:a14="http://schemas.microsoft.com/office/drawing/2010/main" w="9525">
+              <a14:hiddenLine xmlns:a14="http://schemas.microsoft.com/office/drawing/2010/main" xmlns="" w="9525">
                 <a:solidFill>
                   <a:schemeClr val="tx1"/>
                 </a:solidFill>
@@ -38164,7 +38164,7 @@
               </a14:hiddenLine>
             </a:ext>
             <a:ext uri="{AF507438-7753-43e0-B8FC-AC1667EBCBE1}">
-              <a14:hiddenEffects xmlns="" xmlns:a14="http://schemas.microsoft.com/office/drawing/2010/main">
+              <a14:hiddenEffects xmlns:a14="http://schemas.microsoft.com/office/drawing/2010/main" xmlns="">
                 <a:effectLst>
                   <a:outerShdw dist="35921" dir="2700000" algn="ctr" rotWithShape="0">
                     <a:schemeClr val="bg2"/>
@@ -38555,14 +38555,14 @@
                       <a:effectLst/>
                       <a:extLst>
                         <a:ext uri="{909E8E84-426E-40dd-AFC4-6F175D3DCCD1}">
-                          <a14:hiddenFill xmlns="" xmlns:a14="http://schemas.microsoft.com/office/drawing/2010/main">
+                          <a14:hiddenFill xmlns:a14="http://schemas.microsoft.com/office/drawing/2010/main" xmlns="">
                             <a:solidFill>
                               <a:srgbClr val="FFFFFF"/>
                             </a:solidFill>
                           </a14:hiddenFill>
                         </a:ext>
                         <a:ext uri="{91240B29-F687-4f45-9708-019B960494DF}">
-                          <a14:hiddenLine xmlns="" xmlns:a14="http://schemas.microsoft.com/office/drawing/2010/main" w="9525">
+                          <a14:hiddenLine xmlns:a14="http://schemas.microsoft.com/office/drawing/2010/main" xmlns="" w="9525">
                             <a:solidFill>
                               <a:srgbClr val="000000"/>
                             </a:solidFill>
@@ -38572,7 +38572,7 @@
                           </a14:hiddenLine>
                         </a:ext>
                         <a:ext uri="{AF507438-7753-43e0-B8FC-AC1667EBCBE1}">
-                          <a14:hiddenEffects xmlns="" xmlns:a14="http://schemas.microsoft.com/office/drawing/2010/main">
+                          <a14:hiddenEffects xmlns:a14="http://schemas.microsoft.com/office/drawing/2010/main" xmlns="">
                             <a:effectLst>
                               <a:outerShdw dist="35921" dir="2700000" algn="ctr" rotWithShape="0">
                                 <a:srgbClr val="808080"/>
@@ -38612,14 +38612,14 @@
           <a:effectLst/>
           <a:extLst>
             <a:ext uri="{909E8E84-426E-40dd-AFC4-6F175D3DCCD1}">
-              <a14:hiddenFill xmlns="" xmlns:a14="http://schemas.microsoft.com/office/drawing/2010/main">
+              <a14:hiddenFill xmlns:a14="http://schemas.microsoft.com/office/drawing/2010/main" xmlns="">
                 <a:solidFill>
                   <a:schemeClr val="accent1"/>
                 </a:solidFill>
               </a14:hiddenFill>
             </a:ext>
             <a:ext uri="{91240B29-F687-4f45-9708-019B960494DF}">
-              <a14:hiddenLine xmlns="" xmlns:a14="http://schemas.microsoft.com/office/drawing/2010/main" w="9525">
+              <a14:hiddenLine xmlns:a14="http://schemas.microsoft.com/office/drawing/2010/main" xmlns="" w="9525">
                 <a:solidFill>
                   <a:schemeClr val="tx1"/>
                 </a:solidFill>
@@ -38629,7 +38629,7 @@
               </a14:hiddenLine>
             </a:ext>
             <a:ext uri="{AF507438-7753-43e0-B8FC-AC1667EBCBE1}">
-              <a14:hiddenEffects xmlns="" xmlns:a14="http://schemas.microsoft.com/office/drawing/2010/main">
+              <a14:hiddenEffects xmlns:a14="http://schemas.microsoft.com/office/drawing/2010/main" xmlns="">
                 <a:effectLst>
                   <a:outerShdw dist="35921" dir="2700000" algn="ctr" rotWithShape="0">
                     <a:schemeClr val="bg2"/>
@@ -39546,14 +39546,14 @@
           </a:ln>
           <a:extLst>
             <a:ext uri="{909E8E84-426E-40dd-AFC4-6F175D3DCCD1}">
-              <a14:hiddenFill xmlns="" xmlns:a14="http://schemas.microsoft.com/office/drawing/2010/main">
+              <a14:hiddenFill xmlns:a14="http://schemas.microsoft.com/office/drawing/2010/main" xmlns="">
                 <a:solidFill>
                   <a:srgbClr val="FFFFFF"/>
                 </a:solidFill>
               </a14:hiddenFill>
             </a:ext>
             <a:ext uri="{91240B29-F687-4f45-9708-019B960494DF}">
-              <a14:hiddenLine xmlns="" xmlns:a14="http://schemas.microsoft.com/office/drawing/2010/main" w="9525">
+              <a14:hiddenLine xmlns:a14="http://schemas.microsoft.com/office/drawing/2010/main" xmlns="" w="9525">
                 <a:solidFill>
                   <a:srgbClr val="000000"/>
                 </a:solidFill>
@@ -40275,14 +40275,14 @@
             </a:ln>
             <a:extLst>
               <a:ext uri="{909E8E84-426E-40dd-AFC4-6F175D3DCCD1}">
-                <a14:hiddenFill xmlns="" xmlns:a14="http://schemas.microsoft.com/office/drawing/2010/main">
+                <a14:hiddenFill xmlns:a14="http://schemas.microsoft.com/office/drawing/2010/main" xmlns="">
                   <a:solidFill>
                     <a:schemeClr val="accent1"/>
                   </a:solidFill>
                 </a14:hiddenFill>
               </a:ext>
               <a:ext uri="{91240B29-F687-4f45-9708-019B960494DF}">
-                <a14:hiddenLine xmlns="" xmlns:a14="http://schemas.microsoft.com/office/drawing/2010/main" w="9525">
+                <a14:hiddenLine xmlns:a14="http://schemas.microsoft.com/office/drawing/2010/main" xmlns="" w="9525">
                   <a:solidFill>
                     <a:schemeClr val="tx1"/>
                   </a:solidFill>
@@ -41554,14 +41554,14 @@
           <a:effectLst/>
           <a:extLst>
             <a:ext uri="{909E8E84-426E-40dd-AFC4-6F175D3DCCD1}">
-              <a14:hiddenFill xmlns="" xmlns:a14="http://schemas.microsoft.com/office/drawing/2010/main">
+              <a14:hiddenFill xmlns:a14="http://schemas.microsoft.com/office/drawing/2010/main" xmlns="">
                 <a:solidFill>
                   <a:schemeClr val="accent1"/>
                 </a:solidFill>
               </a14:hiddenFill>
             </a:ext>
             <a:ext uri="{91240B29-F687-4f45-9708-019B960494DF}">
-              <a14:hiddenLine xmlns="" xmlns:a14="http://schemas.microsoft.com/office/drawing/2010/main" w="9525">
+              <a14:hiddenLine xmlns:a14="http://schemas.microsoft.com/office/drawing/2010/main" xmlns="" w="9525">
                 <a:solidFill>
                   <a:schemeClr val="tx1"/>
                 </a:solidFill>
@@ -41571,7 +41571,7 @@
               </a14:hiddenLine>
             </a:ext>
             <a:ext uri="{AF507438-7753-43e0-B8FC-AC1667EBCBE1}">
-              <a14:hiddenEffects xmlns="" xmlns:a14="http://schemas.microsoft.com/office/drawing/2010/main">
+              <a14:hiddenEffects xmlns:a14="http://schemas.microsoft.com/office/drawing/2010/main" xmlns="">
                 <a:effectLst>
                   <a:outerShdw dist="35921" dir="2700000" algn="ctr" rotWithShape="0">
                     <a:schemeClr val="bg2"/>
@@ -42219,8 +42219,8 @@
         </p:nvSpPr>
         <p:spPr>
           <a:xfrm>
-            <a:off x="5507549" y="6534150"/>
-            <a:ext cx="3645569" cy="369332"/>
+            <a:off x="4814047" y="6534150"/>
+            <a:ext cx="4339071" cy="369332"/>
           </a:xfrm>
           <a:prstGeom prst="rect">
             <a:avLst/>
@@ -42235,7 +42235,7 @@
           <a:p>
             <a:r>
               <a:rPr lang="en-US" dirty="0"/>
-              <a:t>Acknowledgement: Brooke Wright</a:t>
+              <a:t>Acknowledgement: Brooke Lowman</a:t>
             </a:r>
           </a:p>
         </p:txBody>
@@ -43978,14 +43978,14 @@
           <a:effectLst/>
           <a:extLst>
             <a:ext uri="{909E8E84-426E-40dd-AFC4-6F175D3DCCD1}">
-              <a14:hiddenFill xmlns="" xmlns:a14="http://schemas.microsoft.com/office/drawing/2010/main">
+              <a14:hiddenFill xmlns:a14="http://schemas.microsoft.com/office/drawing/2010/main" xmlns="">
                 <a:solidFill>
                   <a:schemeClr val="accent1"/>
                 </a:solidFill>
               </a14:hiddenFill>
             </a:ext>
             <a:ext uri="{91240B29-F687-4f45-9708-019B960494DF}">
-              <a14:hiddenLine xmlns="" xmlns:a14="http://schemas.microsoft.com/office/drawing/2010/main" w="9525">
+              <a14:hiddenLine xmlns:a14="http://schemas.microsoft.com/office/drawing/2010/main" xmlns="" w="9525">
                 <a:solidFill>
                   <a:schemeClr val="tx1"/>
                 </a:solidFill>
@@ -43995,7 +43995,7 @@
               </a14:hiddenLine>
             </a:ext>
             <a:ext uri="{AF507438-7753-43e0-B8FC-AC1667EBCBE1}">
-              <a14:hiddenEffects xmlns="" xmlns:a14="http://schemas.microsoft.com/office/drawing/2010/main">
+              <a14:hiddenEffects xmlns:a14="http://schemas.microsoft.com/office/drawing/2010/main" xmlns="">
                 <a:effectLst>
                   <a:outerShdw dist="35921" dir="2700000" algn="ctr" rotWithShape="0">
                     <a:schemeClr val="bg2"/>
@@ -44582,12 +44582,12 @@
           <a:effectLst/>
           <a:extLst>
             <a:ext uri="{909E8E84-426E-40dd-AFC4-6F175D3DCCD1}">
-              <a14:hiddenFill xmlns="" xmlns:a14="http://schemas.microsoft.com/office/drawing/2010/main">
+              <a14:hiddenFill xmlns:a14="http://schemas.microsoft.com/office/drawing/2010/main" xmlns="">
                 <a:noFill/>
               </a14:hiddenFill>
             </a:ext>
             <a:ext uri="{AF507438-7753-43e0-B8FC-AC1667EBCBE1}">
-              <a14:hiddenEffects xmlns="" xmlns:a14="http://schemas.microsoft.com/office/drawing/2010/main">
+              <a14:hiddenEffects xmlns:a14="http://schemas.microsoft.com/office/drawing/2010/main" xmlns="">
                 <a:effectLst>
                   <a:outerShdw dist="35921" dir="2700000" algn="ctr" rotWithShape="0">
                     <a:schemeClr val="bg2"/>
@@ -44641,14 +44641,14 @@
           <a:effectLst/>
           <a:extLst>
             <a:ext uri="{909E8E84-426E-40dd-AFC4-6F175D3DCCD1}">
-              <a14:hiddenFill xmlns="" xmlns:a14="http://schemas.microsoft.com/office/drawing/2010/main">
+              <a14:hiddenFill xmlns:a14="http://schemas.microsoft.com/office/drawing/2010/main" xmlns="">
                 <a:solidFill>
                   <a:schemeClr val="accent1"/>
                 </a:solidFill>
               </a14:hiddenFill>
             </a:ext>
             <a:ext uri="{91240B29-F687-4f45-9708-019B960494DF}">
-              <a14:hiddenLine xmlns="" xmlns:a14="http://schemas.microsoft.com/office/drawing/2010/main" w="9525">
+              <a14:hiddenLine xmlns:a14="http://schemas.microsoft.com/office/drawing/2010/main" xmlns="" w="9525">
                 <a:solidFill>
                   <a:schemeClr val="tx1"/>
                 </a:solidFill>
@@ -44658,7 +44658,7 @@
               </a14:hiddenLine>
             </a:ext>
             <a:ext uri="{AF507438-7753-43e0-B8FC-AC1667EBCBE1}">
-              <a14:hiddenEffects xmlns="" xmlns:a14="http://schemas.microsoft.com/office/drawing/2010/main">
+              <a14:hiddenEffects xmlns:a14="http://schemas.microsoft.com/office/drawing/2010/main" xmlns="">
                 <a:effectLst>
                   <a:outerShdw dist="35921" dir="2700000" algn="ctr" rotWithShape="0">
                     <a:schemeClr val="bg2"/>
@@ -45409,14 +45409,14 @@
           <a:effectLst/>
           <a:extLst>
             <a:ext uri="{909E8E84-426E-40dd-AFC4-6F175D3DCCD1}">
-              <a14:hiddenFill xmlns="" xmlns:a14="http://schemas.microsoft.com/office/drawing/2010/main">
+              <a14:hiddenFill xmlns:a14="http://schemas.microsoft.com/office/drawing/2010/main" xmlns="">
                 <a:solidFill>
                   <a:schemeClr val="accent1"/>
                 </a:solidFill>
               </a14:hiddenFill>
             </a:ext>
             <a:ext uri="{91240B29-F687-4f45-9708-019B960494DF}">
-              <a14:hiddenLine xmlns="" xmlns:a14="http://schemas.microsoft.com/office/drawing/2010/main" w="9525">
+              <a14:hiddenLine xmlns:a14="http://schemas.microsoft.com/office/drawing/2010/main" xmlns="" w="9525">
                 <a:solidFill>
                   <a:schemeClr val="tx1"/>
                 </a:solidFill>
@@ -45426,7 +45426,7 @@
               </a14:hiddenLine>
             </a:ext>
             <a:ext uri="{AF507438-7753-43e0-B8FC-AC1667EBCBE1}">
-              <a14:hiddenEffects xmlns="" xmlns:a14="http://schemas.microsoft.com/office/drawing/2010/main">
+              <a14:hiddenEffects xmlns:a14="http://schemas.microsoft.com/office/drawing/2010/main" xmlns="">
                 <a:effectLst>
                   <a:outerShdw dist="35921" dir="2700000" algn="ctr" rotWithShape="0">
                     <a:schemeClr val="bg2"/>
@@ -46777,14 +46777,14 @@
                       </a:ln>
                       <a:extLst>
                         <a:ext uri="{909E8E84-426E-40dd-AFC4-6F175D3DCCD1}">
-                          <a14:hiddenFill xmlns="" xmlns:a14="http://schemas.microsoft.com/office/drawing/2010/main">
+                          <a14:hiddenFill xmlns:a14="http://schemas.microsoft.com/office/drawing/2010/main" xmlns="">
                             <a:solidFill>
                               <a:schemeClr val="accent1"/>
                             </a:solidFill>
                           </a14:hiddenFill>
                         </a:ext>
                         <a:ext uri="{91240B29-F687-4f45-9708-019B960494DF}">
-                          <a14:hiddenLine xmlns="" xmlns:a14="http://schemas.microsoft.com/office/drawing/2010/main" w="9525">
+                          <a14:hiddenLine xmlns:a14="http://schemas.microsoft.com/office/drawing/2010/main" xmlns="" w="9525">
                             <a:solidFill>
                               <a:schemeClr val="tx1"/>
                             </a:solidFill>

--- a/docs/lectures/lec-06.pptx
+++ b/docs/lectures/lec-06.pptx
@@ -250,14 +250,14 @@
           <a:effectLst/>
           <a:extLst>
             <a:ext uri="{909E8E84-426E-40dd-AFC4-6F175D3DCCD1}">
-              <a14:hiddenFill xmlns:a14="http://schemas.microsoft.com/office/drawing/2010/main" xmlns="">
+              <a14:hiddenFill xmlns="" xmlns:a14="http://schemas.microsoft.com/office/drawing/2010/main">
                 <a:solidFill>
                   <a:schemeClr val="accent1"/>
                 </a:solidFill>
               </a14:hiddenFill>
             </a:ext>
             <a:ext uri="{91240B29-F687-4f45-9708-019B960494DF}">
-              <a14:hiddenLine xmlns:a14="http://schemas.microsoft.com/office/drawing/2010/main" xmlns="" w="9525">
+              <a14:hiddenLine xmlns="" xmlns:a14="http://schemas.microsoft.com/office/drawing/2010/main" w="9525">
                 <a:solidFill>
                   <a:schemeClr val="tx1"/>
                 </a:solidFill>
@@ -267,7 +267,7 @@
               </a14:hiddenLine>
             </a:ext>
             <a:ext uri="{AF507438-7753-43e0-B8FC-AC1667EBCBE1}">
-              <a14:hiddenEffects xmlns:a14="http://schemas.microsoft.com/office/drawing/2010/main" xmlns="">
+              <a14:hiddenEffects xmlns="" xmlns:a14="http://schemas.microsoft.com/office/drawing/2010/main">
                 <a:effectLst>
                   <a:outerShdw dist="35921" dir="2700000" algn="ctr" rotWithShape="0">
                     <a:schemeClr val="bg2"/>
@@ -321,14 +321,14 @@
           <a:effectLst/>
           <a:extLst>
             <a:ext uri="{909E8E84-426E-40dd-AFC4-6F175D3DCCD1}">
-              <a14:hiddenFill xmlns:a14="http://schemas.microsoft.com/office/drawing/2010/main" xmlns="">
+              <a14:hiddenFill xmlns="" xmlns:a14="http://schemas.microsoft.com/office/drawing/2010/main">
                 <a:solidFill>
                   <a:schemeClr val="accent1"/>
                 </a:solidFill>
               </a14:hiddenFill>
             </a:ext>
             <a:ext uri="{91240B29-F687-4f45-9708-019B960494DF}">
-              <a14:hiddenLine xmlns:a14="http://schemas.microsoft.com/office/drawing/2010/main" xmlns="" w="9525">
+              <a14:hiddenLine xmlns="" xmlns:a14="http://schemas.microsoft.com/office/drawing/2010/main" w="9525">
                 <a:solidFill>
                   <a:schemeClr val="tx1"/>
                 </a:solidFill>
@@ -338,7 +338,7 @@
               </a14:hiddenLine>
             </a:ext>
             <a:ext uri="{AF507438-7753-43e0-B8FC-AC1667EBCBE1}">
-              <a14:hiddenEffects xmlns:a14="http://schemas.microsoft.com/office/drawing/2010/main" xmlns="">
+              <a14:hiddenEffects xmlns="" xmlns:a14="http://schemas.microsoft.com/office/drawing/2010/main">
                 <a:effectLst>
                   <a:outerShdw dist="35921" dir="2700000" algn="ctr" rotWithShape="0">
                     <a:schemeClr val="bg2"/>
@@ -392,14 +392,14 @@
           <a:effectLst/>
           <a:extLst>
             <a:ext uri="{909E8E84-426E-40dd-AFC4-6F175D3DCCD1}">
-              <a14:hiddenFill xmlns:a14="http://schemas.microsoft.com/office/drawing/2010/main" xmlns="">
+              <a14:hiddenFill xmlns="" xmlns:a14="http://schemas.microsoft.com/office/drawing/2010/main">
                 <a:solidFill>
                   <a:schemeClr val="accent1"/>
                 </a:solidFill>
               </a14:hiddenFill>
             </a:ext>
             <a:ext uri="{91240B29-F687-4f45-9708-019B960494DF}">
-              <a14:hiddenLine xmlns:a14="http://schemas.microsoft.com/office/drawing/2010/main" xmlns="" w="9525">
+              <a14:hiddenLine xmlns="" xmlns:a14="http://schemas.microsoft.com/office/drawing/2010/main" w="9525">
                 <a:solidFill>
                   <a:schemeClr val="tx1"/>
                 </a:solidFill>
@@ -409,7 +409,7 @@
               </a14:hiddenLine>
             </a:ext>
             <a:ext uri="{AF507438-7753-43e0-B8FC-AC1667EBCBE1}">
-              <a14:hiddenEffects xmlns:a14="http://schemas.microsoft.com/office/drawing/2010/main" xmlns="">
+              <a14:hiddenEffects xmlns="" xmlns:a14="http://schemas.microsoft.com/office/drawing/2010/main">
                 <a:effectLst>
                   <a:outerShdw dist="35921" dir="2700000" algn="ctr" rotWithShape="0">
                     <a:schemeClr val="bg2"/>
@@ -463,14 +463,14 @@
           <a:effectLst/>
           <a:extLst>
             <a:ext uri="{909E8E84-426E-40dd-AFC4-6F175D3DCCD1}">
-              <a14:hiddenFill xmlns:a14="http://schemas.microsoft.com/office/drawing/2010/main" xmlns="">
+              <a14:hiddenFill xmlns="" xmlns:a14="http://schemas.microsoft.com/office/drawing/2010/main">
                 <a:solidFill>
                   <a:schemeClr val="accent1"/>
                 </a:solidFill>
               </a14:hiddenFill>
             </a:ext>
             <a:ext uri="{91240B29-F687-4f45-9708-019B960494DF}">
-              <a14:hiddenLine xmlns:a14="http://schemas.microsoft.com/office/drawing/2010/main" xmlns="" w="9525">
+              <a14:hiddenLine xmlns="" xmlns:a14="http://schemas.microsoft.com/office/drawing/2010/main" w="9525">
                 <a:solidFill>
                   <a:schemeClr val="tx1"/>
                 </a:solidFill>
@@ -480,7 +480,7 @@
               </a14:hiddenLine>
             </a:ext>
             <a:ext uri="{AF507438-7753-43e0-B8FC-AC1667EBCBE1}">
-              <a14:hiddenEffects xmlns:a14="http://schemas.microsoft.com/office/drawing/2010/main" xmlns="">
+              <a14:hiddenEffects xmlns="" xmlns:a14="http://schemas.microsoft.com/office/drawing/2010/main">
                 <a:effectLst>
                   <a:outerShdw dist="35921" dir="2700000" algn="ctr" rotWithShape="0">
                     <a:schemeClr val="bg2"/>
@@ -577,14 +577,14 @@
           <a:effectLst/>
           <a:extLst>
             <a:ext uri="{909E8E84-426E-40dd-AFC4-6F175D3DCCD1}">
-              <a14:hiddenFill xmlns:a14="http://schemas.microsoft.com/office/drawing/2010/main" xmlns="">
+              <a14:hiddenFill xmlns="" xmlns:a14="http://schemas.microsoft.com/office/drawing/2010/main">
                 <a:solidFill>
                   <a:schemeClr val="accent1"/>
                 </a:solidFill>
               </a14:hiddenFill>
             </a:ext>
             <a:ext uri="{91240B29-F687-4f45-9708-019B960494DF}">
-              <a14:hiddenLine xmlns:a14="http://schemas.microsoft.com/office/drawing/2010/main" xmlns="" w="9525">
+              <a14:hiddenLine xmlns="" xmlns:a14="http://schemas.microsoft.com/office/drawing/2010/main" w="9525">
                 <a:solidFill>
                   <a:schemeClr val="tx1"/>
                 </a:solidFill>
@@ -594,7 +594,7 @@
               </a14:hiddenLine>
             </a:ext>
             <a:ext uri="{AF507438-7753-43e0-B8FC-AC1667EBCBE1}">
-              <a14:hiddenEffects xmlns:a14="http://schemas.microsoft.com/office/drawing/2010/main" xmlns="">
+              <a14:hiddenEffects xmlns="" xmlns:a14="http://schemas.microsoft.com/office/drawing/2010/main">
                 <a:effectLst>
                   <a:outerShdw dist="35921" dir="2700000" algn="ctr" rotWithShape="0">
                     <a:schemeClr val="bg2"/>
@@ -648,14 +648,14 @@
           <a:effectLst/>
           <a:extLst>
             <a:ext uri="{909E8E84-426E-40dd-AFC4-6F175D3DCCD1}">
-              <a14:hiddenFill xmlns:a14="http://schemas.microsoft.com/office/drawing/2010/main" xmlns="">
+              <a14:hiddenFill xmlns="" xmlns:a14="http://schemas.microsoft.com/office/drawing/2010/main">
                 <a:solidFill>
                   <a:schemeClr val="accent1"/>
                 </a:solidFill>
               </a14:hiddenFill>
             </a:ext>
             <a:ext uri="{91240B29-F687-4f45-9708-019B960494DF}">
-              <a14:hiddenLine xmlns:a14="http://schemas.microsoft.com/office/drawing/2010/main" xmlns="" w="9525">
+              <a14:hiddenLine xmlns="" xmlns:a14="http://schemas.microsoft.com/office/drawing/2010/main" w="9525">
                 <a:solidFill>
                   <a:schemeClr val="tx1"/>
                 </a:solidFill>
@@ -665,7 +665,7 @@
               </a14:hiddenLine>
             </a:ext>
             <a:ext uri="{AF507438-7753-43e0-B8FC-AC1667EBCBE1}">
-              <a14:hiddenEffects xmlns:a14="http://schemas.microsoft.com/office/drawing/2010/main" xmlns="">
+              <a14:hiddenEffects xmlns="" xmlns:a14="http://schemas.microsoft.com/office/drawing/2010/main">
                 <a:effectLst>
                   <a:outerShdw dist="35921" dir="2700000" algn="ctr" rotWithShape="0">
                     <a:schemeClr val="bg2"/>
@@ -724,14 +724,14 @@
           <a:effectLst/>
           <a:extLst>
             <a:ext uri="{909E8E84-426E-40dd-AFC4-6F175D3DCCD1}">
-              <a14:hiddenFill xmlns:a14="http://schemas.microsoft.com/office/drawing/2010/main" xmlns="">
+              <a14:hiddenFill xmlns="" xmlns:a14="http://schemas.microsoft.com/office/drawing/2010/main">
                 <a:solidFill>
                   <a:srgbClr val="FFFFFF"/>
                 </a:solidFill>
               </a14:hiddenFill>
             </a:ext>
             <a:ext uri="{AF507438-7753-43e0-B8FC-AC1667EBCBE1}">
-              <a14:hiddenEffects xmlns:a14="http://schemas.microsoft.com/office/drawing/2010/main" xmlns="">
+              <a14:hiddenEffects xmlns="" xmlns:a14="http://schemas.microsoft.com/office/drawing/2010/main">
                 <a:effectLst>
                   <a:outerShdw dist="35921" dir="2700000" algn="ctr" rotWithShape="0">
                     <a:srgbClr val="808080"/>
@@ -740,7 +740,7 @@
               </a14:hiddenEffects>
             </a:ext>
             <a:ext uri="{53640926-AAD7-44d8-BBD7-CCE9431645EC}">
-              <a14:shadowObscured xmlns:a14="http://schemas.microsoft.com/office/drawing/2010/main" xmlns="" val="1"/>
+              <a14:shadowObscured xmlns="" xmlns:a14="http://schemas.microsoft.com/office/drawing/2010/main" val="1"/>
             </a:ext>
           </a:extLst>
         </p:spPr>
@@ -770,14 +770,14 @@
           <a:effectLst/>
           <a:extLst>
             <a:ext uri="{909E8E84-426E-40dd-AFC4-6F175D3DCCD1}">
-              <a14:hiddenFill xmlns:a14="http://schemas.microsoft.com/office/drawing/2010/main" xmlns="">
+              <a14:hiddenFill xmlns="" xmlns:a14="http://schemas.microsoft.com/office/drawing/2010/main">
                 <a:solidFill>
                   <a:schemeClr val="accent1"/>
                 </a:solidFill>
               </a14:hiddenFill>
             </a:ext>
             <a:ext uri="{91240B29-F687-4f45-9708-019B960494DF}">
-              <a14:hiddenLine xmlns:a14="http://schemas.microsoft.com/office/drawing/2010/main" xmlns="" w="9525">
+              <a14:hiddenLine xmlns="" xmlns:a14="http://schemas.microsoft.com/office/drawing/2010/main" w="9525">
                 <a:solidFill>
                   <a:schemeClr val="tx1"/>
                 </a:solidFill>
@@ -787,7 +787,7 @@
               </a14:hiddenLine>
             </a:ext>
             <a:ext uri="{AF507438-7753-43e0-B8FC-AC1667EBCBE1}">
-              <a14:hiddenEffects xmlns:a14="http://schemas.microsoft.com/office/drawing/2010/main" xmlns="">
+              <a14:hiddenEffects xmlns="" xmlns:a14="http://schemas.microsoft.com/office/drawing/2010/main">
                 <a:effectLst>
                   <a:outerShdw dist="35921" dir="2700000" algn="ctr" rotWithShape="0">
                     <a:schemeClr val="bg2"/>
@@ -866,14 +866,14 @@
           <a:effectLst/>
           <a:extLst>
             <a:ext uri="{909E8E84-426E-40dd-AFC4-6F175D3DCCD1}">
-              <a14:hiddenFill xmlns:a14="http://schemas.microsoft.com/office/drawing/2010/main" xmlns="">
+              <a14:hiddenFill xmlns="" xmlns:a14="http://schemas.microsoft.com/office/drawing/2010/main">
                 <a:solidFill>
                   <a:schemeClr val="accent1"/>
                 </a:solidFill>
               </a14:hiddenFill>
             </a:ext>
             <a:ext uri="{91240B29-F687-4f45-9708-019B960494DF}">
-              <a14:hiddenLine xmlns:a14="http://schemas.microsoft.com/office/drawing/2010/main" xmlns="" w="9525">
+              <a14:hiddenLine xmlns="" xmlns:a14="http://schemas.microsoft.com/office/drawing/2010/main" w="9525">
                 <a:solidFill>
                   <a:schemeClr val="tx1"/>
                 </a:solidFill>
@@ -883,7 +883,7 @@
               </a14:hiddenLine>
             </a:ext>
             <a:ext uri="{AF507438-7753-43e0-B8FC-AC1667EBCBE1}">
-              <a14:hiddenEffects xmlns:a14="http://schemas.microsoft.com/office/drawing/2010/main" xmlns="">
+              <a14:hiddenEffects xmlns="" xmlns:a14="http://schemas.microsoft.com/office/drawing/2010/main">
                 <a:effectLst>
                   <a:outerShdw dist="35921" dir="2700000" algn="ctr" rotWithShape="0">
                     <a:schemeClr val="bg2"/>
@@ -937,14 +937,14 @@
           <a:effectLst/>
           <a:extLst>
             <a:ext uri="{909E8E84-426E-40dd-AFC4-6F175D3DCCD1}">
-              <a14:hiddenFill xmlns:a14="http://schemas.microsoft.com/office/drawing/2010/main" xmlns="">
+              <a14:hiddenFill xmlns="" xmlns:a14="http://schemas.microsoft.com/office/drawing/2010/main">
                 <a:solidFill>
                   <a:schemeClr val="accent1"/>
                 </a:solidFill>
               </a14:hiddenFill>
             </a:ext>
             <a:ext uri="{91240B29-F687-4f45-9708-019B960494DF}">
-              <a14:hiddenLine xmlns:a14="http://schemas.microsoft.com/office/drawing/2010/main" xmlns="" w="9525">
+              <a14:hiddenLine xmlns="" xmlns:a14="http://schemas.microsoft.com/office/drawing/2010/main" w="9525">
                 <a:solidFill>
                   <a:schemeClr val="tx1"/>
                 </a:solidFill>
@@ -954,7 +954,7 @@
               </a14:hiddenLine>
             </a:ext>
             <a:ext uri="{AF507438-7753-43e0-B8FC-AC1667EBCBE1}">
-              <a14:hiddenEffects xmlns:a14="http://schemas.microsoft.com/office/drawing/2010/main" xmlns="">
+              <a14:hiddenEffects xmlns="" xmlns:a14="http://schemas.microsoft.com/office/drawing/2010/main">
                 <a:effectLst>
                   <a:outerShdw dist="35921" dir="2700000" algn="ctr" rotWithShape="0">
                     <a:schemeClr val="bg2"/>
@@ -10867,14 +10867,14 @@
           <a:effectLst/>
           <a:extLst>
             <a:ext uri="{909E8E84-426E-40dd-AFC4-6F175D3DCCD1}">
-              <a14:hiddenFill xmlns:a14="http://schemas.microsoft.com/office/drawing/2010/main" xmlns="">
+              <a14:hiddenFill xmlns="" xmlns:a14="http://schemas.microsoft.com/office/drawing/2010/main">
                 <a:solidFill>
                   <a:schemeClr val="accent1"/>
                 </a:solidFill>
               </a14:hiddenFill>
             </a:ext>
             <a:ext uri="{91240B29-F687-4f45-9708-019B960494DF}">
-              <a14:hiddenLine xmlns:a14="http://schemas.microsoft.com/office/drawing/2010/main" xmlns="" w="9525">
+              <a14:hiddenLine xmlns="" xmlns:a14="http://schemas.microsoft.com/office/drawing/2010/main" w="9525">
                 <a:solidFill>
                   <a:schemeClr val="tx1"/>
                 </a:solidFill>
@@ -10884,7 +10884,7 @@
               </a14:hiddenLine>
             </a:ext>
             <a:ext uri="{AF507438-7753-43e0-B8FC-AC1667EBCBE1}">
-              <a14:hiddenEffects xmlns:a14="http://schemas.microsoft.com/office/drawing/2010/main" xmlns="">
+              <a14:hiddenEffects xmlns="" xmlns:a14="http://schemas.microsoft.com/office/drawing/2010/main">
                 <a:effectLst>
                   <a:outerShdw dist="35921" dir="2700000" algn="ctr" rotWithShape="0">
                     <a:schemeClr val="bg2"/>
@@ -10963,14 +10963,14 @@
           <a:effectLst/>
           <a:extLst>
             <a:ext uri="{909E8E84-426E-40dd-AFC4-6F175D3DCCD1}">
-              <a14:hiddenFill xmlns:a14="http://schemas.microsoft.com/office/drawing/2010/main" xmlns="">
+              <a14:hiddenFill xmlns="" xmlns:a14="http://schemas.microsoft.com/office/drawing/2010/main">
                 <a:solidFill>
                   <a:schemeClr val="accent1"/>
                 </a:solidFill>
               </a14:hiddenFill>
             </a:ext>
             <a:ext uri="{91240B29-F687-4f45-9708-019B960494DF}">
-              <a14:hiddenLine xmlns:a14="http://schemas.microsoft.com/office/drawing/2010/main" xmlns="" w="9525">
+              <a14:hiddenLine xmlns="" xmlns:a14="http://schemas.microsoft.com/office/drawing/2010/main" w="9525">
                 <a:solidFill>
                   <a:schemeClr val="tx1"/>
                 </a:solidFill>
@@ -10980,7 +10980,7 @@
               </a14:hiddenLine>
             </a:ext>
             <a:ext uri="{AF507438-7753-43e0-B8FC-AC1667EBCBE1}">
-              <a14:hiddenEffects xmlns:a14="http://schemas.microsoft.com/office/drawing/2010/main" xmlns="">
+              <a14:hiddenEffects xmlns="" xmlns:a14="http://schemas.microsoft.com/office/drawing/2010/main">
                 <a:effectLst>
                   <a:outerShdw dist="35921" dir="2700000" algn="ctr" rotWithShape="0">
                     <a:schemeClr val="bg2"/>
@@ -11041,14 +11041,14 @@
           <a:effectLst/>
           <a:extLst>
             <a:ext uri="{909E8E84-426E-40dd-AFC4-6F175D3DCCD1}">
-              <a14:hiddenFill xmlns:a14="http://schemas.microsoft.com/office/drawing/2010/main" xmlns="">
+              <a14:hiddenFill xmlns="" xmlns:a14="http://schemas.microsoft.com/office/drawing/2010/main">
                 <a:solidFill>
                   <a:schemeClr val="accent1"/>
                 </a:solidFill>
               </a14:hiddenFill>
             </a:ext>
             <a:ext uri="{91240B29-F687-4f45-9708-019B960494DF}">
-              <a14:hiddenLine xmlns:a14="http://schemas.microsoft.com/office/drawing/2010/main" xmlns="" w="9525">
+              <a14:hiddenLine xmlns="" xmlns:a14="http://schemas.microsoft.com/office/drawing/2010/main" w="9525">
                 <a:solidFill>
                   <a:schemeClr val="tx1"/>
                 </a:solidFill>
@@ -11058,7 +11058,7 @@
               </a14:hiddenLine>
             </a:ext>
             <a:ext uri="{AF507438-7753-43e0-B8FC-AC1667EBCBE1}">
-              <a14:hiddenEffects xmlns:a14="http://schemas.microsoft.com/office/drawing/2010/main" xmlns="">
+              <a14:hiddenEffects xmlns="" xmlns:a14="http://schemas.microsoft.com/office/drawing/2010/main">
                 <a:effectLst>
                   <a:outerShdw dist="35921" dir="2700000" algn="ctr" rotWithShape="0">
                     <a:schemeClr val="bg2"/>
@@ -11119,14 +11119,14 @@
           <a:effectLst/>
           <a:extLst>
             <a:ext uri="{909E8E84-426E-40dd-AFC4-6F175D3DCCD1}">
-              <a14:hiddenFill xmlns:a14="http://schemas.microsoft.com/office/drawing/2010/main" xmlns="">
+              <a14:hiddenFill xmlns="" xmlns:a14="http://schemas.microsoft.com/office/drawing/2010/main">
                 <a:solidFill>
                   <a:schemeClr val="accent1"/>
                 </a:solidFill>
               </a14:hiddenFill>
             </a:ext>
             <a:ext uri="{91240B29-F687-4f45-9708-019B960494DF}">
-              <a14:hiddenLine xmlns:a14="http://schemas.microsoft.com/office/drawing/2010/main" xmlns="" w="9525">
+              <a14:hiddenLine xmlns="" xmlns:a14="http://schemas.microsoft.com/office/drawing/2010/main" w="9525">
                 <a:solidFill>
                   <a:schemeClr val="tx1"/>
                 </a:solidFill>
@@ -11136,7 +11136,7 @@
               </a14:hiddenLine>
             </a:ext>
             <a:ext uri="{AF507438-7753-43e0-B8FC-AC1667EBCBE1}">
-              <a14:hiddenEffects xmlns:a14="http://schemas.microsoft.com/office/drawing/2010/main" xmlns="">
+              <a14:hiddenEffects xmlns="" xmlns:a14="http://schemas.microsoft.com/office/drawing/2010/main">
                 <a:effectLst>
                   <a:outerShdw dist="35921" dir="2700000" algn="ctr" rotWithShape="0">
                     <a:schemeClr val="bg2"/>
@@ -11704,7 +11704,7 @@
             </a:r>
             <a:r>
               <a:rPr lang="en-US" altLang="en-US" dirty="0"/>
-              <a:t>, Brooke Lowman</a:t>
+              <a:t>, Brooke Wright</a:t>
             </a:r>
           </a:p>
         </p:txBody>
@@ -13235,14 +13235,14 @@
                       <a:effectLst/>
                       <a:extLst>
                         <a:ext uri="{909E8E84-426E-40dd-AFC4-6F175D3DCCD1}">
-                          <a14:hiddenFill xmlns:a14="http://schemas.microsoft.com/office/drawing/2010/main" xmlns="">
+                          <a14:hiddenFill xmlns="" xmlns:a14="http://schemas.microsoft.com/office/drawing/2010/main">
                             <a:solidFill>
                               <a:srgbClr val="FFFFFF"/>
                             </a:solidFill>
                           </a14:hiddenFill>
                         </a:ext>
                         <a:ext uri="{91240B29-F687-4f45-9708-019B960494DF}">
-                          <a14:hiddenLine xmlns:a14="http://schemas.microsoft.com/office/drawing/2010/main" xmlns="" w="9525">
+                          <a14:hiddenLine xmlns="" xmlns:a14="http://schemas.microsoft.com/office/drawing/2010/main" w="9525">
                             <a:solidFill>
                               <a:srgbClr val="000000"/>
                             </a:solidFill>
@@ -13252,7 +13252,7 @@
                           </a14:hiddenLine>
                         </a:ext>
                         <a:ext uri="{AF507438-7753-43e0-B8FC-AC1667EBCBE1}">
-                          <a14:hiddenEffects xmlns:a14="http://schemas.microsoft.com/office/drawing/2010/main" xmlns="">
+                          <a14:hiddenEffects xmlns="" xmlns:a14="http://schemas.microsoft.com/office/drawing/2010/main">
                             <a:effectLst>
                               <a:outerShdw dist="35921" dir="2700000" algn="ctr" rotWithShape="0">
                                 <a:srgbClr val="808080"/>
@@ -13962,14 +13962,14 @@
                       <a:effectLst/>
                       <a:extLst>
                         <a:ext uri="{909E8E84-426E-40dd-AFC4-6F175D3DCCD1}">
-                          <a14:hiddenFill xmlns:a14="http://schemas.microsoft.com/office/drawing/2010/main" xmlns="">
+                          <a14:hiddenFill xmlns="" xmlns:a14="http://schemas.microsoft.com/office/drawing/2010/main">
                             <a:solidFill>
                               <a:srgbClr val="FFFFFF"/>
                             </a:solidFill>
                           </a14:hiddenFill>
                         </a:ext>
                         <a:ext uri="{91240B29-F687-4f45-9708-019B960494DF}">
-                          <a14:hiddenLine xmlns:a14="http://schemas.microsoft.com/office/drawing/2010/main" xmlns="" w="9525">
+                          <a14:hiddenLine xmlns="" xmlns:a14="http://schemas.microsoft.com/office/drawing/2010/main" w="9525">
                             <a:solidFill>
                               <a:srgbClr val="000000"/>
                             </a:solidFill>
@@ -13979,7 +13979,7 @@
                           </a14:hiddenLine>
                         </a:ext>
                         <a:ext uri="{AF507438-7753-43e0-B8FC-AC1667EBCBE1}">
-                          <a14:hiddenEffects xmlns:a14="http://schemas.microsoft.com/office/drawing/2010/main" xmlns="">
+                          <a14:hiddenEffects xmlns="" xmlns:a14="http://schemas.microsoft.com/office/drawing/2010/main">
                             <a:effectLst>
                               <a:outerShdw dist="35921" dir="2700000" algn="ctr" rotWithShape="0">
                                 <a:srgbClr val="808080"/>
@@ -14218,14 +14218,14 @@
           </a:ln>
           <a:extLst>
             <a:ext uri="{909E8E84-426E-40dd-AFC4-6F175D3DCCD1}">
-              <a14:hiddenFill xmlns:a14="http://schemas.microsoft.com/office/drawing/2010/main" xmlns="">
+              <a14:hiddenFill xmlns="" xmlns:a14="http://schemas.microsoft.com/office/drawing/2010/main">
                 <a:solidFill>
                   <a:srgbClr val="FFFFFF"/>
                 </a:solidFill>
               </a14:hiddenFill>
             </a:ext>
             <a:ext uri="{91240B29-F687-4f45-9708-019B960494DF}">
-              <a14:hiddenLine xmlns:a14="http://schemas.microsoft.com/office/drawing/2010/main" xmlns="" w="9525">
+              <a14:hiddenLine xmlns="" xmlns:a14="http://schemas.microsoft.com/office/drawing/2010/main" w="9525">
                 <a:solidFill>
                   <a:srgbClr val="000000"/>
                 </a:solidFill>
@@ -14774,14 +14774,14 @@
           </a:ln>
           <a:extLst>
             <a:ext uri="{909E8E84-426E-40dd-AFC4-6F175D3DCCD1}">
-              <a14:hiddenFill xmlns:a14="http://schemas.microsoft.com/office/drawing/2010/main" xmlns="">
+              <a14:hiddenFill xmlns="" xmlns:a14="http://schemas.microsoft.com/office/drawing/2010/main">
                 <a:solidFill>
                   <a:srgbClr val="FFFFFF"/>
                 </a:solidFill>
               </a14:hiddenFill>
             </a:ext>
             <a:ext uri="{91240B29-F687-4f45-9708-019B960494DF}">
-              <a14:hiddenLine xmlns:a14="http://schemas.microsoft.com/office/drawing/2010/main" xmlns="" w="9525">
+              <a14:hiddenLine xmlns="" xmlns:a14="http://schemas.microsoft.com/office/drawing/2010/main" w="9525">
                 <a:solidFill>
                   <a:srgbClr val="000000"/>
                 </a:solidFill>
@@ -14828,14 +14828,14 @@
           </a:ln>
           <a:extLst>
             <a:ext uri="{909E8E84-426E-40dd-AFC4-6F175D3DCCD1}">
-              <a14:hiddenFill xmlns:a14="http://schemas.microsoft.com/office/drawing/2010/main" xmlns="">
+              <a14:hiddenFill xmlns="" xmlns:a14="http://schemas.microsoft.com/office/drawing/2010/main">
                 <a:solidFill>
                   <a:srgbClr val="FFFFFF"/>
                 </a:solidFill>
               </a14:hiddenFill>
             </a:ext>
             <a:ext uri="{91240B29-F687-4f45-9708-019B960494DF}">
-              <a14:hiddenLine xmlns:a14="http://schemas.microsoft.com/office/drawing/2010/main" xmlns="" w="9525">
+              <a14:hiddenLine xmlns="" xmlns:a14="http://schemas.microsoft.com/office/drawing/2010/main" w="9525">
                 <a:solidFill>
                   <a:srgbClr val="000000"/>
                 </a:solidFill>
@@ -14882,14 +14882,14 @@
           </a:ln>
           <a:extLst>
             <a:ext uri="{909E8E84-426E-40dd-AFC4-6F175D3DCCD1}">
-              <a14:hiddenFill xmlns:a14="http://schemas.microsoft.com/office/drawing/2010/main" xmlns="">
+              <a14:hiddenFill xmlns="" xmlns:a14="http://schemas.microsoft.com/office/drawing/2010/main">
                 <a:solidFill>
                   <a:srgbClr val="FFFFFF"/>
                 </a:solidFill>
               </a14:hiddenFill>
             </a:ext>
             <a:ext uri="{91240B29-F687-4f45-9708-019B960494DF}">
-              <a14:hiddenLine xmlns:a14="http://schemas.microsoft.com/office/drawing/2010/main" xmlns="" w="9525">
+              <a14:hiddenLine xmlns="" xmlns:a14="http://schemas.microsoft.com/office/drawing/2010/main" w="9525">
                 <a:solidFill>
                   <a:srgbClr val="000000"/>
                 </a:solidFill>
@@ -14936,14 +14936,14 @@
           </a:ln>
           <a:extLst>
             <a:ext uri="{909E8E84-426E-40dd-AFC4-6F175D3DCCD1}">
-              <a14:hiddenFill xmlns:a14="http://schemas.microsoft.com/office/drawing/2010/main" xmlns="">
+              <a14:hiddenFill xmlns="" xmlns:a14="http://schemas.microsoft.com/office/drawing/2010/main">
                 <a:solidFill>
                   <a:srgbClr val="FFFFFF"/>
                 </a:solidFill>
               </a14:hiddenFill>
             </a:ext>
             <a:ext uri="{91240B29-F687-4f45-9708-019B960494DF}">
-              <a14:hiddenLine xmlns:a14="http://schemas.microsoft.com/office/drawing/2010/main" xmlns="" w="9525">
+              <a14:hiddenLine xmlns="" xmlns:a14="http://schemas.microsoft.com/office/drawing/2010/main" w="9525">
                 <a:solidFill>
                   <a:srgbClr val="000000"/>
                 </a:solidFill>
@@ -14990,14 +14990,14 @@
           </a:ln>
           <a:extLst>
             <a:ext uri="{909E8E84-426E-40dd-AFC4-6F175D3DCCD1}">
-              <a14:hiddenFill xmlns:a14="http://schemas.microsoft.com/office/drawing/2010/main" xmlns="">
+              <a14:hiddenFill xmlns="" xmlns:a14="http://schemas.microsoft.com/office/drawing/2010/main">
                 <a:solidFill>
                   <a:srgbClr val="FFFFFF"/>
                 </a:solidFill>
               </a14:hiddenFill>
             </a:ext>
             <a:ext uri="{91240B29-F687-4f45-9708-019B960494DF}">
-              <a14:hiddenLine xmlns:a14="http://schemas.microsoft.com/office/drawing/2010/main" xmlns="" w="9525">
+              <a14:hiddenLine xmlns="" xmlns:a14="http://schemas.microsoft.com/office/drawing/2010/main" w="9525">
                 <a:solidFill>
                   <a:srgbClr val="000000"/>
                 </a:solidFill>
@@ -15044,14 +15044,14 @@
           </a:ln>
           <a:extLst>
             <a:ext uri="{909E8E84-426E-40dd-AFC4-6F175D3DCCD1}">
-              <a14:hiddenFill xmlns:a14="http://schemas.microsoft.com/office/drawing/2010/main" xmlns="">
+              <a14:hiddenFill xmlns="" xmlns:a14="http://schemas.microsoft.com/office/drawing/2010/main">
                 <a:solidFill>
                   <a:srgbClr val="FFFFFF"/>
                 </a:solidFill>
               </a14:hiddenFill>
             </a:ext>
             <a:ext uri="{91240B29-F687-4f45-9708-019B960494DF}">
-              <a14:hiddenLine xmlns:a14="http://schemas.microsoft.com/office/drawing/2010/main" xmlns="" w="9525">
+              <a14:hiddenLine xmlns="" xmlns:a14="http://schemas.microsoft.com/office/drawing/2010/main" w="9525">
                 <a:solidFill>
                   <a:srgbClr val="000000"/>
                 </a:solidFill>
@@ -15625,14 +15625,14 @@
           </a:ln>
           <a:extLst>
             <a:ext uri="{909E8E84-426E-40dd-AFC4-6F175D3DCCD1}">
-              <a14:hiddenFill xmlns:a14="http://schemas.microsoft.com/office/drawing/2010/main" xmlns="">
+              <a14:hiddenFill xmlns="" xmlns:a14="http://schemas.microsoft.com/office/drawing/2010/main">
                 <a:solidFill>
                   <a:srgbClr val="FFFFFF"/>
                 </a:solidFill>
               </a14:hiddenFill>
             </a:ext>
             <a:ext uri="{91240B29-F687-4f45-9708-019B960494DF}">
-              <a14:hiddenLine xmlns:a14="http://schemas.microsoft.com/office/drawing/2010/main" xmlns="" w="9525">
+              <a14:hiddenLine xmlns="" xmlns:a14="http://schemas.microsoft.com/office/drawing/2010/main" w="9525">
                 <a:solidFill>
                   <a:srgbClr val="000000"/>
                 </a:solidFill>
@@ -15666,14 +15666,14 @@
           </a:ln>
           <a:extLst>
             <a:ext uri="{909E8E84-426E-40dd-AFC4-6F175D3DCCD1}">
-              <a14:hiddenFill xmlns:a14="http://schemas.microsoft.com/office/drawing/2010/main" xmlns="">
+              <a14:hiddenFill xmlns="" xmlns:a14="http://schemas.microsoft.com/office/drawing/2010/main">
                 <a:solidFill>
                   <a:srgbClr val="FFFFFF"/>
                 </a:solidFill>
               </a14:hiddenFill>
             </a:ext>
             <a:ext uri="{91240B29-F687-4f45-9708-019B960494DF}">
-              <a14:hiddenLine xmlns:a14="http://schemas.microsoft.com/office/drawing/2010/main" xmlns="" w="9525">
+              <a14:hiddenLine xmlns="" xmlns:a14="http://schemas.microsoft.com/office/drawing/2010/main" w="9525">
                 <a:solidFill>
                   <a:srgbClr val="000000"/>
                 </a:solidFill>
@@ -16667,14 +16667,14 @@
           <a:effectLst/>
           <a:extLst>
             <a:ext uri="{909E8E84-426E-40dd-AFC4-6F175D3DCCD1}">
-              <a14:hiddenFill xmlns:a14="http://schemas.microsoft.com/office/drawing/2010/main" xmlns="">
+              <a14:hiddenFill xmlns="" xmlns:a14="http://schemas.microsoft.com/office/drawing/2010/main">
                 <a:solidFill>
                   <a:schemeClr val="accent1"/>
                 </a:solidFill>
               </a14:hiddenFill>
             </a:ext>
             <a:ext uri="{91240B29-F687-4f45-9708-019B960494DF}">
-              <a14:hiddenLine xmlns:a14="http://schemas.microsoft.com/office/drawing/2010/main" xmlns="" w="9525">
+              <a14:hiddenLine xmlns="" xmlns:a14="http://schemas.microsoft.com/office/drawing/2010/main" w="9525">
                 <a:solidFill>
                   <a:schemeClr val="tx1"/>
                 </a:solidFill>
@@ -16684,7 +16684,7 @@
               </a14:hiddenLine>
             </a:ext>
             <a:ext uri="{AF507438-7753-43e0-B8FC-AC1667EBCBE1}">
-              <a14:hiddenEffects xmlns:a14="http://schemas.microsoft.com/office/drawing/2010/main" xmlns="">
+              <a14:hiddenEffects xmlns="" xmlns:a14="http://schemas.microsoft.com/office/drawing/2010/main">
                 <a:effectLst>
                   <a:outerShdw dist="35921" dir="2700000" algn="ctr" rotWithShape="0">
                     <a:schemeClr val="bg2"/>
@@ -17535,14 +17535,14 @@
           <a:effectLst/>
           <a:extLst>
             <a:ext uri="{909E8E84-426E-40dd-AFC4-6F175D3DCCD1}">
-              <a14:hiddenFill xmlns:a14="http://schemas.microsoft.com/office/drawing/2010/main" xmlns="">
+              <a14:hiddenFill xmlns="" xmlns:a14="http://schemas.microsoft.com/office/drawing/2010/main">
                 <a:solidFill>
                   <a:schemeClr val="accent1"/>
                 </a:solidFill>
               </a14:hiddenFill>
             </a:ext>
             <a:ext uri="{91240B29-F687-4f45-9708-019B960494DF}">
-              <a14:hiddenLine xmlns:a14="http://schemas.microsoft.com/office/drawing/2010/main" xmlns="" w="9525">
+              <a14:hiddenLine xmlns="" xmlns:a14="http://schemas.microsoft.com/office/drawing/2010/main" w="9525">
                 <a:solidFill>
                   <a:schemeClr val="tx1"/>
                 </a:solidFill>
@@ -17552,7 +17552,7 @@
               </a14:hiddenLine>
             </a:ext>
             <a:ext uri="{AF507438-7753-43e0-B8FC-AC1667EBCBE1}">
-              <a14:hiddenEffects xmlns:a14="http://schemas.microsoft.com/office/drawing/2010/main" xmlns="">
+              <a14:hiddenEffects xmlns="" xmlns:a14="http://schemas.microsoft.com/office/drawing/2010/main">
                 <a:effectLst>
                   <a:outerShdw dist="35921" dir="2700000" algn="ctr" rotWithShape="0">
                     <a:schemeClr val="bg2"/>
@@ -17734,14 +17734,14 @@
           <a:effectLst/>
           <a:extLst>
             <a:ext uri="{909E8E84-426E-40dd-AFC4-6F175D3DCCD1}">
-              <a14:hiddenFill xmlns:a14="http://schemas.microsoft.com/office/drawing/2010/main" xmlns="">
+              <a14:hiddenFill xmlns="" xmlns:a14="http://schemas.microsoft.com/office/drawing/2010/main">
                 <a:solidFill>
                   <a:schemeClr val="accent1"/>
                 </a:solidFill>
               </a14:hiddenFill>
             </a:ext>
             <a:ext uri="{91240B29-F687-4f45-9708-019B960494DF}">
-              <a14:hiddenLine xmlns:a14="http://schemas.microsoft.com/office/drawing/2010/main" xmlns="" w="9525">
+              <a14:hiddenLine xmlns="" xmlns:a14="http://schemas.microsoft.com/office/drawing/2010/main" w="9525">
                 <a:solidFill>
                   <a:schemeClr val="tx1"/>
                 </a:solidFill>
@@ -17751,7 +17751,7 @@
               </a14:hiddenLine>
             </a:ext>
             <a:ext uri="{AF507438-7753-43e0-B8FC-AC1667EBCBE1}">
-              <a14:hiddenEffects xmlns:a14="http://schemas.microsoft.com/office/drawing/2010/main" xmlns="">
+              <a14:hiddenEffects xmlns="" xmlns:a14="http://schemas.microsoft.com/office/drawing/2010/main">
                 <a:effectLst>
                   <a:outerShdw dist="35921" dir="2700000" algn="ctr" rotWithShape="0">
                     <a:schemeClr val="bg2"/>
@@ -17933,14 +17933,14 @@
           <a:effectLst/>
           <a:extLst>
             <a:ext uri="{909E8E84-426E-40dd-AFC4-6F175D3DCCD1}">
-              <a14:hiddenFill xmlns:a14="http://schemas.microsoft.com/office/drawing/2010/main" xmlns="">
+              <a14:hiddenFill xmlns="" xmlns:a14="http://schemas.microsoft.com/office/drawing/2010/main">
                 <a:solidFill>
                   <a:schemeClr val="accent1"/>
                 </a:solidFill>
               </a14:hiddenFill>
             </a:ext>
             <a:ext uri="{91240B29-F687-4f45-9708-019B960494DF}">
-              <a14:hiddenLine xmlns:a14="http://schemas.microsoft.com/office/drawing/2010/main" xmlns="" w="9525">
+              <a14:hiddenLine xmlns="" xmlns:a14="http://schemas.microsoft.com/office/drawing/2010/main" w="9525">
                 <a:solidFill>
                   <a:schemeClr val="tx1"/>
                 </a:solidFill>
@@ -17950,7 +17950,7 @@
               </a14:hiddenLine>
             </a:ext>
             <a:ext uri="{AF507438-7753-43e0-B8FC-AC1667EBCBE1}">
-              <a14:hiddenEffects xmlns:a14="http://schemas.microsoft.com/office/drawing/2010/main" xmlns="">
+              <a14:hiddenEffects xmlns="" xmlns:a14="http://schemas.microsoft.com/office/drawing/2010/main">
                 <a:effectLst>
                   <a:outerShdw dist="35921" dir="2700000" algn="ctr" rotWithShape="0">
                     <a:schemeClr val="bg2"/>
@@ -18132,14 +18132,14 @@
           <a:effectLst/>
           <a:extLst>
             <a:ext uri="{909E8E84-426E-40dd-AFC4-6F175D3DCCD1}">
-              <a14:hiddenFill xmlns:a14="http://schemas.microsoft.com/office/drawing/2010/main" xmlns="">
+              <a14:hiddenFill xmlns="" xmlns:a14="http://schemas.microsoft.com/office/drawing/2010/main">
                 <a:solidFill>
                   <a:schemeClr val="accent1"/>
                 </a:solidFill>
               </a14:hiddenFill>
             </a:ext>
             <a:ext uri="{91240B29-F687-4f45-9708-019B960494DF}">
-              <a14:hiddenLine xmlns:a14="http://schemas.microsoft.com/office/drawing/2010/main" xmlns="" w="9525">
+              <a14:hiddenLine xmlns="" xmlns:a14="http://schemas.microsoft.com/office/drawing/2010/main" w="9525">
                 <a:solidFill>
                   <a:schemeClr val="tx1"/>
                 </a:solidFill>
@@ -18149,7 +18149,7 @@
               </a14:hiddenLine>
             </a:ext>
             <a:ext uri="{AF507438-7753-43e0-B8FC-AC1667EBCBE1}">
-              <a14:hiddenEffects xmlns:a14="http://schemas.microsoft.com/office/drawing/2010/main" xmlns="">
+              <a14:hiddenEffects xmlns="" xmlns:a14="http://schemas.microsoft.com/office/drawing/2010/main">
                 <a:effectLst>
                   <a:outerShdw dist="35921" dir="2700000" algn="ctr" rotWithShape="0">
                     <a:schemeClr val="bg2"/>
@@ -18942,14 +18942,14 @@
                       </a:ln>
                       <a:extLst>
                         <a:ext uri="{909E8E84-426E-40dd-AFC4-6F175D3DCCD1}">
-                          <a14:hiddenFill xmlns:a14="http://schemas.microsoft.com/office/drawing/2010/main" xmlns="">
+                          <a14:hiddenFill xmlns="" xmlns:a14="http://schemas.microsoft.com/office/drawing/2010/main">
                             <a:solidFill>
                               <a:schemeClr val="accent1"/>
                             </a:solidFill>
                           </a14:hiddenFill>
                         </a:ext>
                         <a:ext uri="{91240B29-F687-4f45-9708-019B960494DF}">
-                          <a14:hiddenLine xmlns:a14="http://schemas.microsoft.com/office/drawing/2010/main" xmlns="" w="9525">
+                          <a14:hiddenLine xmlns="" xmlns:a14="http://schemas.microsoft.com/office/drawing/2010/main" w="9525">
                             <a:solidFill>
                               <a:schemeClr val="tx1"/>
                             </a:solidFill>
@@ -19019,14 +19019,14 @@
           <a:effectLst/>
           <a:extLst>
             <a:ext uri="{909E8E84-426E-40dd-AFC4-6F175D3DCCD1}">
-              <a14:hiddenFill xmlns:a14="http://schemas.microsoft.com/office/drawing/2010/main" xmlns="">
+              <a14:hiddenFill xmlns="" xmlns:a14="http://schemas.microsoft.com/office/drawing/2010/main">
                 <a:solidFill>
                   <a:schemeClr val="accent1"/>
                 </a:solidFill>
               </a14:hiddenFill>
             </a:ext>
             <a:ext uri="{91240B29-F687-4f45-9708-019B960494DF}">
-              <a14:hiddenLine xmlns:a14="http://schemas.microsoft.com/office/drawing/2010/main" xmlns="" w="9525">
+              <a14:hiddenLine xmlns="" xmlns:a14="http://schemas.microsoft.com/office/drawing/2010/main" w="9525">
                 <a:solidFill>
                   <a:schemeClr val="tx1"/>
                 </a:solidFill>
@@ -19036,7 +19036,7 @@
               </a14:hiddenLine>
             </a:ext>
             <a:ext uri="{AF507438-7753-43e0-B8FC-AC1667EBCBE1}">
-              <a14:hiddenEffects xmlns:a14="http://schemas.microsoft.com/office/drawing/2010/main" xmlns="">
+              <a14:hiddenEffects xmlns="" xmlns:a14="http://schemas.microsoft.com/office/drawing/2010/main">
                 <a:effectLst>
                   <a:outerShdw dist="35921" dir="2700000" algn="ctr" rotWithShape="0">
                     <a:schemeClr val="bg2"/>
@@ -19841,14 +19841,14 @@
                       </a:ln>
                       <a:extLst>
                         <a:ext uri="{909E8E84-426E-40dd-AFC4-6F175D3DCCD1}">
-                          <a14:hiddenFill xmlns:a14="http://schemas.microsoft.com/office/drawing/2010/main" xmlns="">
+                          <a14:hiddenFill xmlns="" xmlns:a14="http://schemas.microsoft.com/office/drawing/2010/main">
                             <a:solidFill>
                               <a:schemeClr val="accent1"/>
                             </a:solidFill>
                           </a14:hiddenFill>
                         </a:ext>
                         <a:ext uri="{91240B29-F687-4f45-9708-019B960494DF}">
-                          <a14:hiddenLine xmlns:a14="http://schemas.microsoft.com/office/drawing/2010/main" xmlns="" w="9525">
+                          <a14:hiddenLine xmlns="" xmlns:a14="http://schemas.microsoft.com/office/drawing/2010/main" w="9525">
                             <a:solidFill>
                               <a:schemeClr val="tx1"/>
                             </a:solidFill>
@@ -19918,14 +19918,14 @@
           <a:effectLst/>
           <a:extLst>
             <a:ext uri="{909E8E84-426E-40dd-AFC4-6F175D3DCCD1}">
-              <a14:hiddenFill xmlns:a14="http://schemas.microsoft.com/office/drawing/2010/main" xmlns="">
+              <a14:hiddenFill xmlns="" xmlns:a14="http://schemas.microsoft.com/office/drawing/2010/main">
                 <a:solidFill>
                   <a:schemeClr val="accent1"/>
                 </a:solidFill>
               </a14:hiddenFill>
             </a:ext>
             <a:ext uri="{91240B29-F687-4f45-9708-019B960494DF}">
-              <a14:hiddenLine xmlns:a14="http://schemas.microsoft.com/office/drawing/2010/main" xmlns="" w="9525">
+              <a14:hiddenLine xmlns="" xmlns:a14="http://schemas.microsoft.com/office/drawing/2010/main" w="9525">
                 <a:solidFill>
                   <a:schemeClr val="tx1"/>
                 </a:solidFill>
@@ -19935,7 +19935,7 @@
               </a14:hiddenLine>
             </a:ext>
             <a:ext uri="{AF507438-7753-43e0-B8FC-AC1667EBCBE1}">
-              <a14:hiddenEffects xmlns:a14="http://schemas.microsoft.com/office/drawing/2010/main" xmlns="">
+              <a14:hiddenEffects xmlns="" xmlns:a14="http://schemas.microsoft.com/office/drawing/2010/main">
                 <a:effectLst>
                   <a:outerShdw dist="35921" dir="2700000" algn="ctr" rotWithShape="0">
                     <a:schemeClr val="bg2"/>
@@ -21648,14 +21648,14 @@
                       <a:effectLst/>
                       <a:extLst>
                         <a:ext uri="{909E8E84-426E-40dd-AFC4-6F175D3DCCD1}">
-                          <a14:hiddenFill xmlns:a14="http://schemas.microsoft.com/office/drawing/2010/main" xmlns="">
+                          <a14:hiddenFill xmlns="" xmlns:a14="http://schemas.microsoft.com/office/drawing/2010/main">
                             <a:solidFill>
                               <a:srgbClr val="FFFFFF"/>
                             </a:solidFill>
                           </a14:hiddenFill>
                         </a:ext>
                         <a:ext uri="{91240B29-F687-4f45-9708-019B960494DF}">
-                          <a14:hiddenLine xmlns:a14="http://schemas.microsoft.com/office/drawing/2010/main" xmlns="" w="9525">
+                          <a14:hiddenLine xmlns="" xmlns:a14="http://schemas.microsoft.com/office/drawing/2010/main" w="9525">
                             <a:solidFill>
                               <a:srgbClr val="000000"/>
                             </a:solidFill>
@@ -21665,7 +21665,7 @@
                           </a14:hiddenLine>
                         </a:ext>
                         <a:ext uri="{AF507438-7753-43e0-B8FC-AC1667EBCBE1}">
-                          <a14:hiddenEffects xmlns:a14="http://schemas.microsoft.com/office/drawing/2010/main" xmlns="">
+                          <a14:hiddenEffects xmlns="" xmlns:a14="http://schemas.microsoft.com/office/drawing/2010/main">
                             <a:effectLst>
                               <a:outerShdw dist="35921" dir="2700000" algn="ctr" rotWithShape="0">
                                 <a:srgbClr val="808080"/>
@@ -21705,14 +21705,14 @@
           <a:effectLst/>
           <a:extLst>
             <a:ext uri="{909E8E84-426E-40dd-AFC4-6F175D3DCCD1}">
-              <a14:hiddenFill xmlns:a14="http://schemas.microsoft.com/office/drawing/2010/main" xmlns="">
+              <a14:hiddenFill xmlns="" xmlns:a14="http://schemas.microsoft.com/office/drawing/2010/main">
                 <a:solidFill>
                   <a:schemeClr val="accent1"/>
                 </a:solidFill>
               </a14:hiddenFill>
             </a:ext>
             <a:ext uri="{91240B29-F687-4f45-9708-019B960494DF}">
-              <a14:hiddenLine xmlns:a14="http://schemas.microsoft.com/office/drawing/2010/main" xmlns="" w="9525">
+              <a14:hiddenLine xmlns="" xmlns:a14="http://schemas.microsoft.com/office/drawing/2010/main" w="9525">
                 <a:solidFill>
                   <a:schemeClr val="tx1"/>
                 </a:solidFill>
@@ -21722,7 +21722,7 @@
               </a14:hiddenLine>
             </a:ext>
             <a:ext uri="{AF507438-7753-43e0-B8FC-AC1667EBCBE1}">
-              <a14:hiddenEffects xmlns:a14="http://schemas.microsoft.com/office/drawing/2010/main" xmlns="">
+              <a14:hiddenEffects xmlns="" xmlns:a14="http://schemas.microsoft.com/office/drawing/2010/main">
                 <a:effectLst>
                   <a:outerShdw dist="35921" dir="2700000" algn="ctr" rotWithShape="0">
                     <a:schemeClr val="bg2"/>
@@ -22112,14 +22112,14 @@
           </a:ln>
           <a:extLst>
             <a:ext uri="{909E8E84-426E-40dd-AFC4-6F175D3DCCD1}">
-              <a14:hiddenFill xmlns:a14="http://schemas.microsoft.com/office/drawing/2010/main" xmlns="">
+              <a14:hiddenFill xmlns="" xmlns:a14="http://schemas.microsoft.com/office/drawing/2010/main">
                 <a:solidFill>
                   <a:srgbClr val="FFFFFF"/>
                 </a:solidFill>
               </a14:hiddenFill>
             </a:ext>
             <a:ext uri="{91240B29-F687-4f45-9708-019B960494DF}">
-              <a14:hiddenLine xmlns:a14="http://schemas.microsoft.com/office/drawing/2010/main" xmlns="" w="9525">
+              <a14:hiddenLine xmlns="" xmlns:a14="http://schemas.microsoft.com/office/drawing/2010/main" w="9525">
                 <a:solidFill>
                   <a:srgbClr val="000000"/>
                 </a:solidFill>
@@ -22737,14 +22737,14 @@
           <a:effectLst/>
           <a:extLst>
             <a:ext uri="{909E8E84-426E-40dd-AFC4-6F175D3DCCD1}">
-              <a14:hiddenFill xmlns:a14="http://schemas.microsoft.com/office/drawing/2010/main" xmlns="">
+              <a14:hiddenFill xmlns="" xmlns:a14="http://schemas.microsoft.com/office/drawing/2010/main">
                 <a:solidFill>
                   <a:schemeClr val="accent1"/>
                 </a:solidFill>
               </a14:hiddenFill>
             </a:ext>
             <a:ext uri="{91240B29-F687-4f45-9708-019B960494DF}">
-              <a14:hiddenLine xmlns:a14="http://schemas.microsoft.com/office/drawing/2010/main" xmlns="" w="9525">
+              <a14:hiddenLine xmlns="" xmlns:a14="http://schemas.microsoft.com/office/drawing/2010/main" w="9525">
                 <a:solidFill>
                   <a:schemeClr val="tx1"/>
                 </a:solidFill>
@@ -22754,7 +22754,7 @@
               </a14:hiddenLine>
             </a:ext>
             <a:ext uri="{AF507438-7753-43e0-B8FC-AC1667EBCBE1}">
-              <a14:hiddenEffects xmlns:a14="http://schemas.microsoft.com/office/drawing/2010/main" xmlns="">
+              <a14:hiddenEffects xmlns="" xmlns:a14="http://schemas.microsoft.com/office/drawing/2010/main">
                 <a:effectLst>
                   <a:outerShdw dist="35921" dir="2700000" algn="ctr" rotWithShape="0">
                     <a:schemeClr val="bg2"/>
@@ -22824,14 +22824,14 @@
                       <a:effectLst/>
                       <a:extLst>
                         <a:ext uri="{909E8E84-426E-40dd-AFC4-6F175D3DCCD1}">
-                          <a14:hiddenFill xmlns:a14="http://schemas.microsoft.com/office/drawing/2010/main" xmlns="">
+                          <a14:hiddenFill xmlns="" xmlns:a14="http://schemas.microsoft.com/office/drawing/2010/main">
                             <a:solidFill>
                               <a:srgbClr val="FFFFFF"/>
                             </a:solidFill>
                           </a14:hiddenFill>
                         </a:ext>
                         <a:ext uri="{91240B29-F687-4f45-9708-019B960494DF}">
-                          <a14:hiddenLine xmlns:a14="http://schemas.microsoft.com/office/drawing/2010/main" xmlns="" w="9525">
+                          <a14:hiddenLine xmlns="" xmlns:a14="http://schemas.microsoft.com/office/drawing/2010/main" w="9525">
                             <a:solidFill>
                               <a:srgbClr val="000000"/>
                             </a:solidFill>
@@ -22841,7 +22841,7 @@
                           </a14:hiddenLine>
                         </a:ext>
                         <a:ext uri="{AF507438-7753-43e0-B8FC-AC1667EBCBE1}">
-                          <a14:hiddenEffects xmlns:a14="http://schemas.microsoft.com/office/drawing/2010/main" xmlns="">
+                          <a14:hiddenEffects xmlns="" xmlns:a14="http://schemas.microsoft.com/office/drawing/2010/main">
                             <a:effectLst>
                               <a:outerShdw dist="35921" dir="2700000" algn="ctr" rotWithShape="0">
                                 <a:srgbClr val="808080"/>
@@ -23463,14 +23463,14 @@
           <a:effectLst/>
           <a:extLst>
             <a:ext uri="{909E8E84-426E-40dd-AFC4-6F175D3DCCD1}">
-              <a14:hiddenFill xmlns:a14="http://schemas.microsoft.com/office/drawing/2010/main" xmlns="">
+              <a14:hiddenFill xmlns="" xmlns:a14="http://schemas.microsoft.com/office/drawing/2010/main">
                 <a:solidFill>
                   <a:schemeClr val="accent1"/>
                 </a:solidFill>
               </a14:hiddenFill>
             </a:ext>
             <a:ext uri="{91240B29-F687-4f45-9708-019B960494DF}">
-              <a14:hiddenLine xmlns:a14="http://schemas.microsoft.com/office/drawing/2010/main" xmlns="" w="9525">
+              <a14:hiddenLine xmlns="" xmlns:a14="http://schemas.microsoft.com/office/drawing/2010/main" w="9525">
                 <a:solidFill>
                   <a:schemeClr val="tx1"/>
                 </a:solidFill>
@@ -23480,7 +23480,7 @@
               </a14:hiddenLine>
             </a:ext>
             <a:ext uri="{AF507438-7753-43e0-B8FC-AC1667EBCBE1}">
-              <a14:hiddenEffects xmlns:a14="http://schemas.microsoft.com/office/drawing/2010/main" xmlns="">
+              <a14:hiddenEffects xmlns="" xmlns:a14="http://schemas.microsoft.com/office/drawing/2010/main">
                 <a:effectLst>
                   <a:outerShdw dist="35921" dir="2700000" algn="ctr" rotWithShape="0">
                     <a:schemeClr val="bg2"/>
@@ -23514,14 +23514,14 @@
           <a:effectLst/>
           <a:extLst>
             <a:ext uri="{909E8E84-426E-40dd-AFC4-6F175D3DCCD1}">
-              <a14:hiddenFill xmlns:a14="http://schemas.microsoft.com/office/drawing/2010/main" xmlns="">
+              <a14:hiddenFill xmlns="" xmlns:a14="http://schemas.microsoft.com/office/drawing/2010/main">
                 <a:solidFill>
                   <a:schemeClr val="accent1"/>
                 </a:solidFill>
               </a14:hiddenFill>
             </a:ext>
             <a:ext uri="{91240B29-F687-4f45-9708-019B960494DF}">
-              <a14:hiddenLine xmlns:a14="http://schemas.microsoft.com/office/drawing/2010/main" xmlns="" w="9525">
+              <a14:hiddenLine xmlns="" xmlns:a14="http://schemas.microsoft.com/office/drawing/2010/main" w="9525">
                 <a:solidFill>
                   <a:schemeClr val="tx1"/>
                 </a:solidFill>
@@ -23531,7 +23531,7 @@
               </a14:hiddenLine>
             </a:ext>
             <a:ext uri="{AF507438-7753-43e0-B8FC-AC1667EBCBE1}">
-              <a14:hiddenEffects xmlns:a14="http://schemas.microsoft.com/office/drawing/2010/main" xmlns="">
+              <a14:hiddenEffects xmlns="" xmlns:a14="http://schemas.microsoft.com/office/drawing/2010/main">
                 <a:effectLst>
                   <a:outerShdw dist="35921" dir="2700000" algn="ctr" rotWithShape="0">
                     <a:schemeClr val="bg2"/>
@@ -24274,14 +24274,14 @@
           <a:effectLst/>
           <a:extLst>
             <a:ext uri="{909E8E84-426E-40dd-AFC4-6F175D3DCCD1}">
-              <a14:hiddenFill xmlns:a14="http://schemas.microsoft.com/office/drawing/2010/main" xmlns="">
+              <a14:hiddenFill xmlns="" xmlns:a14="http://schemas.microsoft.com/office/drawing/2010/main">
                 <a:solidFill>
                   <a:schemeClr val="accent1"/>
                 </a:solidFill>
               </a14:hiddenFill>
             </a:ext>
             <a:ext uri="{91240B29-F687-4f45-9708-019B960494DF}">
-              <a14:hiddenLine xmlns:a14="http://schemas.microsoft.com/office/drawing/2010/main" xmlns="" w="9525">
+              <a14:hiddenLine xmlns="" xmlns:a14="http://schemas.microsoft.com/office/drawing/2010/main" w="9525">
                 <a:solidFill>
                   <a:schemeClr val="tx1"/>
                 </a:solidFill>
@@ -24291,7 +24291,7 @@
               </a14:hiddenLine>
             </a:ext>
             <a:ext uri="{AF507438-7753-43e0-B8FC-AC1667EBCBE1}">
-              <a14:hiddenEffects xmlns:a14="http://schemas.microsoft.com/office/drawing/2010/main" xmlns="">
+              <a14:hiddenEffects xmlns="" xmlns:a14="http://schemas.microsoft.com/office/drawing/2010/main">
                 <a:effectLst>
                   <a:outerShdw dist="35921" dir="2700000" algn="ctr" rotWithShape="0">
                     <a:schemeClr val="bg2"/>
@@ -24661,14 +24661,14 @@
                       <a:effectLst/>
                       <a:extLst>
                         <a:ext uri="{909E8E84-426E-40dd-AFC4-6F175D3DCCD1}">
-                          <a14:hiddenFill xmlns:a14="http://schemas.microsoft.com/office/drawing/2010/main" xmlns="">
+                          <a14:hiddenFill xmlns="" xmlns:a14="http://schemas.microsoft.com/office/drawing/2010/main">
                             <a:solidFill>
                               <a:srgbClr val="FFFFFF"/>
                             </a:solidFill>
                           </a14:hiddenFill>
                         </a:ext>
                         <a:ext uri="{91240B29-F687-4f45-9708-019B960494DF}">
-                          <a14:hiddenLine xmlns:a14="http://schemas.microsoft.com/office/drawing/2010/main" xmlns="" w="9525">
+                          <a14:hiddenLine xmlns="" xmlns:a14="http://schemas.microsoft.com/office/drawing/2010/main" w="9525">
                             <a:solidFill>
                               <a:srgbClr val="000000"/>
                             </a:solidFill>
@@ -24678,7 +24678,7 @@
                           </a14:hiddenLine>
                         </a:ext>
                         <a:ext uri="{AF507438-7753-43e0-B8FC-AC1667EBCBE1}">
-                          <a14:hiddenEffects xmlns:a14="http://schemas.microsoft.com/office/drawing/2010/main" xmlns="">
+                          <a14:hiddenEffects xmlns="" xmlns:a14="http://schemas.microsoft.com/office/drawing/2010/main">
                             <a:effectLst>
                               <a:outerShdw dist="35921" dir="2700000" algn="ctr" rotWithShape="0">
                                 <a:srgbClr val="808080"/>
@@ -25287,14 +25287,14 @@
           <a:effectLst/>
           <a:extLst>
             <a:ext uri="{909E8E84-426E-40dd-AFC4-6F175D3DCCD1}">
-              <a14:hiddenFill xmlns:a14="http://schemas.microsoft.com/office/drawing/2010/main" xmlns="">
+              <a14:hiddenFill xmlns="" xmlns:a14="http://schemas.microsoft.com/office/drawing/2010/main">
                 <a:solidFill>
                   <a:schemeClr val="accent1"/>
                 </a:solidFill>
               </a14:hiddenFill>
             </a:ext>
             <a:ext uri="{91240B29-F687-4f45-9708-019B960494DF}">
-              <a14:hiddenLine xmlns:a14="http://schemas.microsoft.com/office/drawing/2010/main" xmlns="" w="9525">
+              <a14:hiddenLine xmlns="" xmlns:a14="http://schemas.microsoft.com/office/drawing/2010/main" w="9525">
                 <a:solidFill>
                   <a:schemeClr val="tx1"/>
                 </a:solidFill>
@@ -25304,7 +25304,7 @@
               </a14:hiddenLine>
             </a:ext>
             <a:ext uri="{AF507438-7753-43e0-B8FC-AC1667EBCBE1}">
-              <a14:hiddenEffects xmlns:a14="http://schemas.microsoft.com/office/drawing/2010/main" xmlns="">
+              <a14:hiddenEffects xmlns="" xmlns:a14="http://schemas.microsoft.com/office/drawing/2010/main">
                 <a:effectLst>
                   <a:outerShdw dist="35921" dir="2700000" algn="ctr" rotWithShape="0">
                     <a:schemeClr val="bg2"/>
@@ -26304,14 +26304,14 @@
           </a:ln>
           <a:extLst>
             <a:ext uri="{909E8E84-426E-40dd-AFC4-6F175D3DCCD1}">
-              <a14:hiddenFill xmlns:a14="http://schemas.microsoft.com/office/drawing/2010/main" xmlns="">
+              <a14:hiddenFill xmlns="" xmlns:a14="http://schemas.microsoft.com/office/drawing/2010/main">
                 <a:solidFill>
                   <a:srgbClr val="FFFFFF"/>
                 </a:solidFill>
               </a14:hiddenFill>
             </a:ext>
             <a:ext uri="{91240B29-F687-4f45-9708-019B960494DF}">
-              <a14:hiddenLine xmlns:a14="http://schemas.microsoft.com/office/drawing/2010/main" xmlns="" w="9525">
+              <a14:hiddenLine xmlns="" xmlns:a14="http://schemas.microsoft.com/office/drawing/2010/main" w="9525">
                 <a:solidFill>
                   <a:srgbClr val="000000"/>
                 </a:solidFill>
@@ -26923,14 +26923,14 @@
                       </a:ln>
                       <a:extLst>
                         <a:ext uri="{909E8E84-426E-40dd-AFC4-6F175D3DCCD1}">
-                          <a14:hiddenFill xmlns:a14="http://schemas.microsoft.com/office/drawing/2010/main" xmlns="">
+                          <a14:hiddenFill xmlns="" xmlns:a14="http://schemas.microsoft.com/office/drawing/2010/main">
                             <a:solidFill>
                               <a:schemeClr val="accent1"/>
                             </a:solidFill>
                           </a14:hiddenFill>
                         </a:ext>
                         <a:ext uri="{91240B29-F687-4f45-9708-019B960494DF}">
-                          <a14:hiddenLine xmlns:a14="http://schemas.microsoft.com/office/drawing/2010/main" xmlns="" w="9525">
+                          <a14:hiddenLine xmlns="" xmlns:a14="http://schemas.microsoft.com/office/drawing/2010/main" w="9525">
                             <a:solidFill>
                               <a:schemeClr val="tx1"/>
                             </a:solidFill>
@@ -27000,14 +27000,14 @@
           <a:effectLst/>
           <a:extLst>
             <a:ext uri="{909E8E84-426E-40dd-AFC4-6F175D3DCCD1}">
-              <a14:hiddenFill xmlns:a14="http://schemas.microsoft.com/office/drawing/2010/main" xmlns="">
+              <a14:hiddenFill xmlns="" xmlns:a14="http://schemas.microsoft.com/office/drawing/2010/main">
                 <a:solidFill>
                   <a:schemeClr val="accent1"/>
                 </a:solidFill>
               </a14:hiddenFill>
             </a:ext>
             <a:ext uri="{91240B29-F687-4f45-9708-019B960494DF}">
-              <a14:hiddenLine xmlns:a14="http://schemas.microsoft.com/office/drawing/2010/main" xmlns="" w="9525">
+              <a14:hiddenLine xmlns="" xmlns:a14="http://schemas.microsoft.com/office/drawing/2010/main" w="9525">
                 <a:solidFill>
                   <a:schemeClr val="tx1"/>
                 </a:solidFill>
@@ -27017,7 +27017,7 @@
               </a14:hiddenLine>
             </a:ext>
             <a:ext uri="{AF507438-7753-43e0-B8FC-AC1667EBCBE1}">
-              <a14:hiddenEffects xmlns:a14="http://schemas.microsoft.com/office/drawing/2010/main" xmlns="">
+              <a14:hiddenEffects xmlns="" xmlns:a14="http://schemas.microsoft.com/office/drawing/2010/main">
                 <a:effectLst>
                   <a:outerShdw dist="35921" dir="2700000" algn="ctr" rotWithShape="0">
                     <a:schemeClr val="bg2"/>
@@ -27376,14 +27376,14 @@
           <a:effectLst/>
           <a:extLst>
             <a:ext uri="{909E8E84-426E-40dd-AFC4-6F175D3DCCD1}">
-              <a14:hiddenFill xmlns:a14="http://schemas.microsoft.com/office/drawing/2010/main" xmlns="">
+              <a14:hiddenFill xmlns="" xmlns:a14="http://schemas.microsoft.com/office/drawing/2010/main">
                 <a:solidFill>
                   <a:schemeClr val="accent1"/>
                 </a:solidFill>
               </a14:hiddenFill>
             </a:ext>
             <a:ext uri="{91240B29-F687-4f45-9708-019B960494DF}">
-              <a14:hiddenLine xmlns:a14="http://schemas.microsoft.com/office/drawing/2010/main" xmlns="" w="9525">
+              <a14:hiddenLine xmlns="" xmlns:a14="http://schemas.microsoft.com/office/drawing/2010/main" w="9525">
                 <a:solidFill>
                   <a:schemeClr val="tx1"/>
                 </a:solidFill>
@@ -27393,7 +27393,7 @@
               </a14:hiddenLine>
             </a:ext>
             <a:ext uri="{AF507438-7753-43e0-B8FC-AC1667EBCBE1}">
-              <a14:hiddenEffects xmlns:a14="http://schemas.microsoft.com/office/drawing/2010/main" xmlns="">
+              <a14:hiddenEffects xmlns="" xmlns:a14="http://schemas.microsoft.com/office/drawing/2010/main">
                 <a:effectLst>
                   <a:outerShdw dist="35921" dir="2700000" algn="ctr" rotWithShape="0">
                     <a:schemeClr val="bg2"/>
@@ -27575,14 +27575,14 @@
           <a:effectLst/>
           <a:extLst>
             <a:ext uri="{909E8E84-426E-40dd-AFC4-6F175D3DCCD1}">
-              <a14:hiddenFill xmlns:a14="http://schemas.microsoft.com/office/drawing/2010/main" xmlns="">
+              <a14:hiddenFill xmlns="" xmlns:a14="http://schemas.microsoft.com/office/drawing/2010/main">
                 <a:solidFill>
                   <a:schemeClr val="accent1"/>
                 </a:solidFill>
               </a14:hiddenFill>
             </a:ext>
             <a:ext uri="{91240B29-F687-4f45-9708-019B960494DF}">
-              <a14:hiddenLine xmlns:a14="http://schemas.microsoft.com/office/drawing/2010/main" xmlns="" w="9525">
+              <a14:hiddenLine xmlns="" xmlns:a14="http://schemas.microsoft.com/office/drawing/2010/main" w="9525">
                 <a:solidFill>
                   <a:schemeClr val="tx1"/>
                 </a:solidFill>
@@ -27592,7 +27592,7 @@
               </a14:hiddenLine>
             </a:ext>
             <a:ext uri="{AF507438-7753-43e0-B8FC-AC1667EBCBE1}">
-              <a14:hiddenEffects xmlns:a14="http://schemas.microsoft.com/office/drawing/2010/main" xmlns="">
+              <a14:hiddenEffects xmlns="" xmlns:a14="http://schemas.microsoft.com/office/drawing/2010/main">
                 <a:effectLst>
                   <a:outerShdw dist="35921" dir="2700000" algn="ctr" rotWithShape="0">
                     <a:schemeClr val="bg2"/>
@@ -27774,14 +27774,14 @@
           <a:effectLst/>
           <a:extLst>
             <a:ext uri="{909E8E84-426E-40dd-AFC4-6F175D3DCCD1}">
-              <a14:hiddenFill xmlns:a14="http://schemas.microsoft.com/office/drawing/2010/main" xmlns="">
+              <a14:hiddenFill xmlns="" xmlns:a14="http://schemas.microsoft.com/office/drawing/2010/main">
                 <a:solidFill>
                   <a:schemeClr val="accent1"/>
                 </a:solidFill>
               </a14:hiddenFill>
             </a:ext>
             <a:ext uri="{91240B29-F687-4f45-9708-019B960494DF}">
-              <a14:hiddenLine xmlns:a14="http://schemas.microsoft.com/office/drawing/2010/main" xmlns="" w="9525">
+              <a14:hiddenLine xmlns="" xmlns:a14="http://schemas.microsoft.com/office/drawing/2010/main" w="9525">
                 <a:solidFill>
                   <a:schemeClr val="tx1"/>
                 </a:solidFill>
@@ -27791,7 +27791,7 @@
               </a14:hiddenLine>
             </a:ext>
             <a:ext uri="{AF507438-7753-43e0-B8FC-AC1667EBCBE1}">
-              <a14:hiddenEffects xmlns:a14="http://schemas.microsoft.com/office/drawing/2010/main" xmlns="">
+              <a14:hiddenEffects xmlns="" xmlns:a14="http://schemas.microsoft.com/office/drawing/2010/main">
                 <a:effectLst>
                   <a:outerShdw dist="35921" dir="2700000" algn="ctr" rotWithShape="0">
                     <a:schemeClr val="bg2"/>
@@ -27973,14 +27973,14 @@
           <a:effectLst/>
           <a:extLst>
             <a:ext uri="{909E8E84-426E-40dd-AFC4-6F175D3DCCD1}">
-              <a14:hiddenFill xmlns:a14="http://schemas.microsoft.com/office/drawing/2010/main" xmlns="">
+              <a14:hiddenFill xmlns="" xmlns:a14="http://schemas.microsoft.com/office/drawing/2010/main">
                 <a:solidFill>
                   <a:schemeClr val="accent1"/>
                 </a:solidFill>
               </a14:hiddenFill>
             </a:ext>
             <a:ext uri="{91240B29-F687-4f45-9708-019B960494DF}">
-              <a14:hiddenLine xmlns:a14="http://schemas.microsoft.com/office/drawing/2010/main" xmlns="" w="9525">
+              <a14:hiddenLine xmlns="" xmlns:a14="http://schemas.microsoft.com/office/drawing/2010/main" w="9525">
                 <a:solidFill>
                   <a:schemeClr val="tx1"/>
                 </a:solidFill>
@@ -27990,7 +27990,7 @@
               </a14:hiddenLine>
             </a:ext>
             <a:ext uri="{AF507438-7753-43e0-B8FC-AC1667EBCBE1}">
-              <a14:hiddenEffects xmlns:a14="http://schemas.microsoft.com/office/drawing/2010/main" xmlns="">
+              <a14:hiddenEffects xmlns="" xmlns:a14="http://schemas.microsoft.com/office/drawing/2010/main">
                 <a:effectLst>
                   <a:outerShdw dist="35921" dir="2700000" algn="ctr" rotWithShape="0">
                     <a:schemeClr val="bg2"/>
@@ -28741,14 +28741,14 @@
           <a:effectLst/>
           <a:extLst>
             <a:ext uri="{909E8E84-426E-40dd-AFC4-6F175D3DCCD1}">
-              <a14:hiddenFill xmlns:a14="http://schemas.microsoft.com/office/drawing/2010/main" xmlns="">
+              <a14:hiddenFill xmlns="" xmlns:a14="http://schemas.microsoft.com/office/drawing/2010/main">
                 <a:solidFill>
                   <a:schemeClr val="accent1"/>
                 </a:solidFill>
               </a14:hiddenFill>
             </a:ext>
             <a:ext uri="{91240B29-F687-4f45-9708-019B960494DF}">
-              <a14:hiddenLine xmlns:a14="http://schemas.microsoft.com/office/drawing/2010/main" xmlns="" w="9525">
+              <a14:hiddenLine xmlns="" xmlns:a14="http://schemas.microsoft.com/office/drawing/2010/main" w="9525">
                 <a:solidFill>
                   <a:schemeClr val="tx1"/>
                 </a:solidFill>
@@ -28758,7 +28758,7 @@
               </a14:hiddenLine>
             </a:ext>
             <a:ext uri="{AF507438-7753-43e0-B8FC-AC1667EBCBE1}">
-              <a14:hiddenEffects xmlns:a14="http://schemas.microsoft.com/office/drawing/2010/main" xmlns="">
+              <a14:hiddenEffects xmlns="" xmlns:a14="http://schemas.microsoft.com/office/drawing/2010/main">
                 <a:effectLst>
                   <a:outerShdw dist="35921" dir="2700000" algn="ctr" rotWithShape="0">
                     <a:schemeClr val="bg2"/>
@@ -29195,14 +29195,14 @@
                       </a:ln>
                       <a:extLst>
                         <a:ext uri="{909E8E84-426E-40dd-AFC4-6F175D3DCCD1}">
-                          <a14:hiddenFill xmlns:a14="http://schemas.microsoft.com/office/drawing/2010/main" xmlns="">
+                          <a14:hiddenFill xmlns="" xmlns:a14="http://schemas.microsoft.com/office/drawing/2010/main">
                             <a:solidFill>
                               <a:srgbClr val="FFFFFF"/>
                             </a:solidFill>
                           </a14:hiddenFill>
                         </a:ext>
                         <a:ext uri="{91240B29-F687-4f45-9708-019B960494DF}">
-                          <a14:hiddenLine xmlns:a14="http://schemas.microsoft.com/office/drawing/2010/main" xmlns="" w="9525">
+                          <a14:hiddenLine xmlns="" xmlns:a14="http://schemas.microsoft.com/office/drawing/2010/main" w="9525">
                             <a:solidFill>
                               <a:srgbClr val="000000"/>
                             </a:solidFill>
@@ -29812,14 +29812,14 @@
           <a:effectLst/>
           <a:extLst>
             <a:ext uri="{909E8E84-426E-40dd-AFC4-6F175D3DCCD1}">
-              <a14:hiddenFill xmlns:a14="http://schemas.microsoft.com/office/drawing/2010/main" xmlns="">
+              <a14:hiddenFill xmlns="" xmlns:a14="http://schemas.microsoft.com/office/drawing/2010/main">
                 <a:solidFill>
                   <a:schemeClr val="accent1"/>
                 </a:solidFill>
               </a14:hiddenFill>
             </a:ext>
             <a:ext uri="{91240B29-F687-4f45-9708-019B960494DF}">
-              <a14:hiddenLine xmlns:a14="http://schemas.microsoft.com/office/drawing/2010/main" xmlns="" w="9525">
+              <a14:hiddenLine xmlns="" xmlns:a14="http://schemas.microsoft.com/office/drawing/2010/main" w="9525">
                 <a:solidFill>
                   <a:schemeClr val="tx1"/>
                 </a:solidFill>
@@ -29829,7 +29829,7 @@
               </a14:hiddenLine>
             </a:ext>
             <a:ext uri="{AF507438-7753-43e0-B8FC-AC1667EBCBE1}">
-              <a14:hiddenEffects xmlns:a14="http://schemas.microsoft.com/office/drawing/2010/main" xmlns="">
+              <a14:hiddenEffects xmlns="" xmlns:a14="http://schemas.microsoft.com/office/drawing/2010/main">
                 <a:effectLst>
                   <a:outerShdw dist="35921" dir="2700000" algn="ctr" rotWithShape="0">
                     <a:schemeClr val="bg2"/>
@@ -30014,14 +30014,14 @@
           <a:effectLst/>
           <a:extLst>
             <a:ext uri="{909E8E84-426E-40dd-AFC4-6F175D3DCCD1}">
-              <a14:hiddenFill xmlns:a14="http://schemas.microsoft.com/office/drawing/2010/main" xmlns="">
+              <a14:hiddenFill xmlns="" xmlns:a14="http://schemas.microsoft.com/office/drawing/2010/main">
                 <a:solidFill>
                   <a:schemeClr val="accent1"/>
                 </a:solidFill>
               </a14:hiddenFill>
             </a:ext>
             <a:ext uri="{91240B29-F687-4f45-9708-019B960494DF}">
-              <a14:hiddenLine xmlns:a14="http://schemas.microsoft.com/office/drawing/2010/main" xmlns="" w="9525">
+              <a14:hiddenLine xmlns="" xmlns:a14="http://schemas.microsoft.com/office/drawing/2010/main" w="9525">
                 <a:solidFill>
                   <a:schemeClr val="tx1"/>
                 </a:solidFill>
@@ -30031,7 +30031,7 @@
               </a14:hiddenLine>
             </a:ext>
             <a:ext uri="{AF507438-7753-43e0-B8FC-AC1667EBCBE1}">
-              <a14:hiddenEffects xmlns:a14="http://schemas.microsoft.com/office/drawing/2010/main" xmlns="">
+              <a14:hiddenEffects xmlns="" xmlns:a14="http://schemas.microsoft.com/office/drawing/2010/main">
                 <a:effectLst>
                   <a:outerShdw dist="35921" dir="2700000" algn="ctr" rotWithShape="0">
                     <a:schemeClr val="bg2"/>
@@ -30376,14 +30376,14 @@
           <a:effectLst/>
           <a:extLst>
             <a:ext uri="{909E8E84-426E-40dd-AFC4-6F175D3DCCD1}">
-              <a14:hiddenFill xmlns:a14="http://schemas.microsoft.com/office/drawing/2010/main" xmlns="">
+              <a14:hiddenFill xmlns="" xmlns:a14="http://schemas.microsoft.com/office/drawing/2010/main">
                 <a:solidFill>
                   <a:schemeClr val="accent1"/>
                 </a:solidFill>
               </a14:hiddenFill>
             </a:ext>
             <a:ext uri="{91240B29-F687-4f45-9708-019B960494DF}">
-              <a14:hiddenLine xmlns:a14="http://schemas.microsoft.com/office/drawing/2010/main" xmlns="" w="9525">
+              <a14:hiddenLine xmlns="" xmlns:a14="http://schemas.microsoft.com/office/drawing/2010/main" w="9525">
                 <a:solidFill>
                   <a:schemeClr val="tx1"/>
                 </a:solidFill>
@@ -30393,7 +30393,7 @@
               </a14:hiddenLine>
             </a:ext>
             <a:ext uri="{AF507438-7753-43e0-B8FC-AC1667EBCBE1}">
-              <a14:hiddenEffects xmlns:a14="http://schemas.microsoft.com/office/drawing/2010/main" xmlns="">
+              <a14:hiddenEffects xmlns="" xmlns:a14="http://schemas.microsoft.com/office/drawing/2010/main">
                 <a:effectLst>
                   <a:outerShdw dist="35921" dir="2700000" algn="ctr" rotWithShape="0">
                     <a:schemeClr val="bg2"/>
@@ -30427,14 +30427,14 @@
           <a:effectLst/>
           <a:extLst>
             <a:ext uri="{909E8E84-426E-40dd-AFC4-6F175D3DCCD1}">
-              <a14:hiddenFill xmlns:a14="http://schemas.microsoft.com/office/drawing/2010/main" xmlns="">
+              <a14:hiddenFill xmlns="" xmlns:a14="http://schemas.microsoft.com/office/drawing/2010/main">
                 <a:solidFill>
                   <a:schemeClr val="accent1"/>
                 </a:solidFill>
               </a14:hiddenFill>
             </a:ext>
             <a:ext uri="{91240B29-F687-4f45-9708-019B960494DF}">
-              <a14:hiddenLine xmlns:a14="http://schemas.microsoft.com/office/drawing/2010/main" xmlns="" w="9525">
+              <a14:hiddenLine xmlns="" xmlns:a14="http://schemas.microsoft.com/office/drawing/2010/main" w="9525">
                 <a:solidFill>
                   <a:schemeClr val="tx1"/>
                 </a:solidFill>
@@ -30444,7 +30444,7 @@
               </a14:hiddenLine>
             </a:ext>
             <a:ext uri="{AF507438-7753-43e0-B8FC-AC1667EBCBE1}">
-              <a14:hiddenEffects xmlns:a14="http://schemas.microsoft.com/office/drawing/2010/main" xmlns="">
+              <a14:hiddenEffects xmlns="" xmlns:a14="http://schemas.microsoft.com/office/drawing/2010/main">
                 <a:effectLst>
                   <a:outerShdw dist="35921" dir="2700000" algn="ctr" rotWithShape="0">
                     <a:schemeClr val="bg2"/>
@@ -31151,14 +31151,14 @@
           </a:ln>
           <a:extLst>
             <a:ext uri="{909E8E84-426E-40dd-AFC4-6F175D3DCCD1}">
-              <a14:hiddenFill xmlns:a14="http://schemas.microsoft.com/office/drawing/2010/main" xmlns="">
+              <a14:hiddenFill xmlns="" xmlns:a14="http://schemas.microsoft.com/office/drawing/2010/main">
                 <a:solidFill>
                   <a:srgbClr val="FFFFFF"/>
                 </a:solidFill>
               </a14:hiddenFill>
             </a:ext>
             <a:ext uri="{91240B29-F687-4f45-9708-019B960494DF}">
-              <a14:hiddenLine xmlns:a14="http://schemas.microsoft.com/office/drawing/2010/main" xmlns="" w="9525">
+              <a14:hiddenLine xmlns="" xmlns:a14="http://schemas.microsoft.com/office/drawing/2010/main" w="9525">
                 <a:solidFill>
                   <a:srgbClr val="000000"/>
                 </a:solidFill>
@@ -32366,14 +32366,14 @@
           </a:ln>
           <a:extLst>
             <a:ext uri="{909E8E84-426E-40dd-AFC4-6F175D3DCCD1}">
-              <a14:hiddenFill xmlns:a14="http://schemas.microsoft.com/office/drawing/2010/main" xmlns="">
+              <a14:hiddenFill xmlns="" xmlns:a14="http://schemas.microsoft.com/office/drawing/2010/main">
                 <a:solidFill>
                   <a:srgbClr val="FFFFFF"/>
                 </a:solidFill>
               </a14:hiddenFill>
             </a:ext>
             <a:ext uri="{91240B29-F687-4f45-9708-019B960494DF}">
-              <a14:hiddenLine xmlns:a14="http://schemas.microsoft.com/office/drawing/2010/main" xmlns="" w="9525">
+              <a14:hiddenLine xmlns="" xmlns:a14="http://schemas.microsoft.com/office/drawing/2010/main" w="9525">
                 <a:solidFill>
                   <a:srgbClr val="000000"/>
                 </a:solidFill>
@@ -32977,14 +32977,14 @@
           <a:effectLst/>
           <a:extLst>
             <a:ext uri="{909E8E84-426E-40dd-AFC4-6F175D3DCCD1}">
-              <a14:hiddenFill xmlns:a14="http://schemas.microsoft.com/office/drawing/2010/main" xmlns="">
+              <a14:hiddenFill xmlns="" xmlns:a14="http://schemas.microsoft.com/office/drawing/2010/main">
                 <a:solidFill>
                   <a:schemeClr val="accent1"/>
                 </a:solidFill>
               </a14:hiddenFill>
             </a:ext>
             <a:ext uri="{91240B29-F687-4f45-9708-019B960494DF}">
-              <a14:hiddenLine xmlns:a14="http://schemas.microsoft.com/office/drawing/2010/main" xmlns="" w="9525">
+              <a14:hiddenLine xmlns="" xmlns:a14="http://schemas.microsoft.com/office/drawing/2010/main" w="9525">
                 <a:solidFill>
                   <a:schemeClr val="tx1"/>
                 </a:solidFill>
@@ -32994,7 +32994,7 @@
               </a14:hiddenLine>
             </a:ext>
             <a:ext uri="{AF507438-7753-43e0-B8FC-AC1667EBCBE1}">
-              <a14:hiddenEffects xmlns:a14="http://schemas.microsoft.com/office/drawing/2010/main" xmlns="">
+              <a14:hiddenEffects xmlns="" xmlns:a14="http://schemas.microsoft.com/office/drawing/2010/main">
                 <a:effectLst>
                   <a:outerShdw dist="35921" dir="2700000" algn="ctr" rotWithShape="0">
                     <a:schemeClr val="bg2"/>
@@ -33870,14 +33870,14 @@
                       <a:effectLst/>
                       <a:extLst>
                         <a:ext uri="{909E8E84-426E-40dd-AFC4-6F175D3DCCD1}">
-                          <a14:hiddenFill xmlns:a14="http://schemas.microsoft.com/office/drawing/2010/main" xmlns="">
+                          <a14:hiddenFill xmlns="" xmlns:a14="http://schemas.microsoft.com/office/drawing/2010/main">
                             <a:solidFill>
                               <a:srgbClr val="FFFFFF"/>
                             </a:solidFill>
                           </a14:hiddenFill>
                         </a:ext>
                         <a:ext uri="{91240B29-F687-4f45-9708-019B960494DF}">
-                          <a14:hiddenLine xmlns:a14="http://schemas.microsoft.com/office/drawing/2010/main" xmlns="" w="9525">
+                          <a14:hiddenLine xmlns="" xmlns:a14="http://schemas.microsoft.com/office/drawing/2010/main" w="9525">
                             <a:solidFill>
                               <a:srgbClr val="000000"/>
                             </a:solidFill>
@@ -33887,7 +33887,7 @@
                           </a14:hiddenLine>
                         </a:ext>
                         <a:ext uri="{AF507438-7753-43e0-B8FC-AC1667EBCBE1}">
-                          <a14:hiddenEffects xmlns:a14="http://schemas.microsoft.com/office/drawing/2010/main" xmlns="">
+                          <a14:hiddenEffects xmlns="" xmlns:a14="http://schemas.microsoft.com/office/drawing/2010/main">
                             <a:effectLst>
                               <a:outerShdw dist="35921" dir="2700000" algn="ctr" rotWithShape="0">
                                 <a:srgbClr val="808080"/>
@@ -33927,14 +33927,14 @@
           <a:effectLst/>
           <a:extLst>
             <a:ext uri="{909E8E84-426E-40dd-AFC4-6F175D3DCCD1}">
-              <a14:hiddenFill xmlns:a14="http://schemas.microsoft.com/office/drawing/2010/main" xmlns="">
+              <a14:hiddenFill xmlns="" xmlns:a14="http://schemas.microsoft.com/office/drawing/2010/main">
                 <a:solidFill>
                   <a:schemeClr val="accent1"/>
                 </a:solidFill>
               </a14:hiddenFill>
             </a:ext>
             <a:ext uri="{91240B29-F687-4f45-9708-019B960494DF}">
-              <a14:hiddenLine xmlns:a14="http://schemas.microsoft.com/office/drawing/2010/main" xmlns="" w="9525">
+              <a14:hiddenLine xmlns="" xmlns:a14="http://schemas.microsoft.com/office/drawing/2010/main" w="9525">
                 <a:solidFill>
                   <a:schemeClr val="tx1"/>
                 </a:solidFill>
@@ -33944,7 +33944,7 @@
               </a14:hiddenLine>
             </a:ext>
             <a:ext uri="{AF507438-7753-43e0-B8FC-AC1667EBCBE1}">
-              <a14:hiddenEffects xmlns:a14="http://schemas.microsoft.com/office/drawing/2010/main" xmlns="">
+              <a14:hiddenEffects xmlns="" xmlns:a14="http://schemas.microsoft.com/office/drawing/2010/main">
                 <a:effectLst>
                   <a:outerShdw dist="35921" dir="2700000" algn="ctr" rotWithShape="0">
                     <a:schemeClr val="bg2"/>
@@ -34192,14 +34192,14 @@
           <a:effectLst/>
           <a:extLst>
             <a:ext uri="{909E8E84-426E-40dd-AFC4-6F175D3DCCD1}">
-              <a14:hiddenFill xmlns:a14="http://schemas.microsoft.com/office/drawing/2010/main" xmlns="">
+              <a14:hiddenFill xmlns="" xmlns:a14="http://schemas.microsoft.com/office/drawing/2010/main">
                 <a:solidFill>
                   <a:schemeClr val="accent1"/>
                 </a:solidFill>
               </a14:hiddenFill>
             </a:ext>
             <a:ext uri="{91240B29-F687-4f45-9708-019B960494DF}">
-              <a14:hiddenLine xmlns:a14="http://schemas.microsoft.com/office/drawing/2010/main" xmlns="" w="9525">
+              <a14:hiddenLine xmlns="" xmlns:a14="http://schemas.microsoft.com/office/drawing/2010/main" w="9525">
                 <a:solidFill>
                   <a:schemeClr val="tx1"/>
                 </a:solidFill>
@@ -34209,7 +34209,7 @@
               </a14:hiddenLine>
             </a:ext>
             <a:ext uri="{AF507438-7753-43e0-B8FC-AC1667EBCBE1}">
-              <a14:hiddenEffects xmlns:a14="http://schemas.microsoft.com/office/drawing/2010/main" xmlns="">
+              <a14:hiddenEffects xmlns="" xmlns:a14="http://schemas.microsoft.com/office/drawing/2010/main">
                 <a:effectLst>
                   <a:outerShdw dist="35921" dir="2700000" algn="ctr" rotWithShape="0">
                     <a:schemeClr val="bg2"/>
@@ -35120,14 +35120,14 @@
           </a:ln>
           <a:extLst>
             <a:ext uri="{909E8E84-426E-40dd-AFC4-6F175D3DCCD1}">
-              <a14:hiddenFill xmlns:a14="http://schemas.microsoft.com/office/drawing/2010/main" xmlns="">
+              <a14:hiddenFill xmlns="" xmlns:a14="http://schemas.microsoft.com/office/drawing/2010/main">
                 <a:solidFill>
                   <a:srgbClr val="FFFFFF"/>
                 </a:solidFill>
               </a14:hiddenFill>
             </a:ext>
             <a:ext uri="{91240B29-F687-4f45-9708-019B960494DF}">
-              <a14:hiddenLine xmlns:a14="http://schemas.microsoft.com/office/drawing/2010/main" xmlns="" w="9525">
+              <a14:hiddenLine xmlns="" xmlns:a14="http://schemas.microsoft.com/office/drawing/2010/main" w="9525">
                 <a:solidFill>
                   <a:srgbClr val="000000"/>
                 </a:solidFill>
@@ -35731,14 +35731,14 @@
           <a:effectLst/>
           <a:extLst>
             <a:ext uri="{909E8E84-426E-40dd-AFC4-6F175D3DCCD1}">
-              <a14:hiddenFill xmlns:a14="http://schemas.microsoft.com/office/drawing/2010/main" xmlns="">
+              <a14:hiddenFill xmlns="" xmlns:a14="http://schemas.microsoft.com/office/drawing/2010/main">
                 <a:solidFill>
                   <a:schemeClr val="accent1"/>
                 </a:solidFill>
               </a14:hiddenFill>
             </a:ext>
             <a:ext uri="{91240B29-F687-4f45-9708-019B960494DF}">
-              <a14:hiddenLine xmlns:a14="http://schemas.microsoft.com/office/drawing/2010/main" xmlns="" w="9525">
+              <a14:hiddenLine xmlns="" xmlns:a14="http://schemas.microsoft.com/office/drawing/2010/main" w="9525">
                 <a:solidFill>
                   <a:schemeClr val="tx1"/>
                 </a:solidFill>
@@ -35748,7 +35748,7 @@
               </a14:hiddenLine>
             </a:ext>
             <a:ext uri="{AF507438-7753-43e0-B8FC-AC1667EBCBE1}">
-              <a14:hiddenEffects xmlns:a14="http://schemas.microsoft.com/office/drawing/2010/main" xmlns="">
+              <a14:hiddenEffects xmlns="" xmlns:a14="http://schemas.microsoft.com/office/drawing/2010/main">
                 <a:effectLst>
                   <a:outerShdw dist="35921" dir="2700000" algn="ctr" rotWithShape="0">
                     <a:schemeClr val="bg2"/>
@@ -36709,14 +36709,14 @@
           <a:effectLst/>
           <a:extLst>
             <a:ext uri="{909E8E84-426E-40dd-AFC4-6F175D3DCCD1}">
-              <a14:hiddenFill xmlns:a14="http://schemas.microsoft.com/office/drawing/2010/main" xmlns="">
+              <a14:hiddenFill xmlns="" xmlns:a14="http://schemas.microsoft.com/office/drawing/2010/main">
                 <a:solidFill>
                   <a:schemeClr val="accent1"/>
                 </a:solidFill>
               </a14:hiddenFill>
             </a:ext>
             <a:ext uri="{91240B29-F687-4f45-9708-019B960494DF}">
-              <a14:hiddenLine xmlns:a14="http://schemas.microsoft.com/office/drawing/2010/main" xmlns="" w="9525">
+              <a14:hiddenLine xmlns="" xmlns:a14="http://schemas.microsoft.com/office/drawing/2010/main" w="9525">
                 <a:solidFill>
                   <a:schemeClr val="tx1"/>
                 </a:solidFill>
@@ -36726,7 +36726,7 @@
               </a14:hiddenLine>
             </a:ext>
             <a:ext uri="{AF507438-7753-43e0-B8FC-AC1667EBCBE1}">
-              <a14:hiddenEffects xmlns:a14="http://schemas.microsoft.com/office/drawing/2010/main" xmlns="">
+              <a14:hiddenEffects xmlns="" xmlns:a14="http://schemas.microsoft.com/office/drawing/2010/main">
                 <a:effectLst>
                   <a:outerShdw dist="35921" dir="2700000" algn="ctr" rotWithShape="0">
                     <a:schemeClr val="bg2"/>
@@ -37823,14 +37823,14 @@
           <a:effectLst/>
           <a:extLst>
             <a:ext uri="{909E8E84-426E-40dd-AFC4-6F175D3DCCD1}">
-              <a14:hiddenFill xmlns:a14="http://schemas.microsoft.com/office/drawing/2010/main" xmlns="">
+              <a14:hiddenFill xmlns="" xmlns:a14="http://schemas.microsoft.com/office/drawing/2010/main">
                 <a:solidFill>
                   <a:schemeClr val="accent1"/>
                 </a:solidFill>
               </a14:hiddenFill>
             </a:ext>
             <a:ext uri="{91240B29-F687-4f45-9708-019B960494DF}">
-              <a14:hiddenLine xmlns:a14="http://schemas.microsoft.com/office/drawing/2010/main" xmlns="" w="9525">
+              <a14:hiddenLine xmlns="" xmlns:a14="http://schemas.microsoft.com/office/drawing/2010/main" w="9525">
                 <a:solidFill>
                   <a:schemeClr val="tx1"/>
                 </a:solidFill>
@@ -37840,7 +37840,7 @@
               </a14:hiddenLine>
             </a:ext>
             <a:ext uri="{AF507438-7753-43e0-B8FC-AC1667EBCBE1}">
-              <a14:hiddenEffects xmlns:a14="http://schemas.microsoft.com/office/drawing/2010/main" xmlns="">
+              <a14:hiddenEffects xmlns="" xmlns:a14="http://schemas.microsoft.com/office/drawing/2010/main">
                 <a:effectLst>
                   <a:outerShdw dist="35921" dir="2700000" algn="ctr" rotWithShape="0">
                     <a:schemeClr val="bg2"/>
@@ -38147,14 +38147,14 @@
           <a:effectLst/>
           <a:extLst>
             <a:ext uri="{909E8E84-426E-40dd-AFC4-6F175D3DCCD1}">
-              <a14:hiddenFill xmlns:a14="http://schemas.microsoft.com/office/drawing/2010/main" xmlns="">
+              <a14:hiddenFill xmlns="" xmlns:a14="http://schemas.microsoft.com/office/drawing/2010/main">
                 <a:solidFill>
                   <a:schemeClr val="accent1"/>
                 </a:solidFill>
               </a14:hiddenFill>
             </a:ext>
             <a:ext uri="{91240B29-F687-4f45-9708-019B960494DF}">
-              <a14:hiddenLine xmlns:a14="http://schemas.microsoft.com/office/drawing/2010/main" xmlns="" w="9525">
+              <a14:hiddenLine xmlns="" xmlns:a14="http://schemas.microsoft.com/office/drawing/2010/main" w="9525">
                 <a:solidFill>
                   <a:schemeClr val="tx1"/>
                 </a:solidFill>
@@ -38164,7 +38164,7 @@
               </a14:hiddenLine>
             </a:ext>
             <a:ext uri="{AF507438-7753-43e0-B8FC-AC1667EBCBE1}">
-              <a14:hiddenEffects xmlns:a14="http://schemas.microsoft.com/office/drawing/2010/main" xmlns="">
+              <a14:hiddenEffects xmlns="" xmlns:a14="http://schemas.microsoft.com/office/drawing/2010/main">
                 <a:effectLst>
                   <a:outerShdw dist="35921" dir="2700000" algn="ctr" rotWithShape="0">
                     <a:schemeClr val="bg2"/>
@@ -38555,14 +38555,14 @@
                       <a:effectLst/>
                       <a:extLst>
                         <a:ext uri="{909E8E84-426E-40dd-AFC4-6F175D3DCCD1}">
-                          <a14:hiddenFill xmlns:a14="http://schemas.microsoft.com/office/drawing/2010/main" xmlns="">
+                          <a14:hiddenFill xmlns="" xmlns:a14="http://schemas.microsoft.com/office/drawing/2010/main">
                             <a:solidFill>
                               <a:srgbClr val="FFFFFF"/>
                             </a:solidFill>
                           </a14:hiddenFill>
                         </a:ext>
                         <a:ext uri="{91240B29-F687-4f45-9708-019B960494DF}">
-                          <a14:hiddenLine xmlns:a14="http://schemas.microsoft.com/office/drawing/2010/main" xmlns="" w="9525">
+                          <a14:hiddenLine xmlns="" xmlns:a14="http://schemas.microsoft.com/office/drawing/2010/main" w="9525">
                             <a:solidFill>
                               <a:srgbClr val="000000"/>
                             </a:solidFill>
@@ -38572,7 +38572,7 @@
                           </a14:hiddenLine>
                         </a:ext>
                         <a:ext uri="{AF507438-7753-43e0-B8FC-AC1667EBCBE1}">
-                          <a14:hiddenEffects xmlns:a14="http://schemas.microsoft.com/office/drawing/2010/main" xmlns="">
+                          <a14:hiddenEffects xmlns="" xmlns:a14="http://schemas.microsoft.com/office/drawing/2010/main">
                             <a:effectLst>
                               <a:outerShdw dist="35921" dir="2700000" algn="ctr" rotWithShape="0">
                                 <a:srgbClr val="808080"/>
@@ -38612,14 +38612,14 @@
           <a:effectLst/>
           <a:extLst>
             <a:ext uri="{909E8E84-426E-40dd-AFC4-6F175D3DCCD1}">
-              <a14:hiddenFill xmlns:a14="http://schemas.microsoft.com/office/drawing/2010/main" xmlns="">
+              <a14:hiddenFill xmlns="" xmlns:a14="http://schemas.microsoft.com/office/drawing/2010/main">
                 <a:solidFill>
                   <a:schemeClr val="accent1"/>
                 </a:solidFill>
               </a14:hiddenFill>
             </a:ext>
             <a:ext uri="{91240B29-F687-4f45-9708-019B960494DF}">
-              <a14:hiddenLine xmlns:a14="http://schemas.microsoft.com/office/drawing/2010/main" xmlns="" w="9525">
+              <a14:hiddenLine xmlns="" xmlns:a14="http://schemas.microsoft.com/office/drawing/2010/main" w="9525">
                 <a:solidFill>
                   <a:schemeClr val="tx1"/>
                 </a:solidFill>
@@ -38629,7 +38629,7 @@
               </a14:hiddenLine>
             </a:ext>
             <a:ext uri="{AF507438-7753-43e0-B8FC-AC1667EBCBE1}">
-              <a14:hiddenEffects xmlns:a14="http://schemas.microsoft.com/office/drawing/2010/main" xmlns="">
+              <a14:hiddenEffects xmlns="" xmlns:a14="http://schemas.microsoft.com/office/drawing/2010/main">
                 <a:effectLst>
                   <a:outerShdw dist="35921" dir="2700000" algn="ctr" rotWithShape="0">
                     <a:schemeClr val="bg2"/>
@@ -39546,14 +39546,14 @@
           </a:ln>
           <a:extLst>
             <a:ext uri="{909E8E84-426E-40dd-AFC4-6F175D3DCCD1}">
-              <a14:hiddenFill xmlns:a14="http://schemas.microsoft.com/office/drawing/2010/main" xmlns="">
+              <a14:hiddenFill xmlns="" xmlns:a14="http://schemas.microsoft.com/office/drawing/2010/main">
                 <a:solidFill>
                   <a:srgbClr val="FFFFFF"/>
                 </a:solidFill>
               </a14:hiddenFill>
             </a:ext>
             <a:ext uri="{91240B29-F687-4f45-9708-019B960494DF}">
-              <a14:hiddenLine xmlns:a14="http://schemas.microsoft.com/office/drawing/2010/main" xmlns="" w="9525">
+              <a14:hiddenLine xmlns="" xmlns:a14="http://schemas.microsoft.com/office/drawing/2010/main" w="9525">
                 <a:solidFill>
                   <a:srgbClr val="000000"/>
                 </a:solidFill>
@@ -40275,14 +40275,14 @@
             </a:ln>
             <a:extLst>
               <a:ext uri="{909E8E84-426E-40dd-AFC4-6F175D3DCCD1}">
-                <a14:hiddenFill xmlns:a14="http://schemas.microsoft.com/office/drawing/2010/main" xmlns="">
+                <a14:hiddenFill xmlns="" xmlns:a14="http://schemas.microsoft.com/office/drawing/2010/main">
                   <a:solidFill>
                     <a:schemeClr val="accent1"/>
                   </a:solidFill>
                 </a14:hiddenFill>
               </a:ext>
               <a:ext uri="{91240B29-F687-4f45-9708-019B960494DF}">
-                <a14:hiddenLine xmlns:a14="http://schemas.microsoft.com/office/drawing/2010/main" xmlns="" w="9525">
+                <a14:hiddenLine xmlns="" xmlns:a14="http://schemas.microsoft.com/office/drawing/2010/main" w="9525">
                   <a:solidFill>
                     <a:schemeClr val="tx1"/>
                   </a:solidFill>
@@ -41554,14 +41554,14 @@
           <a:effectLst/>
           <a:extLst>
             <a:ext uri="{909E8E84-426E-40dd-AFC4-6F175D3DCCD1}">
-              <a14:hiddenFill xmlns:a14="http://schemas.microsoft.com/office/drawing/2010/main" xmlns="">
+              <a14:hiddenFill xmlns="" xmlns:a14="http://schemas.microsoft.com/office/drawing/2010/main">
                 <a:solidFill>
                   <a:schemeClr val="accent1"/>
                 </a:solidFill>
               </a14:hiddenFill>
             </a:ext>
             <a:ext uri="{91240B29-F687-4f45-9708-019B960494DF}">
-              <a14:hiddenLine xmlns:a14="http://schemas.microsoft.com/office/drawing/2010/main" xmlns="" w="9525">
+              <a14:hiddenLine xmlns="" xmlns:a14="http://schemas.microsoft.com/office/drawing/2010/main" w="9525">
                 <a:solidFill>
                   <a:schemeClr val="tx1"/>
                 </a:solidFill>
@@ -41571,7 +41571,7 @@
               </a14:hiddenLine>
             </a:ext>
             <a:ext uri="{AF507438-7753-43e0-B8FC-AC1667EBCBE1}">
-              <a14:hiddenEffects xmlns:a14="http://schemas.microsoft.com/office/drawing/2010/main" xmlns="">
+              <a14:hiddenEffects xmlns="" xmlns:a14="http://schemas.microsoft.com/office/drawing/2010/main">
                 <a:effectLst>
                   <a:outerShdw dist="35921" dir="2700000" algn="ctr" rotWithShape="0">
                     <a:schemeClr val="bg2"/>
@@ -42219,8 +42219,8 @@
         </p:nvSpPr>
         <p:spPr>
           <a:xfrm>
-            <a:off x="4814047" y="6534150"/>
-            <a:ext cx="4339071" cy="369332"/>
+            <a:off x="5507549" y="6534150"/>
+            <a:ext cx="3645569" cy="369332"/>
           </a:xfrm>
           <a:prstGeom prst="rect">
             <a:avLst/>
@@ -42235,7 +42235,7 @@
           <a:p>
             <a:r>
               <a:rPr lang="en-US" dirty="0"/>
-              <a:t>Acknowledgement: Brooke Lowman</a:t>
+              <a:t>Acknowledgement: Brooke Wright</a:t>
             </a:r>
           </a:p>
         </p:txBody>
@@ -43978,14 +43978,14 @@
           <a:effectLst/>
           <a:extLst>
             <a:ext uri="{909E8E84-426E-40dd-AFC4-6F175D3DCCD1}">
-              <a14:hiddenFill xmlns:a14="http://schemas.microsoft.com/office/drawing/2010/main" xmlns="">
+              <a14:hiddenFill xmlns="" xmlns:a14="http://schemas.microsoft.com/office/drawing/2010/main">
                 <a:solidFill>
                   <a:schemeClr val="accent1"/>
                 </a:solidFill>
               </a14:hiddenFill>
             </a:ext>
             <a:ext uri="{91240B29-F687-4f45-9708-019B960494DF}">
-              <a14:hiddenLine xmlns:a14="http://schemas.microsoft.com/office/drawing/2010/main" xmlns="" w="9525">
+              <a14:hiddenLine xmlns="" xmlns:a14="http://schemas.microsoft.com/office/drawing/2010/main" w="9525">
                 <a:solidFill>
                   <a:schemeClr val="tx1"/>
                 </a:solidFill>
@@ -43995,7 +43995,7 @@
               </a14:hiddenLine>
             </a:ext>
             <a:ext uri="{AF507438-7753-43e0-B8FC-AC1667EBCBE1}">
-              <a14:hiddenEffects xmlns:a14="http://schemas.microsoft.com/office/drawing/2010/main" xmlns="">
+              <a14:hiddenEffects xmlns="" xmlns:a14="http://schemas.microsoft.com/office/drawing/2010/main">
                 <a:effectLst>
                   <a:outerShdw dist="35921" dir="2700000" algn="ctr" rotWithShape="0">
                     <a:schemeClr val="bg2"/>
@@ -44582,12 +44582,12 @@
           <a:effectLst/>
           <a:extLst>
             <a:ext uri="{909E8E84-426E-40dd-AFC4-6F175D3DCCD1}">
-              <a14:hiddenFill xmlns:a14="http://schemas.microsoft.com/office/drawing/2010/main" xmlns="">
+              <a14:hiddenFill xmlns="" xmlns:a14="http://schemas.microsoft.com/office/drawing/2010/main">
                 <a:noFill/>
               </a14:hiddenFill>
             </a:ext>
             <a:ext uri="{AF507438-7753-43e0-B8FC-AC1667EBCBE1}">
-              <a14:hiddenEffects xmlns:a14="http://schemas.microsoft.com/office/drawing/2010/main" xmlns="">
+              <a14:hiddenEffects xmlns="" xmlns:a14="http://schemas.microsoft.com/office/drawing/2010/main">
                 <a:effectLst>
                   <a:outerShdw dist="35921" dir="2700000" algn="ctr" rotWithShape="0">
                     <a:schemeClr val="bg2"/>
@@ -44641,14 +44641,14 @@
           <a:effectLst/>
           <a:extLst>
             <a:ext uri="{909E8E84-426E-40dd-AFC4-6F175D3DCCD1}">
-              <a14:hiddenFill xmlns:a14="http://schemas.microsoft.com/office/drawing/2010/main" xmlns="">
+              <a14:hiddenFill xmlns="" xmlns:a14="http://schemas.microsoft.com/office/drawing/2010/main">
                 <a:solidFill>
                   <a:schemeClr val="accent1"/>
                 </a:solidFill>
               </a14:hiddenFill>
             </a:ext>
             <a:ext uri="{91240B29-F687-4f45-9708-019B960494DF}">
-              <a14:hiddenLine xmlns:a14="http://schemas.microsoft.com/office/drawing/2010/main" xmlns="" w="9525">
+              <a14:hiddenLine xmlns="" xmlns:a14="http://schemas.microsoft.com/office/drawing/2010/main" w="9525">
                 <a:solidFill>
                   <a:schemeClr val="tx1"/>
                 </a:solidFill>
@@ -44658,7 +44658,7 @@
               </a14:hiddenLine>
             </a:ext>
             <a:ext uri="{AF507438-7753-43e0-B8FC-AC1667EBCBE1}">
-              <a14:hiddenEffects xmlns:a14="http://schemas.microsoft.com/office/drawing/2010/main" xmlns="">
+              <a14:hiddenEffects xmlns="" xmlns:a14="http://schemas.microsoft.com/office/drawing/2010/main">
                 <a:effectLst>
                   <a:outerShdw dist="35921" dir="2700000" algn="ctr" rotWithShape="0">
                     <a:schemeClr val="bg2"/>
@@ -45409,14 +45409,14 @@
           <a:effectLst/>
           <a:extLst>
             <a:ext uri="{909E8E84-426E-40dd-AFC4-6F175D3DCCD1}">
-              <a14:hiddenFill xmlns:a14="http://schemas.microsoft.com/office/drawing/2010/main" xmlns="">
+              <a14:hiddenFill xmlns="" xmlns:a14="http://schemas.microsoft.com/office/drawing/2010/main">
                 <a:solidFill>
                   <a:schemeClr val="accent1"/>
                 </a:solidFill>
               </a14:hiddenFill>
             </a:ext>
             <a:ext uri="{91240B29-F687-4f45-9708-019B960494DF}">
-              <a14:hiddenLine xmlns:a14="http://schemas.microsoft.com/office/drawing/2010/main" xmlns="" w="9525">
+              <a14:hiddenLine xmlns="" xmlns:a14="http://schemas.microsoft.com/office/drawing/2010/main" w="9525">
                 <a:solidFill>
                   <a:schemeClr val="tx1"/>
                 </a:solidFill>
@@ -45426,7 +45426,7 @@
               </a14:hiddenLine>
             </a:ext>
             <a:ext uri="{AF507438-7753-43e0-B8FC-AC1667EBCBE1}">
-              <a14:hiddenEffects xmlns:a14="http://schemas.microsoft.com/office/drawing/2010/main" xmlns="">
+              <a14:hiddenEffects xmlns="" xmlns:a14="http://schemas.microsoft.com/office/drawing/2010/main">
                 <a:effectLst>
                   <a:outerShdw dist="35921" dir="2700000" algn="ctr" rotWithShape="0">
                     <a:schemeClr val="bg2"/>
@@ -46777,14 +46777,14 @@
                       </a:ln>
                       <a:extLst>
                         <a:ext uri="{909E8E84-426E-40dd-AFC4-6F175D3DCCD1}">
-                          <a14:hiddenFill xmlns:a14="http://schemas.microsoft.com/office/drawing/2010/main" xmlns="">
+                          <a14:hiddenFill xmlns="" xmlns:a14="http://schemas.microsoft.com/office/drawing/2010/main">
                             <a:solidFill>
                               <a:schemeClr val="accent1"/>
                             </a:solidFill>
                           </a14:hiddenFill>
                         </a:ext>
                         <a:ext uri="{91240B29-F687-4f45-9708-019B960494DF}">
-                          <a14:hiddenLine xmlns:a14="http://schemas.microsoft.com/office/drawing/2010/main" xmlns="" w="9525">
+                          <a14:hiddenLine xmlns="" xmlns:a14="http://schemas.microsoft.com/office/drawing/2010/main" w="9525">
                             <a:solidFill>
                               <a:schemeClr val="tx1"/>
                             </a:solidFill>
